--- a/csc402-ln002.pptx
+++ b/csc402-ln002.pptx
@@ -235,14 +235,14 @@
               <ma14:placeholderFlag xmlns:ma14="http://schemas.microsoft.com/office/mac/drawingml/2011/main" val="1"/>
             </a:ext>
             <a:ext uri="{909E8E84-426E-40dd-AFC4-6F175D3DCCD1}">
-              <a14:hiddenFill xmlns="" xmlns:a14="http://schemas.microsoft.com/office/drawing/2010/main">
+              <a14:hiddenFill xmlns:a14="http://schemas.microsoft.com/office/drawing/2010/main" xmlns="">
                 <a:solidFill>
                   <a:schemeClr val="accent1"/>
                 </a:solidFill>
               </a14:hiddenFill>
             </a:ext>
             <a:ext uri="{91240B29-F687-4f45-9708-019B960494DF}">
-              <a14:hiddenLine xmlns="" xmlns:a14="http://schemas.microsoft.com/office/drawing/2010/main" w="9525">
+              <a14:hiddenLine xmlns:a14="http://schemas.microsoft.com/office/drawing/2010/main" xmlns="" w="9525">
                 <a:solidFill>
                   <a:schemeClr val="tx1"/>
                 </a:solidFill>
@@ -296,14 +296,14 @@
               <ma14:placeholderFlag xmlns:ma14="http://schemas.microsoft.com/office/mac/drawingml/2011/main" val="1"/>
             </a:ext>
             <a:ext uri="{909E8E84-426E-40dd-AFC4-6F175D3DCCD1}">
-              <a14:hiddenFill xmlns="" xmlns:a14="http://schemas.microsoft.com/office/drawing/2010/main">
+              <a14:hiddenFill xmlns:a14="http://schemas.microsoft.com/office/drawing/2010/main" xmlns="">
                 <a:solidFill>
                   <a:schemeClr val="accent1"/>
                 </a:solidFill>
               </a14:hiddenFill>
             </a:ext>
             <a:ext uri="{91240B29-F687-4f45-9708-019B960494DF}">
-              <a14:hiddenLine xmlns="" xmlns:a14="http://schemas.microsoft.com/office/drawing/2010/main" w="9525">
+              <a14:hiddenLine xmlns:a14="http://schemas.microsoft.com/office/drawing/2010/main" xmlns="" w="9525">
                 <a:solidFill>
                   <a:schemeClr val="tx1"/>
                 </a:solidFill>
@@ -360,7 +360,7 @@
           <a:effectLst/>
           <a:extLst>
             <a:ext uri="{AF507438-7753-43e0-B8FC-AC1667EBCBE1}">
-              <a14:hiddenEffects xmlns="" xmlns:a14="http://schemas.microsoft.com/office/drawing/2010/main">
+              <a14:hiddenEffects xmlns:a14="http://schemas.microsoft.com/office/drawing/2010/main" xmlns="">
                 <a:effectLst>
                   <a:outerShdw blurRad="63500" dist="38099" dir="2700000" algn="ctr" rotWithShape="0">
                     <a:srgbClr val="000000">
@@ -371,7 +371,7 @@
               </a14:hiddenEffects>
             </a:ext>
             <a:ext uri="{53640926-AAD7-44d8-BBD7-CCE9431645EC}">
-              <a14:shadowObscured xmlns="" xmlns:a14="http://schemas.microsoft.com/office/drawing/2010/main" val="1"/>
+              <a14:shadowObscured xmlns:a14="http://schemas.microsoft.com/office/drawing/2010/main" xmlns="" val="1"/>
             </a:ext>
           </a:extLst>
         </p:spPr>
@@ -403,14 +403,14 @@
               <ma14:placeholderFlag xmlns:ma14="http://schemas.microsoft.com/office/mac/drawingml/2011/main" val="1"/>
             </a:ext>
             <a:ext uri="{909E8E84-426E-40dd-AFC4-6F175D3DCCD1}">
-              <a14:hiddenFill xmlns="" xmlns:a14="http://schemas.microsoft.com/office/drawing/2010/main">
+              <a14:hiddenFill xmlns:a14="http://schemas.microsoft.com/office/drawing/2010/main" xmlns="">
                 <a:solidFill>
                   <a:schemeClr val="accent1"/>
                 </a:solidFill>
               </a14:hiddenFill>
             </a:ext>
             <a:ext uri="{91240B29-F687-4f45-9708-019B960494DF}">
-              <a14:hiddenLine xmlns="" xmlns:a14="http://schemas.microsoft.com/office/drawing/2010/main" w="9525">
+              <a14:hiddenLine xmlns:a14="http://schemas.microsoft.com/office/drawing/2010/main" xmlns="" w="9525">
                 <a:solidFill>
                   <a:schemeClr val="tx1"/>
                 </a:solidFill>
@@ -492,14 +492,14 @@
               <ma14:placeholderFlag xmlns:ma14="http://schemas.microsoft.com/office/mac/drawingml/2011/main" val="1"/>
             </a:ext>
             <a:ext uri="{909E8E84-426E-40dd-AFC4-6F175D3DCCD1}">
-              <a14:hiddenFill xmlns="" xmlns:a14="http://schemas.microsoft.com/office/drawing/2010/main">
+              <a14:hiddenFill xmlns:a14="http://schemas.microsoft.com/office/drawing/2010/main" xmlns="">
                 <a:solidFill>
                   <a:schemeClr val="accent1"/>
                 </a:solidFill>
               </a14:hiddenFill>
             </a:ext>
             <a:ext uri="{91240B29-F687-4f45-9708-019B960494DF}">
-              <a14:hiddenLine xmlns="" xmlns:a14="http://schemas.microsoft.com/office/drawing/2010/main" w="9525">
+              <a14:hiddenLine xmlns:a14="http://schemas.microsoft.com/office/drawing/2010/main" xmlns="" w="9525">
                 <a:solidFill>
                   <a:schemeClr val="tx1"/>
                 </a:solidFill>
@@ -553,14 +553,14 @@
               <ma14:placeholderFlag xmlns:ma14="http://schemas.microsoft.com/office/mac/drawingml/2011/main" val="1"/>
             </a:ext>
             <a:ext uri="{909E8E84-426E-40dd-AFC4-6F175D3DCCD1}">
-              <a14:hiddenFill xmlns="" xmlns:a14="http://schemas.microsoft.com/office/drawing/2010/main">
+              <a14:hiddenFill xmlns:a14="http://schemas.microsoft.com/office/drawing/2010/main" xmlns="">
                 <a:solidFill>
                   <a:schemeClr val="accent1"/>
                 </a:solidFill>
               </a14:hiddenFill>
             </a:ext>
             <a:ext uri="{91240B29-F687-4f45-9708-019B960494DF}">
-              <a14:hiddenLine xmlns="" xmlns:a14="http://schemas.microsoft.com/office/drawing/2010/main" w="9525">
+              <a14:hiddenLine xmlns:a14="http://schemas.microsoft.com/office/drawing/2010/main" xmlns="" w="9525">
                 <a:solidFill>
                   <a:schemeClr val="tx1"/>
                 </a:solidFill>
@@ -2607,12 +2607,12 @@
           <a:effectLst/>
           <a:extLst>
             <a:ext uri="{909E8E84-426E-40dd-AFC4-6F175D3DCCD1}">
-              <a14:hiddenFill xmlns="" xmlns:a14="http://schemas.microsoft.com/office/drawing/2010/main">
+              <a14:hiddenFill xmlns:a14="http://schemas.microsoft.com/office/drawing/2010/main" xmlns="">
                 <a:noFill/>
               </a14:hiddenFill>
             </a:ext>
             <a:ext uri="{AF507438-7753-43e0-B8FC-AC1667EBCBE1}">
-              <a14:hiddenEffects xmlns="" xmlns:a14="http://schemas.microsoft.com/office/drawing/2010/main">
+              <a14:hiddenEffects xmlns:a14="http://schemas.microsoft.com/office/drawing/2010/main" xmlns="">
                 <a:effectLst>
                   <a:outerShdw blurRad="63500" dist="38099" dir="2700000" algn="ctr" rotWithShape="0">
                     <a:schemeClr val="bg2">
@@ -2813,7 +2813,7 @@
             <a:effectLst/>
             <a:extLst>
               <a:ext uri="{91240B29-F687-4f45-9708-019B960494DF}">
-                <a14:hiddenLine xmlns="" xmlns:a14="http://schemas.microsoft.com/office/drawing/2010/main" w="9525">
+                <a14:hiddenLine xmlns:a14="http://schemas.microsoft.com/office/drawing/2010/main" xmlns="" w="9525">
                   <a:solidFill>
                     <a:schemeClr val="tx1"/>
                   </a:solidFill>
@@ -2823,7 +2823,7 @@
                 </a14:hiddenLine>
               </a:ext>
               <a:ext uri="{AF507438-7753-43e0-B8FC-AC1667EBCBE1}">
-                <a14:hiddenEffects xmlns="" xmlns:a14="http://schemas.microsoft.com/office/drawing/2010/main">
+                <a14:hiddenEffects xmlns:a14="http://schemas.microsoft.com/office/drawing/2010/main" xmlns="">
                   <a:effectLst>
                     <a:outerShdw blurRad="63500" dist="38099" dir="2700000" algn="ctr" rotWithShape="0">
                       <a:schemeClr val="bg2">
@@ -2868,7 +2868,7 @@
             <a:effectLst/>
             <a:extLst>
               <a:ext uri="{91240B29-F687-4f45-9708-019B960494DF}">
-                <a14:hiddenLine xmlns="" xmlns:a14="http://schemas.microsoft.com/office/drawing/2010/main" w="9525">
+                <a14:hiddenLine xmlns:a14="http://schemas.microsoft.com/office/drawing/2010/main" xmlns="" w="9525">
                   <a:solidFill>
                     <a:schemeClr val="tx1"/>
                   </a:solidFill>
@@ -2878,7 +2878,7 @@
                 </a14:hiddenLine>
               </a:ext>
               <a:ext uri="{AF507438-7753-43e0-B8FC-AC1667EBCBE1}">
-                <a14:hiddenEffects xmlns="" xmlns:a14="http://schemas.microsoft.com/office/drawing/2010/main">
+                <a14:hiddenEffects xmlns:a14="http://schemas.microsoft.com/office/drawing/2010/main" xmlns="">
                   <a:effectLst>
                     <a:outerShdw blurRad="63500" dist="38099" dir="2700000" algn="ctr" rotWithShape="0">
                       <a:schemeClr val="bg2">
@@ -2923,7 +2923,7 @@
             <a:effectLst/>
             <a:extLst>
               <a:ext uri="{91240B29-F687-4f45-9708-019B960494DF}">
-                <a14:hiddenLine xmlns="" xmlns:a14="http://schemas.microsoft.com/office/drawing/2010/main" w="9525">
+                <a14:hiddenLine xmlns:a14="http://schemas.microsoft.com/office/drawing/2010/main" xmlns="" w="9525">
                   <a:solidFill>
                     <a:schemeClr val="tx1"/>
                   </a:solidFill>
@@ -2933,7 +2933,7 @@
                 </a14:hiddenLine>
               </a:ext>
               <a:ext uri="{AF507438-7753-43e0-B8FC-AC1667EBCBE1}">
-                <a14:hiddenEffects xmlns="" xmlns:a14="http://schemas.microsoft.com/office/drawing/2010/main">
+                <a14:hiddenEffects xmlns:a14="http://schemas.microsoft.com/office/drawing/2010/main" xmlns="">
                   <a:effectLst>
                     <a:outerShdw blurRad="63500" dist="38099" dir="2700000" algn="ctr" rotWithShape="0">
                       <a:schemeClr val="bg2">
@@ -2978,7 +2978,7 @@
             <a:effectLst/>
             <a:extLst>
               <a:ext uri="{91240B29-F687-4f45-9708-019B960494DF}">
-                <a14:hiddenLine xmlns="" xmlns:a14="http://schemas.microsoft.com/office/drawing/2010/main" w="9525">
+                <a14:hiddenLine xmlns:a14="http://schemas.microsoft.com/office/drawing/2010/main" xmlns="" w="9525">
                   <a:solidFill>
                     <a:schemeClr val="tx1"/>
                   </a:solidFill>
@@ -2988,7 +2988,7 @@
                 </a14:hiddenLine>
               </a:ext>
               <a:ext uri="{AF507438-7753-43e0-B8FC-AC1667EBCBE1}">
-                <a14:hiddenEffects xmlns="" xmlns:a14="http://schemas.microsoft.com/office/drawing/2010/main">
+                <a14:hiddenEffects xmlns:a14="http://schemas.microsoft.com/office/drawing/2010/main" xmlns="">
                   <a:effectLst>
                     <a:outerShdw blurRad="63500" dist="38099" dir="2700000" algn="ctr" rotWithShape="0">
                       <a:schemeClr val="bg2">
@@ -3033,7 +3033,7 @@
             <a:effectLst/>
             <a:extLst>
               <a:ext uri="{91240B29-F687-4f45-9708-019B960494DF}">
-                <a14:hiddenLine xmlns="" xmlns:a14="http://schemas.microsoft.com/office/drawing/2010/main" w="9525">
+                <a14:hiddenLine xmlns:a14="http://schemas.microsoft.com/office/drawing/2010/main" xmlns="" w="9525">
                   <a:solidFill>
                     <a:schemeClr val="tx1"/>
                   </a:solidFill>
@@ -3043,7 +3043,7 @@
                 </a14:hiddenLine>
               </a:ext>
               <a:ext uri="{AF507438-7753-43e0-B8FC-AC1667EBCBE1}">
-                <a14:hiddenEffects xmlns="" xmlns:a14="http://schemas.microsoft.com/office/drawing/2010/main">
+                <a14:hiddenEffects xmlns:a14="http://schemas.microsoft.com/office/drawing/2010/main" xmlns="">
                   <a:effectLst>
                     <a:outerShdw blurRad="63500" dist="38099" dir="2700000" algn="ctr" rotWithShape="0">
                       <a:schemeClr val="bg2">
@@ -3088,7 +3088,7 @@
             <a:effectLst/>
             <a:extLst>
               <a:ext uri="{91240B29-F687-4f45-9708-019B960494DF}">
-                <a14:hiddenLine xmlns="" xmlns:a14="http://schemas.microsoft.com/office/drawing/2010/main" w="9525">
+                <a14:hiddenLine xmlns:a14="http://schemas.microsoft.com/office/drawing/2010/main" xmlns="" w="9525">
                   <a:solidFill>
                     <a:schemeClr val="tx1"/>
                   </a:solidFill>
@@ -3098,7 +3098,7 @@
                 </a14:hiddenLine>
               </a:ext>
               <a:ext uri="{AF507438-7753-43e0-B8FC-AC1667EBCBE1}">
-                <a14:hiddenEffects xmlns="" xmlns:a14="http://schemas.microsoft.com/office/drawing/2010/main">
+                <a14:hiddenEffects xmlns:a14="http://schemas.microsoft.com/office/drawing/2010/main" xmlns="">
                   <a:effectLst>
                     <a:outerShdw blurRad="63500" dist="38099" dir="2700000" algn="ctr" rotWithShape="0">
                       <a:schemeClr val="bg2">
@@ -3143,7 +3143,7 @@
             <a:effectLst/>
             <a:extLst>
               <a:ext uri="{91240B29-F687-4f45-9708-019B960494DF}">
-                <a14:hiddenLine xmlns="" xmlns:a14="http://schemas.microsoft.com/office/drawing/2010/main" w="9525">
+                <a14:hiddenLine xmlns:a14="http://schemas.microsoft.com/office/drawing/2010/main" xmlns="" w="9525">
                   <a:solidFill>
                     <a:schemeClr val="tx1"/>
                   </a:solidFill>
@@ -3153,7 +3153,7 @@
                 </a14:hiddenLine>
               </a:ext>
               <a:ext uri="{AF507438-7753-43e0-B8FC-AC1667EBCBE1}">
-                <a14:hiddenEffects xmlns="" xmlns:a14="http://schemas.microsoft.com/office/drawing/2010/main">
+                <a14:hiddenEffects xmlns:a14="http://schemas.microsoft.com/office/drawing/2010/main" xmlns="">
                   <a:effectLst>
                     <a:outerShdw blurRad="63500" dist="38099" dir="2700000" algn="ctr" rotWithShape="0">
                       <a:schemeClr val="bg2">
@@ -3198,7 +3198,7 @@
             <a:effectLst/>
             <a:extLst>
               <a:ext uri="{91240B29-F687-4f45-9708-019B960494DF}">
-                <a14:hiddenLine xmlns="" xmlns:a14="http://schemas.microsoft.com/office/drawing/2010/main" w="9525">
+                <a14:hiddenLine xmlns:a14="http://schemas.microsoft.com/office/drawing/2010/main" xmlns="" w="9525">
                   <a:solidFill>
                     <a:schemeClr val="tx1"/>
                   </a:solidFill>
@@ -3208,7 +3208,7 @@
                 </a14:hiddenLine>
               </a:ext>
               <a:ext uri="{AF507438-7753-43e0-B8FC-AC1667EBCBE1}">
-                <a14:hiddenEffects xmlns="" xmlns:a14="http://schemas.microsoft.com/office/drawing/2010/main">
+                <a14:hiddenEffects xmlns:a14="http://schemas.microsoft.com/office/drawing/2010/main" xmlns="">
                   <a:effectLst>
                     <a:outerShdw blurRad="63500" dist="38099" dir="2700000" algn="ctr" rotWithShape="0">
                       <a:schemeClr val="bg2">
@@ -3253,7 +3253,7 @@
             <a:effectLst/>
             <a:extLst>
               <a:ext uri="{91240B29-F687-4f45-9708-019B960494DF}">
-                <a14:hiddenLine xmlns="" xmlns:a14="http://schemas.microsoft.com/office/drawing/2010/main" w="9525">
+                <a14:hiddenLine xmlns:a14="http://schemas.microsoft.com/office/drawing/2010/main" xmlns="" w="9525">
                   <a:solidFill>
                     <a:schemeClr val="tx1"/>
                   </a:solidFill>
@@ -3263,7 +3263,7 @@
                 </a14:hiddenLine>
               </a:ext>
               <a:ext uri="{AF507438-7753-43e0-B8FC-AC1667EBCBE1}">
-                <a14:hiddenEffects xmlns="" xmlns:a14="http://schemas.microsoft.com/office/drawing/2010/main">
+                <a14:hiddenEffects xmlns:a14="http://schemas.microsoft.com/office/drawing/2010/main" xmlns="">
                   <a:effectLst>
                     <a:outerShdw blurRad="63500" dist="38099" dir="2700000" algn="ctr" rotWithShape="0">
                       <a:schemeClr val="bg2">
@@ -3308,7 +3308,7 @@
             <a:effectLst/>
             <a:extLst>
               <a:ext uri="{91240B29-F687-4f45-9708-019B960494DF}">
-                <a14:hiddenLine xmlns="" xmlns:a14="http://schemas.microsoft.com/office/drawing/2010/main" w="9525">
+                <a14:hiddenLine xmlns:a14="http://schemas.microsoft.com/office/drawing/2010/main" xmlns="" w="9525">
                   <a:solidFill>
                     <a:schemeClr val="tx1"/>
                   </a:solidFill>
@@ -3318,7 +3318,7 @@
                 </a14:hiddenLine>
               </a:ext>
               <a:ext uri="{AF507438-7753-43e0-B8FC-AC1667EBCBE1}">
-                <a14:hiddenEffects xmlns="" xmlns:a14="http://schemas.microsoft.com/office/drawing/2010/main">
+                <a14:hiddenEffects xmlns:a14="http://schemas.microsoft.com/office/drawing/2010/main" xmlns="">
                   <a:effectLst>
                     <a:outerShdw blurRad="63500" dist="38099" dir="2700000" algn="ctr" rotWithShape="0">
                       <a:schemeClr val="bg2">
@@ -3363,7 +3363,7 @@
             <a:effectLst/>
             <a:extLst>
               <a:ext uri="{91240B29-F687-4f45-9708-019B960494DF}">
-                <a14:hiddenLine xmlns="" xmlns:a14="http://schemas.microsoft.com/office/drawing/2010/main" w="9525">
+                <a14:hiddenLine xmlns:a14="http://schemas.microsoft.com/office/drawing/2010/main" xmlns="" w="9525">
                   <a:solidFill>
                     <a:schemeClr val="tx1"/>
                   </a:solidFill>
@@ -3373,7 +3373,7 @@
                 </a14:hiddenLine>
               </a:ext>
               <a:ext uri="{AF507438-7753-43e0-B8FC-AC1667EBCBE1}">
-                <a14:hiddenEffects xmlns="" xmlns:a14="http://schemas.microsoft.com/office/drawing/2010/main">
+                <a14:hiddenEffects xmlns:a14="http://schemas.microsoft.com/office/drawing/2010/main" xmlns="">
                   <a:effectLst>
                     <a:outerShdw blurRad="63500" dist="38099" dir="2700000" algn="ctr" rotWithShape="0">
                       <a:schemeClr val="bg2">
@@ -3418,7 +3418,7 @@
             <a:effectLst/>
             <a:extLst>
               <a:ext uri="{91240B29-F687-4f45-9708-019B960494DF}">
-                <a14:hiddenLine xmlns="" xmlns:a14="http://schemas.microsoft.com/office/drawing/2010/main" w="9525">
+                <a14:hiddenLine xmlns:a14="http://schemas.microsoft.com/office/drawing/2010/main" xmlns="" w="9525">
                   <a:solidFill>
                     <a:schemeClr val="tx1"/>
                   </a:solidFill>
@@ -3428,7 +3428,7 @@
                 </a14:hiddenLine>
               </a:ext>
               <a:ext uri="{AF507438-7753-43e0-B8FC-AC1667EBCBE1}">
-                <a14:hiddenEffects xmlns="" xmlns:a14="http://schemas.microsoft.com/office/drawing/2010/main">
+                <a14:hiddenEffects xmlns:a14="http://schemas.microsoft.com/office/drawing/2010/main" xmlns="">
                   <a:effectLst>
                     <a:outerShdw blurRad="63500" dist="38099" dir="2700000" algn="ctr" rotWithShape="0">
                       <a:schemeClr val="bg2">
@@ -3473,7 +3473,7 @@
             <a:effectLst/>
             <a:extLst>
               <a:ext uri="{91240B29-F687-4f45-9708-019B960494DF}">
-                <a14:hiddenLine xmlns="" xmlns:a14="http://schemas.microsoft.com/office/drawing/2010/main" w="9525">
+                <a14:hiddenLine xmlns:a14="http://schemas.microsoft.com/office/drawing/2010/main" xmlns="" w="9525">
                   <a:solidFill>
                     <a:schemeClr val="tx1"/>
                   </a:solidFill>
@@ -3483,7 +3483,7 @@
                 </a14:hiddenLine>
               </a:ext>
               <a:ext uri="{AF507438-7753-43e0-B8FC-AC1667EBCBE1}">
-                <a14:hiddenEffects xmlns="" xmlns:a14="http://schemas.microsoft.com/office/drawing/2010/main">
+                <a14:hiddenEffects xmlns:a14="http://schemas.microsoft.com/office/drawing/2010/main" xmlns="">
                   <a:effectLst>
                     <a:outerShdw blurRad="63500" dist="38099" dir="2700000" algn="ctr" rotWithShape="0">
                       <a:schemeClr val="bg2">
@@ -3528,7 +3528,7 @@
             <a:effectLst/>
             <a:extLst>
               <a:ext uri="{91240B29-F687-4f45-9708-019B960494DF}">
-                <a14:hiddenLine xmlns="" xmlns:a14="http://schemas.microsoft.com/office/drawing/2010/main" w="9525">
+                <a14:hiddenLine xmlns:a14="http://schemas.microsoft.com/office/drawing/2010/main" xmlns="" w="9525">
                   <a:solidFill>
                     <a:schemeClr val="tx1"/>
                   </a:solidFill>
@@ -3538,7 +3538,7 @@
                 </a14:hiddenLine>
               </a:ext>
               <a:ext uri="{AF507438-7753-43e0-B8FC-AC1667EBCBE1}">
-                <a14:hiddenEffects xmlns="" xmlns:a14="http://schemas.microsoft.com/office/drawing/2010/main">
+                <a14:hiddenEffects xmlns:a14="http://schemas.microsoft.com/office/drawing/2010/main" xmlns="">
                   <a:effectLst>
                     <a:outerShdw blurRad="63500" dist="38099" dir="2700000" algn="ctr" rotWithShape="0">
                       <a:schemeClr val="bg2">
@@ -3583,7 +3583,7 @@
             <a:effectLst/>
             <a:extLst>
               <a:ext uri="{91240B29-F687-4f45-9708-019B960494DF}">
-                <a14:hiddenLine xmlns="" xmlns:a14="http://schemas.microsoft.com/office/drawing/2010/main" w="9525">
+                <a14:hiddenLine xmlns:a14="http://schemas.microsoft.com/office/drawing/2010/main" xmlns="" w="9525">
                   <a:solidFill>
                     <a:schemeClr val="tx1"/>
                   </a:solidFill>
@@ -3593,7 +3593,7 @@
                 </a14:hiddenLine>
               </a:ext>
               <a:ext uri="{AF507438-7753-43e0-B8FC-AC1667EBCBE1}">
-                <a14:hiddenEffects xmlns="" xmlns:a14="http://schemas.microsoft.com/office/drawing/2010/main">
+                <a14:hiddenEffects xmlns:a14="http://schemas.microsoft.com/office/drawing/2010/main" xmlns="">
                   <a:effectLst>
                     <a:outerShdw blurRad="63500" dist="38099" dir="2700000" algn="ctr" rotWithShape="0">
                       <a:schemeClr val="bg2">
@@ -3638,7 +3638,7 @@
             <a:effectLst/>
             <a:extLst>
               <a:ext uri="{91240B29-F687-4f45-9708-019B960494DF}">
-                <a14:hiddenLine xmlns="" xmlns:a14="http://schemas.microsoft.com/office/drawing/2010/main" w="9525">
+                <a14:hiddenLine xmlns:a14="http://schemas.microsoft.com/office/drawing/2010/main" xmlns="" w="9525">
                   <a:solidFill>
                     <a:schemeClr val="tx1"/>
                   </a:solidFill>
@@ -3648,7 +3648,7 @@
                 </a14:hiddenLine>
               </a:ext>
               <a:ext uri="{AF507438-7753-43e0-B8FC-AC1667EBCBE1}">
-                <a14:hiddenEffects xmlns="" xmlns:a14="http://schemas.microsoft.com/office/drawing/2010/main">
+                <a14:hiddenEffects xmlns:a14="http://schemas.microsoft.com/office/drawing/2010/main" xmlns="">
                   <a:effectLst>
                     <a:outerShdw blurRad="63500" dist="38099" dir="2700000" algn="ctr" rotWithShape="0">
                       <a:schemeClr val="bg2">
@@ -3693,7 +3693,7 @@
             <a:effectLst/>
             <a:extLst>
               <a:ext uri="{91240B29-F687-4f45-9708-019B960494DF}">
-                <a14:hiddenLine xmlns="" xmlns:a14="http://schemas.microsoft.com/office/drawing/2010/main" w="9525">
+                <a14:hiddenLine xmlns:a14="http://schemas.microsoft.com/office/drawing/2010/main" xmlns="" w="9525">
                   <a:solidFill>
                     <a:schemeClr val="tx1"/>
                   </a:solidFill>
@@ -3703,7 +3703,7 @@
                 </a14:hiddenLine>
               </a:ext>
               <a:ext uri="{AF507438-7753-43e0-B8FC-AC1667EBCBE1}">
-                <a14:hiddenEffects xmlns="" xmlns:a14="http://schemas.microsoft.com/office/drawing/2010/main">
+                <a14:hiddenEffects xmlns:a14="http://schemas.microsoft.com/office/drawing/2010/main" xmlns="">
                   <a:effectLst>
                     <a:outerShdw blurRad="63500" dist="38099" dir="2700000" algn="ctr" rotWithShape="0">
                       <a:schemeClr val="bg2">
@@ -3748,7 +3748,7 @@
             <a:effectLst/>
             <a:extLst>
               <a:ext uri="{91240B29-F687-4f45-9708-019B960494DF}">
-                <a14:hiddenLine xmlns="" xmlns:a14="http://schemas.microsoft.com/office/drawing/2010/main" w="9525">
+                <a14:hiddenLine xmlns:a14="http://schemas.microsoft.com/office/drawing/2010/main" xmlns="" w="9525">
                   <a:solidFill>
                     <a:schemeClr val="tx1"/>
                   </a:solidFill>
@@ -3758,7 +3758,7 @@
                 </a14:hiddenLine>
               </a:ext>
               <a:ext uri="{AF507438-7753-43e0-B8FC-AC1667EBCBE1}">
-                <a14:hiddenEffects xmlns="" xmlns:a14="http://schemas.microsoft.com/office/drawing/2010/main">
+                <a14:hiddenEffects xmlns:a14="http://schemas.microsoft.com/office/drawing/2010/main" xmlns="">
                   <a:effectLst>
                     <a:outerShdw blurRad="63500" dist="38099" dir="2700000" algn="ctr" rotWithShape="0">
                       <a:schemeClr val="bg2">
@@ -3803,7 +3803,7 @@
             <a:effectLst/>
             <a:extLst>
               <a:ext uri="{91240B29-F687-4f45-9708-019B960494DF}">
-                <a14:hiddenLine xmlns="" xmlns:a14="http://schemas.microsoft.com/office/drawing/2010/main" w="9525">
+                <a14:hiddenLine xmlns:a14="http://schemas.microsoft.com/office/drawing/2010/main" xmlns="" w="9525">
                   <a:solidFill>
                     <a:schemeClr val="tx1"/>
                   </a:solidFill>
@@ -3813,7 +3813,7 @@
                 </a14:hiddenLine>
               </a:ext>
               <a:ext uri="{AF507438-7753-43e0-B8FC-AC1667EBCBE1}">
-                <a14:hiddenEffects xmlns="" xmlns:a14="http://schemas.microsoft.com/office/drawing/2010/main">
+                <a14:hiddenEffects xmlns:a14="http://schemas.microsoft.com/office/drawing/2010/main" xmlns="">
                   <a:effectLst>
                     <a:outerShdw blurRad="63500" dist="38099" dir="2700000" algn="ctr" rotWithShape="0">
                       <a:schemeClr val="bg2">
@@ -3858,7 +3858,7 @@
             <a:effectLst/>
             <a:extLst>
               <a:ext uri="{91240B29-F687-4f45-9708-019B960494DF}">
-                <a14:hiddenLine xmlns="" xmlns:a14="http://schemas.microsoft.com/office/drawing/2010/main" w="9525">
+                <a14:hiddenLine xmlns:a14="http://schemas.microsoft.com/office/drawing/2010/main" xmlns="" w="9525">
                   <a:solidFill>
                     <a:schemeClr val="tx1"/>
                   </a:solidFill>
@@ -3868,7 +3868,7 @@
                 </a14:hiddenLine>
               </a:ext>
               <a:ext uri="{AF507438-7753-43e0-B8FC-AC1667EBCBE1}">
-                <a14:hiddenEffects xmlns="" xmlns:a14="http://schemas.microsoft.com/office/drawing/2010/main">
+                <a14:hiddenEffects xmlns:a14="http://schemas.microsoft.com/office/drawing/2010/main" xmlns="">
                   <a:effectLst>
                     <a:outerShdw blurRad="63500" dist="38099" dir="2700000" algn="ctr" rotWithShape="0">
                       <a:schemeClr val="bg2">
@@ -3913,7 +3913,7 @@
             <a:effectLst/>
             <a:extLst>
               <a:ext uri="{91240B29-F687-4f45-9708-019B960494DF}">
-                <a14:hiddenLine xmlns="" xmlns:a14="http://schemas.microsoft.com/office/drawing/2010/main" w="9525">
+                <a14:hiddenLine xmlns:a14="http://schemas.microsoft.com/office/drawing/2010/main" xmlns="" w="9525">
                   <a:solidFill>
                     <a:schemeClr val="tx1"/>
                   </a:solidFill>
@@ -3923,7 +3923,7 @@
                 </a14:hiddenLine>
               </a:ext>
               <a:ext uri="{AF507438-7753-43e0-B8FC-AC1667EBCBE1}">
-                <a14:hiddenEffects xmlns="" xmlns:a14="http://schemas.microsoft.com/office/drawing/2010/main">
+                <a14:hiddenEffects xmlns:a14="http://schemas.microsoft.com/office/drawing/2010/main" xmlns="">
                   <a:effectLst>
                     <a:outerShdw blurRad="63500" dist="38099" dir="2700000" algn="ctr" rotWithShape="0">
                       <a:schemeClr val="bg2">
@@ -3968,7 +3968,7 @@
             <a:effectLst/>
             <a:extLst>
               <a:ext uri="{91240B29-F687-4f45-9708-019B960494DF}">
-                <a14:hiddenLine xmlns="" xmlns:a14="http://schemas.microsoft.com/office/drawing/2010/main" w="9525">
+                <a14:hiddenLine xmlns:a14="http://schemas.microsoft.com/office/drawing/2010/main" xmlns="" w="9525">
                   <a:solidFill>
                     <a:schemeClr val="tx1"/>
                   </a:solidFill>
@@ -3978,7 +3978,7 @@
                 </a14:hiddenLine>
               </a:ext>
               <a:ext uri="{AF507438-7753-43e0-B8FC-AC1667EBCBE1}">
-                <a14:hiddenEffects xmlns="" xmlns:a14="http://schemas.microsoft.com/office/drawing/2010/main">
+                <a14:hiddenEffects xmlns:a14="http://schemas.microsoft.com/office/drawing/2010/main" xmlns="">
                   <a:effectLst>
                     <a:outerShdw blurRad="63500" dist="38099" dir="2700000" algn="ctr" rotWithShape="0">
                       <a:schemeClr val="bg2">
@@ -4023,7 +4023,7 @@
             <a:effectLst/>
             <a:extLst>
               <a:ext uri="{91240B29-F687-4f45-9708-019B960494DF}">
-                <a14:hiddenLine xmlns="" xmlns:a14="http://schemas.microsoft.com/office/drawing/2010/main" w="9525">
+                <a14:hiddenLine xmlns:a14="http://schemas.microsoft.com/office/drawing/2010/main" xmlns="" w="9525">
                   <a:solidFill>
                     <a:schemeClr val="tx1"/>
                   </a:solidFill>
@@ -4033,7 +4033,7 @@
                 </a14:hiddenLine>
               </a:ext>
               <a:ext uri="{AF507438-7753-43e0-B8FC-AC1667EBCBE1}">
-                <a14:hiddenEffects xmlns="" xmlns:a14="http://schemas.microsoft.com/office/drawing/2010/main">
+                <a14:hiddenEffects xmlns:a14="http://schemas.microsoft.com/office/drawing/2010/main" xmlns="">
                   <a:effectLst>
                     <a:outerShdw blurRad="63500" dist="38099" dir="2700000" algn="ctr" rotWithShape="0">
                       <a:schemeClr val="bg2">
@@ -4078,7 +4078,7 @@
             <a:effectLst/>
             <a:extLst>
               <a:ext uri="{91240B29-F687-4f45-9708-019B960494DF}">
-                <a14:hiddenLine xmlns="" xmlns:a14="http://schemas.microsoft.com/office/drawing/2010/main" w="9525">
+                <a14:hiddenLine xmlns:a14="http://schemas.microsoft.com/office/drawing/2010/main" xmlns="" w="9525">
                   <a:solidFill>
                     <a:schemeClr val="tx1"/>
                   </a:solidFill>
@@ -4088,7 +4088,7 @@
                 </a14:hiddenLine>
               </a:ext>
               <a:ext uri="{AF507438-7753-43e0-B8FC-AC1667EBCBE1}">
-                <a14:hiddenEffects xmlns="" xmlns:a14="http://schemas.microsoft.com/office/drawing/2010/main">
+                <a14:hiddenEffects xmlns:a14="http://schemas.microsoft.com/office/drawing/2010/main" xmlns="">
                   <a:effectLst>
                     <a:outerShdw blurRad="63500" dist="38099" dir="2700000" algn="ctr" rotWithShape="0">
                       <a:schemeClr val="bg2">
@@ -4133,7 +4133,7 @@
             <a:effectLst/>
             <a:extLst>
               <a:ext uri="{91240B29-F687-4f45-9708-019B960494DF}">
-                <a14:hiddenLine xmlns="" xmlns:a14="http://schemas.microsoft.com/office/drawing/2010/main" w="9525">
+                <a14:hiddenLine xmlns:a14="http://schemas.microsoft.com/office/drawing/2010/main" xmlns="" w="9525">
                   <a:solidFill>
                     <a:schemeClr val="tx1"/>
                   </a:solidFill>
@@ -4143,7 +4143,7 @@
                 </a14:hiddenLine>
               </a:ext>
               <a:ext uri="{AF507438-7753-43e0-B8FC-AC1667EBCBE1}">
-                <a14:hiddenEffects xmlns="" xmlns:a14="http://schemas.microsoft.com/office/drawing/2010/main">
+                <a14:hiddenEffects xmlns:a14="http://schemas.microsoft.com/office/drawing/2010/main" xmlns="">
                   <a:effectLst>
                     <a:outerShdw blurRad="63500" dist="38099" dir="2700000" algn="ctr" rotWithShape="0">
                       <a:schemeClr val="bg2">
@@ -4188,7 +4188,7 @@
             <a:effectLst/>
             <a:extLst>
               <a:ext uri="{91240B29-F687-4f45-9708-019B960494DF}">
-                <a14:hiddenLine xmlns="" xmlns:a14="http://schemas.microsoft.com/office/drawing/2010/main" w="9525">
+                <a14:hiddenLine xmlns:a14="http://schemas.microsoft.com/office/drawing/2010/main" xmlns="" w="9525">
                   <a:solidFill>
                     <a:schemeClr val="tx1"/>
                   </a:solidFill>
@@ -4198,7 +4198,7 @@
                 </a14:hiddenLine>
               </a:ext>
               <a:ext uri="{AF507438-7753-43e0-B8FC-AC1667EBCBE1}">
-                <a14:hiddenEffects xmlns="" xmlns:a14="http://schemas.microsoft.com/office/drawing/2010/main">
+                <a14:hiddenEffects xmlns:a14="http://schemas.microsoft.com/office/drawing/2010/main" xmlns="">
                   <a:effectLst>
                     <a:outerShdw blurRad="63500" dist="38099" dir="2700000" algn="ctr" rotWithShape="0">
                       <a:schemeClr val="bg2">
@@ -4243,7 +4243,7 @@
             <a:effectLst/>
             <a:extLst>
               <a:ext uri="{91240B29-F687-4f45-9708-019B960494DF}">
-                <a14:hiddenLine xmlns="" xmlns:a14="http://schemas.microsoft.com/office/drawing/2010/main" w="9525">
+                <a14:hiddenLine xmlns:a14="http://schemas.microsoft.com/office/drawing/2010/main" xmlns="" w="9525">
                   <a:solidFill>
                     <a:schemeClr val="tx1"/>
                   </a:solidFill>
@@ -4253,7 +4253,7 @@
                 </a14:hiddenLine>
               </a:ext>
               <a:ext uri="{AF507438-7753-43e0-B8FC-AC1667EBCBE1}">
-                <a14:hiddenEffects xmlns="" xmlns:a14="http://schemas.microsoft.com/office/drawing/2010/main">
+                <a14:hiddenEffects xmlns:a14="http://schemas.microsoft.com/office/drawing/2010/main" xmlns="">
                   <a:effectLst>
                     <a:outerShdw blurRad="63500" dist="38099" dir="2700000" algn="ctr" rotWithShape="0">
                       <a:schemeClr val="bg2">
@@ -4298,7 +4298,7 @@
             <a:effectLst/>
             <a:extLst>
               <a:ext uri="{91240B29-F687-4f45-9708-019B960494DF}">
-                <a14:hiddenLine xmlns="" xmlns:a14="http://schemas.microsoft.com/office/drawing/2010/main" w="9525">
+                <a14:hiddenLine xmlns:a14="http://schemas.microsoft.com/office/drawing/2010/main" xmlns="" w="9525">
                   <a:solidFill>
                     <a:schemeClr val="tx1"/>
                   </a:solidFill>
@@ -4308,7 +4308,7 @@
                 </a14:hiddenLine>
               </a:ext>
               <a:ext uri="{AF507438-7753-43e0-B8FC-AC1667EBCBE1}">
-                <a14:hiddenEffects xmlns="" xmlns:a14="http://schemas.microsoft.com/office/drawing/2010/main">
+                <a14:hiddenEffects xmlns:a14="http://schemas.microsoft.com/office/drawing/2010/main" xmlns="">
                   <a:effectLst>
                     <a:outerShdw blurRad="63500" dist="38099" dir="2700000" algn="ctr" rotWithShape="0">
                       <a:schemeClr val="bg2">
@@ -4353,7 +4353,7 @@
             <a:effectLst/>
             <a:extLst>
               <a:ext uri="{91240B29-F687-4f45-9708-019B960494DF}">
-                <a14:hiddenLine xmlns="" xmlns:a14="http://schemas.microsoft.com/office/drawing/2010/main" w="9525">
+                <a14:hiddenLine xmlns:a14="http://schemas.microsoft.com/office/drawing/2010/main" xmlns="" w="9525">
                   <a:solidFill>
                     <a:schemeClr val="tx1"/>
                   </a:solidFill>
@@ -4363,7 +4363,7 @@
                 </a14:hiddenLine>
               </a:ext>
               <a:ext uri="{AF507438-7753-43e0-B8FC-AC1667EBCBE1}">
-                <a14:hiddenEffects xmlns="" xmlns:a14="http://schemas.microsoft.com/office/drawing/2010/main">
+                <a14:hiddenEffects xmlns:a14="http://schemas.microsoft.com/office/drawing/2010/main" xmlns="">
                   <a:effectLst>
                     <a:outerShdw blurRad="63500" dist="38099" dir="2700000" algn="ctr" rotWithShape="0">
                       <a:schemeClr val="bg2">
@@ -4408,7 +4408,7 @@
             <a:effectLst/>
             <a:extLst>
               <a:ext uri="{91240B29-F687-4f45-9708-019B960494DF}">
-                <a14:hiddenLine xmlns="" xmlns:a14="http://schemas.microsoft.com/office/drawing/2010/main" w="9525">
+                <a14:hiddenLine xmlns:a14="http://schemas.microsoft.com/office/drawing/2010/main" xmlns="" w="9525">
                   <a:solidFill>
                     <a:schemeClr val="tx1"/>
                   </a:solidFill>
@@ -4418,7 +4418,7 @@
                 </a14:hiddenLine>
               </a:ext>
               <a:ext uri="{AF507438-7753-43e0-B8FC-AC1667EBCBE1}">
-                <a14:hiddenEffects xmlns="" xmlns:a14="http://schemas.microsoft.com/office/drawing/2010/main">
+                <a14:hiddenEffects xmlns:a14="http://schemas.microsoft.com/office/drawing/2010/main" xmlns="">
                   <a:effectLst>
                     <a:outerShdw blurRad="63500" dist="38099" dir="2700000" algn="ctr" rotWithShape="0">
                       <a:schemeClr val="bg2">
@@ -4463,7 +4463,7 @@
             <a:effectLst/>
             <a:extLst>
               <a:ext uri="{91240B29-F687-4f45-9708-019B960494DF}">
-                <a14:hiddenLine xmlns="" xmlns:a14="http://schemas.microsoft.com/office/drawing/2010/main" w="9525">
+                <a14:hiddenLine xmlns:a14="http://schemas.microsoft.com/office/drawing/2010/main" xmlns="" w="9525">
                   <a:solidFill>
                     <a:schemeClr val="tx1"/>
                   </a:solidFill>
@@ -4473,7 +4473,7 @@
                 </a14:hiddenLine>
               </a:ext>
               <a:ext uri="{AF507438-7753-43e0-B8FC-AC1667EBCBE1}">
-                <a14:hiddenEffects xmlns="" xmlns:a14="http://schemas.microsoft.com/office/drawing/2010/main">
+                <a14:hiddenEffects xmlns:a14="http://schemas.microsoft.com/office/drawing/2010/main" xmlns="">
                   <a:effectLst>
                     <a:outerShdw blurRad="63500" dist="38099" dir="2700000" algn="ctr" rotWithShape="0">
                       <a:schemeClr val="bg2">
@@ -4522,12 +4522,12 @@
           <a:effectLst/>
           <a:extLst>
             <a:ext uri="{909E8E84-426E-40dd-AFC4-6F175D3DCCD1}">
-              <a14:hiddenFill xmlns="" xmlns:a14="http://schemas.microsoft.com/office/drawing/2010/main">
+              <a14:hiddenFill xmlns:a14="http://schemas.microsoft.com/office/drawing/2010/main" xmlns="">
                 <a:noFill/>
               </a14:hiddenFill>
             </a:ext>
             <a:ext uri="{AF507438-7753-43e0-B8FC-AC1667EBCBE1}">
-              <a14:hiddenEffects xmlns="" xmlns:a14="http://schemas.microsoft.com/office/drawing/2010/main">
+              <a14:hiddenEffects xmlns:a14="http://schemas.microsoft.com/office/drawing/2010/main" xmlns="">
                 <a:effectLst>
                   <a:outerShdw blurRad="63500" dist="38099" dir="2700000" algn="ctr" rotWithShape="0">
                     <a:schemeClr val="bg2">
@@ -6875,12 +6875,12 @@
           <a:effectLst/>
           <a:extLst>
             <a:ext uri="{909E8E84-426E-40dd-AFC4-6F175D3DCCD1}">
-              <a14:hiddenFill xmlns="" xmlns:a14="http://schemas.microsoft.com/office/drawing/2010/main">
+              <a14:hiddenFill xmlns:a14="http://schemas.microsoft.com/office/drawing/2010/main" xmlns="">
                 <a:noFill/>
               </a14:hiddenFill>
             </a:ext>
             <a:ext uri="{AF507438-7753-43e0-B8FC-AC1667EBCBE1}">
-              <a14:hiddenEffects xmlns="" xmlns:a14="http://schemas.microsoft.com/office/drawing/2010/main">
+              <a14:hiddenEffects xmlns:a14="http://schemas.microsoft.com/office/drawing/2010/main" xmlns="">
                 <a:effectLst>
                   <a:outerShdw blurRad="63500" dist="38099" dir="2700000" algn="ctr" rotWithShape="0">
                     <a:schemeClr val="bg2">
@@ -6928,14 +6928,14 @@
               <ma14:placeholderFlag xmlns:ma14="http://schemas.microsoft.com/office/mac/drawingml/2011/main" val="1"/>
             </a:ext>
             <a:ext uri="{909E8E84-426E-40dd-AFC4-6F175D3DCCD1}">
-              <a14:hiddenFill xmlns="" xmlns:a14="http://schemas.microsoft.com/office/drawing/2010/main">
+              <a14:hiddenFill xmlns:a14="http://schemas.microsoft.com/office/drawing/2010/main" xmlns="">
                 <a:solidFill>
                   <a:schemeClr val="accent1"/>
                 </a:solidFill>
               </a14:hiddenFill>
             </a:ext>
             <a:ext uri="{91240B29-F687-4f45-9708-019B960494DF}">
-              <a14:hiddenLine xmlns="" xmlns:a14="http://schemas.microsoft.com/office/drawing/2010/main" w="9525">
+              <a14:hiddenLine xmlns:a14="http://schemas.microsoft.com/office/drawing/2010/main" xmlns="" w="9525">
                 <a:solidFill>
                   <a:schemeClr val="tx1"/>
                 </a:solidFill>
@@ -6945,7 +6945,7 @@
               </a14:hiddenLine>
             </a:ext>
             <a:ext uri="{AF507438-7753-43e0-B8FC-AC1667EBCBE1}">
-              <a14:hiddenEffects xmlns="" xmlns:a14="http://schemas.microsoft.com/office/drawing/2010/main">
+              <a14:hiddenEffects xmlns:a14="http://schemas.microsoft.com/office/drawing/2010/main" xmlns="">
                 <a:effectLst>
                   <a:outerShdw blurRad="63500" dist="38099" dir="2700000" algn="ctr" rotWithShape="0">
                     <a:schemeClr val="bg2">
@@ -7001,14 +7001,14 @@
               <ma14:placeholderFlag xmlns:ma14="http://schemas.microsoft.com/office/mac/drawingml/2011/main" val="1"/>
             </a:ext>
             <a:ext uri="{909E8E84-426E-40dd-AFC4-6F175D3DCCD1}">
-              <a14:hiddenFill xmlns="" xmlns:a14="http://schemas.microsoft.com/office/drawing/2010/main">
+              <a14:hiddenFill xmlns:a14="http://schemas.microsoft.com/office/drawing/2010/main" xmlns="">
                 <a:solidFill>
                   <a:schemeClr val="accent1"/>
                 </a:solidFill>
               </a14:hiddenFill>
             </a:ext>
             <a:ext uri="{91240B29-F687-4f45-9708-019B960494DF}">
-              <a14:hiddenLine xmlns="" xmlns:a14="http://schemas.microsoft.com/office/drawing/2010/main" w="9525">
+              <a14:hiddenLine xmlns:a14="http://schemas.microsoft.com/office/drawing/2010/main" xmlns="" w="9525">
                 <a:solidFill>
                   <a:schemeClr val="tx1"/>
                 </a:solidFill>
@@ -7018,7 +7018,7 @@
               </a14:hiddenLine>
             </a:ext>
             <a:ext uri="{AF507438-7753-43e0-B8FC-AC1667EBCBE1}">
-              <a14:hiddenEffects xmlns="" xmlns:a14="http://schemas.microsoft.com/office/drawing/2010/main">
+              <a14:hiddenEffects xmlns:a14="http://schemas.microsoft.com/office/drawing/2010/main" xmlns="">
                 <a:effectLst>
                   <a:outerShdw blurRad="63500" dist="38099" dir="2700000" algn="ctr" rotWithShape="0">
                     <a:schemeClr val="bg2">
@@ -7102,14 +7102,14 @@
               <ma14:placeholderFlag xmlns:ma14="http://schemas.microsoft.com/office/mac/drawingml/2011/main" val="1"/>
             </a:ext>
             <a:ext uri="{909E8E84-426E-40dd-AFC4-6F175D3DCCD1}">
-              <a14:hiddenFill xmlns="" xmlns:a14="http://schemas.microsoft.com/office/drawing/2010/main">
+              <a14:hiddenFill xmlns:a14="http://schemas.microsoft.com/office/drawing/2010/main" xmlns="">
                 <a:solidFill>
                   <a:schemeClr val="accent1"/>
                 </a:solidFill>
               </a14:hiddenFill>
             </a:ext>
             <a:ext uri="{91240B29-F687-4f45-9708-019B960494DF}">
-              <a14:hiddenLine xmlns="" xmlns:a14="http://schemas.microsoft.com/office/drawing/2010/main" w="9525">
+              <a14:hiddenLine xmlns:a14="http://schemas.microsoft.com/office/drawing/2010/main" xmlns="" w="9525">
                 <a:solidFill>
                   <a:schemeClr val="tx1"/>
                 </a:solidFill>
@@ -7119,7 +7119,7 @@
               </a14:hiddenLine>
             </a:ext>
             <a:ext uri="{AF507438-7753-43e0-B8FC-AC1667EBCBE1}">
-              <a14:hiddenEffects xmlns="" xmlns:a14="http://schemas.microsoft.com/office/drawing/2010/main">
+              <a14:hiddenEffects xmlns:a14="http://schemas.microsoft.com/office/drawing/2010/main" xmlns="">
                 <a:effectLst>
                   <a:outerShdw blurRad="63500" dist="38099" dir="2700000" algn="ctr" rotWithShape="0">
                     <a:schemeClr val="bg2">
@@ -7175,14 +7175,14 @@
               <ma14:placeholderFlag xmlns:ma14="http://schemas.microsoft.com/office/mac/drawingml/2011/main" val="1"/>
             </a:ext>
             <a:ext uri="{909E8E84-426E-40dd-AFC4-6F175D3DCCD1}">
-              <a14:hiddenFill xmlns="" xmlns:a14="http://schemas.microsoft.com/office/drawing/2010/main">
+              <a14:hiddenFill xmlns:a14="http://schemas.microsoft.com/office/drawing/2010/main" xmlns="">
                 <a:solidFill>
                   <a:schemeClr val="accent1"/>
                 </a:solidFill>
               </a14:hiddenFill>
             </a:ext>
             <a:ext uri="{91240B29-F687-4f45-9708-019B960494DF}">
-              <a14:hiddenLine xmlns="" xmlns:a14="http://schemas.microsoft.com/office/drawing/2010/main" w="9525">
+              <a14:hiddenLine xmlns:a14="http://schemas.microsoft.com/office/drawing/2010/main" xmlns="" w="9525">
                 <a:solidFill>
                   <a:schemeClr val="tx1"/>
                 </a:solidFill>
@@ -7192,7 +7192,7 @@
               </a14:hiddenLine>
             </a:ext>
             <a:ext uri="{AF507438-7753-43e0-B8FC-AC1667EBCBE1}">
-              <a14:hiddenEffects xmlns="" xmlns:a14="http://schemas.microsoft.com/office/drawing/2010/main">
+              <a14:hiddenEffects xmlns:a14="http://schemas.microsoft.com/office/drawing/2010/main" xmlns="">
                 <a:effectLst>
                   <a:outerShdw blurRad="63500" dist="38099" dir="2700000" algn="ctr" rotWithShape="0">
                     <a:schemeClr val="bg2">
@@ -7248,14 +7248,14 @@
               <ma14:placeholderFlag xmlns:ma14="http://schemas.microsoft.com/office/mac/drawingml/2011/main" val="1"/>
             </a:ext>
             <a:ext uri="{909E8E84-426E-40dd-AFC4-6F175D3DCCD1}">
-              <a14:hiddenFill xmlns="" xmlns:a14="http://schemas.microsoft.com/office/drawing/2010/main">
+              <a14:hiddenFill xmlns:a14="http://schemas.microsoft.com/office/drawing/2010/main" xmlns="">
                 <a:solidFill>
                   <a:schemeClr val="accent1"/>
                 </a:solidFill>
               </a14:hiddenFill>
             </a:ext>
             <a:ext uri="{91240B29-F687-4f45-9708-019B960494DF}">
-              <a14:hiddenLine xmlns="" xmlns:a14="http://schemas.microsoft.com/office/drawing/2010/main" w="9525">
+              <a14:hiddenLine xmlns:a14="http://schemas.microsoft.com/office/drawing/2010/main" xmlns="" w="9525">
                 <a:solidFill>
                   <a:schemeClr val="tx1"/>
                 </a:solidFill>
@@ -7265,7 +7265,7 @@
               </a14:hiddenLine>
             </a:ext>
             <a:ext uri="{AF507438-7753-43e0-B8FC-AC1667EBCBE1}">
-              <a14:hiddenEffects xmlns="" xmlns:a14="http://schemas.microsoft.com/office/drawing/2010/main">
+              <a14:hiddenEffects xmlns:a14="http://schemas.microsoft.com/office/drawing/2010/main" xmlns="">
                 <a:effectLst>
                   <a:outerShdw blurRad="63500" dist="38099" dir="2700000" algn="ctr" rotWithShape="0">
                     <a:schemeClr val="bg2">
@@ -7339,7 +7339,7 @@
             <a:effectLst/>
             <a:extLst>
               <a:ext uri="{91240B29-F687-4f45-9708-019B960494DF}">
-                <a14:hiddenLine xmlns="" xmlns:a14="http://schemas.microsoft.com/office/drawing/2010/main" w="9525">
+                <a14:hiddenLine xmlns:a14="http://schemas.microsoft.com/office/drawing/2010/main" xmlns="" w="9525">
                   <a:solidFill>
                     <a:schemeClr val="tx1"/>
                   </a:solidFill>
@@ -7349,7 +7349,7 @@
                 </a14:hiddenLine>
               </a:ext>
               <a:ext uri="{AF507438-7753-43e0-B8FC-AC1667EBCBE1}">
-                <a14:hiddenEffects xmlns="" xmlns:a14="http://schemas.microsoft.com/office/drawing/2010/main">
+                <a14:hiddenEffects xmlns:a14="http://schemas.microsoft.com/office/drawing/2010/main" xmlns="">
                   <a:effectLst>
                     <a:outerShdw blurRad="63500" dist="38099" dir="2700000" algn="ctr" rotWithShape="0">
                       <a:schemeClr val="bg2">
@@ -7394,7 +7394,7 @@
             <a:effectLst/>
             <a:extLst>
               <a:ext uri="{91240B29-F687-4f45-9708-019B960494DF}">
-                <a14:hiddenLine xmlns="" xmlns:a14="http://schemas.microsoft.com/office/drawing/2010/main" w="9525">
+                <a14:hiddenLine xmlns:a14="http://schemas.microsoft.com/office/drawing/2010/main" xmlns="" w="9525">
                   <a:solidFill>
                     <a:schemeClr val="tx1"/>
                   </a:solidFill>
@@ -7404,7 +7404,7 @@
                 </a14:hiddenLine>
               </a:ext>
               <a:ext uri="{AF507438-7753-43e0-B8FC-AC1667EBCBE1}">
-                <a14:hiddenEffects xmlns="" xmlns:a14="http://schemas.microsoft.com/office/drawing/2010/main">
+                <a14:hiddenEffects xmlns:a14="http://schemas.microsoft.com/office/drawing/2010/main" xmlns="">
                   <a:effectLst>
                     <a:outerShdw blurRad="63500" dist="38099" dir="2700000" algn="ctr" rotWithShape="0">
                       <a:schemeClr val="bg2">
@@ -7449,7 +7449,7 @@
             <a:effectLst/>
             <a:extLst>
               <a:ext uri="{91240B29-F687-4f45-9708-019B960494DF}">
-                <a14:hiddenLine xmlns="" xmlns:a14="http://schemas.microsoft.com/office/drawing/2010/main" w="9525">
+                <a14:hiddenLine xmlns:a14="http://schemas.microsoft.com/office/drawing/2010/main" xmlns="" w="9525">
                   <a:solidFill>
                     <a:schemeClr val="tx1"/>
                   </a:solidFill>
@@ -7459,7 +7459,7 @@
                 </a14:hiddenLine>
               </a:ext>
               <a:ext uri="{AF507438-7753-43e0-B8FC-AC1667EBCBE1}">
-                <a14:hiddenEffects xmlns="" xmlns:a14="http://schemas.microsoft.com/office/drawing/2010/main">
+                <a14:hiddenEffects xmlns:a14="http://schemas.microsoft.com/office/drawing/2010/main" xmlns="">
                   <a:effectLst>
                     <a:outerShdw blurRad="63500" dist="38099" dir="2700000" algn="ctr" rotWithShape="0">
                       <a:schemeClr val="bg2">
@@ -7504,7 +7504,7 @@
             <a:effectLst/>
             <a:extLst>
               <a:ext uri="{91240B29-F687-4f45-9708-019B960494DF}">
-                <a14:hiddenLine xmlns="" xmlns:a14="http://schemas.microsoft.com/office/drawing/2010/main" w="9525">
+                <a14:hiddenLine xmlns:a14="http://schemas.microsoft.com/office/drawing/2010/main" xmlns="" w="9525">
                   <a:solidFill>
                     <a:schemeClr val="tx1"/>
                   </a:solidFill>
@@ -7514,7 +7514,7 @@
                 </a14:hiddenLine>
               </a:ext>
               <a:ext uri="{AF507438-7753-43e0-B8FC-AC1667EBCBE1}">
-                <a14:hiddenEffects xmlns="" xmlns:a14="http://schemas.microsoft.com/office/drawing/2010/main">
+                <a14:hiddenEffects xmlns:a14="http://schemas.microsoft.com/office/drawing/2010/main" xmlns="">
                   <a:effectLst>
                     <a:outerShdw blurRad="63500" dist="38099" dir="2700000" algn="ctr" rotWithShape="0">
                       <a:schemeClr val="bg2">
@@ -7559,7 +7559,7 @@
             <a:effectLst/>
             <a:extLst>
               <a:ext uri="{91240B29-F687-4f45-9708-019B960494DF}">
-                <a14:hiddenLine xmlns="" xmlns:a14="http://schemas.microsoft.com/office/drawing/2010/main" w="9525">
+                <a14:hiddenLine xmlns:a14="http://schemas.microsoft.com/office/drawing/2010/main" xmlns="" w="9525">
                   <a:solidFill>
                     <a:schemeClr val="tx1"/>
                   </a:solidFill>
@@ -7569,7 +7569,7 @@
                 </a14:hiddenLine>
               </a:ext>
               <a:ext uri="{AF507438-7753-43e0-B8FC-AC1667EBCBE1}">
-                <a14:hiddenEffects xmlns="" xmlns:a14="http://schemas.microsoft.com/office/drawing/2010/main">
+                <a14:hiddenEffects xmlns:a14="http://schemas.microsoft.com/office/drawing/2010/main" xmlns="">
                   <a:effectLst>
                     <a:outerShdw blurRad="63500" dist="38099" dir="2700000" algn="ctr" rotWithShape="0">
                       <a:schemeClr val="bg2">
@@ -7614,7 +7614,7 @@
             <a:effectLst/>
             <a:extLst>
               <a:ext uri="{91240B29-F687-4f45-9708-019B960494DF}">
-                <a14:hiddenLine xmlns="" xmlns:a14="http://schemas.microsoft.com/office/drawing/2010/main" w="9525">
+                <a14:hiddenLine xmlns:a14="http://schemas.microsoft.com/office/drawing/2010/main" xmlns="" w="9525">
                   <a:solidFill>
                     <a:schemeClr val="tx1"/>
                   </a:solidFill>
@@ -7624,7 +7624,7 @@
                 </a14:hiddenLine>
               </a:ext>
               <a:ext uri="{AF507438-7753-43e0-B8FC-AC1667EBCBE1}">
-                <a14:hiddenEffects xmlns="" xmlns:a14="http://schemas.microsoft.com/office/drawing/2010/main">
+                <a14:hiddenEffects xmlns:a14="http://schemas.microsoft.com/office/drawing/2010/main" xmlns="">
                   <a:effectLst>
                     <a:outerShdw blurRad="63500" dist="38099" dir="2700000" algn="ctr" rotWithShape="0">
                       <a:schemeClr val="bg2">
@@ -7669,7 +7669,7 @@
             <a:effectLst/>
             <a:extLst>
               <a:ext uri="{91240B29-F687-4f45-9708-019B960494DF}">
-                <a14:hiddenLine xmlns="" xmlns:a14="http://schemas.microsoft.com/office/drawing/2010/main" w="9525">
+                <a14:hiddenLine xmlns:a14="http://schemas.microsoft.com/office/drawing/2010/main" xmlns="" w="9525">
                   <a:solidFill>
                     <a:schemeClr val="tx1"/>
                   </a:solidFill>
@@ -7679,7 +7679,7 @@
                 </a14:hiddenLine>
               </a:ext>
               <a:ext uri="{AF507438-7753-43e0-B8FC-AC1667EBCBE1}">
-                <a14:hiddenEffects xmlns="" xmlns:a14="http://schemas.microsoft.com/office/drawing/2010/main">
+                <a14:hiddenEffects xmlns:a14="http://schemas.microsoft.com/office/drawing/2010/main" xmlns="">
                   <a:effectLst>
                     <a:outerShdw blurRad="63500" dist="38099" dir="2700000" algn="ctr" rotWithShape="0">
                       <a:schemeClr val="bg2">
@@ -7724,7 +7724,7 @@
             <a:effectLst/>
             <a:extLst>
               <a:ext uri="{91240B29-F687-4f45-9708-019B960494DF}">
-                <a14:hiddenLine xmlns="" xmlns:a14="http://schemas.microsoft.com/office/drawing/2010/main" w="9525">
+                <a14:hiddenLine xmlns:a14="http://schemas.microsoft.com/office/drawing/2010/main" xmlns="" w="9525">
                   <a:solidFill>
                     <a:schemeClr val="tx1"/>
                   </a:solidFill>
@@ -7734,7 +7734,7 @@
                 </a14:hiddenLine>
               </a:ext>
               <a:ext uri="{AF507438-7753-43e0-B8FC-AC1667EBCBE1}">
-                <a14:hiddenEffects xmlns="" xmlns:a14="http://schemas.microsoft.com/office/drawing/2010/main">
+                <a14:hiddenEffects xmlns:a14="http://schemas.microsoft.com/office/drawing/2010/main" xmlns="">
                   <a:effectLst>
                     <a:outerShdw blurRad="63500" dist="38099" dir="2700000" algn="ctr" rotWithShape="0">
                       <a:schemeClr val="bg2">
@@ -7779,7 +7779,7 @@
             <a:effectLst/>
             <a:extLst>
               <a:ext uri="{91240B29-F687-4f45-9708-019B960494DF}">
-                <a14:hiddenLine xmlns="" xmlns:a14="http://schemas.microsoft.com/office/drawing/2010/main" w="9525">
+                <a14:hiddenLine xmlns:a14="http://schemas.microsoft.com/office/drawing/2010/main" xmlns="" w="9525">
                   <a:solidFill>
                     <a:schemeClr val="tx1"/>
                   </a:solidFill>
@@ -7789,7 +7789,7 @@
                 </a14:hiddenLine>
               </a:ext>
               <a:ext uri="{AF507438-7753-43e0-B8FC-AC1667EBCBE1}">
-                <a14:hiddenEffects xmlns="" xmlns:a14="http://schemas.microsoft.com/office/drawing/2010/main">
+                <a14:hiddenEffects xmlns:a14="http://schemas.microsoft.com/office/drawing/2010/main" xmlns="">
                   <a:effectLst>
                     <a:outerShdw blurRad="63500" dist="38099" dir="2700000" algn="ctr" rotWithShape="0">
                       <a:schemeClr val="bg2">
@@ -7834,7 +7834,7 @@
             <a:effectLst/>
             <a:extLst>
               <a:ext uri="{91240B29-F687-4f45-9708-019B960494DF}">
-                <a14:hiddenLine xmlns="" xmlns:a14="http://schemas.microsoft.com/office/drawing/2010/main" w="9525">
+                <a14:hiddenLine xmlns:a14="http://schemas.microsoft.com/office/drawing/2010/main" xmlns="" w="9525">
                   <a:solidFill>
                     <a:schemeClr val="tx1"/>
                   </a:solidFill>
@@ -7844,7 +7844,7 @@
                 </a14:hiddenLine>
               </a:ext>
               <a:ext uri="{AF507438-7753-43e0-B8FC-AC1667EBCBE1}">
-                <a14:hiddenEffects xmlns="" xmlns:a14="http://schemas.microsoft.com/office/drawing/2010/main">
+                <a14:hiddenEffects xmlns:a14="http://schemas.microsoft.com/office/drawing/2010/main" xmlns="">
                   <a:effectLst>
                     <a:outerShdw blurRad="63500" dist="38099" dir="2700000" algn="ctr" rotWithShape="0">
                       <a:schemeClr val="bg2">
@@ -7889,7 +7889,7 @@
             <a:effectLst/>
             <a:extLst>
               <a:ext uri="{91240B29-F687-4f45-9708-019B960494DF}">
-                <a14:hiddenLine xmlns="" xmlns:a14="http://schemas.microsoft.com/office/drawing/2010/main" w="9525">
+                <a14:hiddenLine xmlns:a14="http://schemas.microsoft.com/office/drawing/2010/main" xmlns="" w="9525">
                   <a:solidFill>
                     <a:schemeClr val="tx1"/>
                   </a:solidFill>
@@ -7899,7 +7899,7 @@
                 </a14:hiddenLine>
               </a:ext>
               <a:ext uri="{AF507438-7753-43e0-B8FC-AC1667EBCBE1}">
-                <a14:hiddenEffects xmlns="" xmlns:a14="http://schemas.microsoft.com/office/drawing/2010/main">
+                <a14:hiddenEffects xmlns:a14="http://schemas.microsoft.com/office/drawing/2010/main" xmlns="">
                   <a:effectLst>
                     <a:outerShdw blurRad="63500" dist="38099" dir="2700000" algn="ctr" rotWithShape="0">
                       <a:schemeClr val="bg2">
@@ -7944,7 +7944,7 @@
             <a:effectLst/>
             <a:extLst>
               <a:ext uri="{91240B29-F687-4f45-9708-019B960494DF}">
-                <a14:hiddenLine xmlns="" xmlns:a14="http://schemas.microsoft.com/office/drawing/2010/main" w="9525">
+                <a14:hiddenLine xmlns:a14="http://schemas.microsoft.com/office/drawing/2010/main" xmlns="" w="9525">
                   <a:solidFill>
                     <a:schemeClr val="tx1"/>
                   </a:solidFill>
@@ -7954,7 +7954,7 @@
                 </a14:hiddenLine>
               </a:ext>
               <a:ext uri="{AF507438-7753-43e0-B8FC-AC1667EBCBE1}">
-                <a14:hiddenEffects xmlns="" xmlns:a14="http://schemas.microsoft.com/office/drawing/2010/main">
+                <a14:hiddenEffects xmlns:a14="http://schemas.microsoft.com/office/drawing/2010/main" xmlns="">
                   <a:effectLst>
                     <a:outerShdw blurRad="63500" dist="38099" dir="2700000" algn="ctr" rotWithShape="0">
                       <a:schemeClr val="bg2">
@@ -7999,7 +7999,7 @@
             <a:effectLst/>
             <a:extLst>
               <a:ext uri="{91240B29-F687-4f45-9708-019B960494DF}">
-                <a14:hiddenLine xmlns="" xmlns:a14="http://schemas.microsoft.com/office/drawing/2010/main" w="9525">
+                <a14:hiddenLine xmlns:a14="http://schemas.microsoft.com/office/drawing/2010/main" xmlns="" w="9525">
                   <a:solidFill>
                     <a:schemeClr val="tx1"/>
                   </a:solidFill>
@@ -8009,7 +8009,7 @@
                 </a14:hiddenLine>
               </a:ext>
               <a:ext uri="{AF507438-7753-43e0-B8FC-AC1667EBCBE1}">
-                <a14:hiddenEffects xmlns="" xmlns:a14="http://schemas.microsoft.com/office/drawing/2010/main">
+                <a14:hiddenEffects xmlns:a14="http://schemas.microsoft.com/office/drawing/2010/main" xmlns="">
                   <a:effectLst>
                     <a:outerShdw blurRad="63500" dist="38099" dir="2700000" algn="ctr" rotWithShape="0">
                       <a:schemeClr val="bg2">
@@ -8054,7 +8054,7 @@
             <a:effectLst/>
             <a:extLst>
               <a:ext uri="{91240B29-F687-4f45-9708-019B960494DF}">
-                <a14:hiddenLine xmlns="" xmlns:a14="http://schemas.microsoft.com/office/drawing/2010/main" w="9525">
+                <a14:hiddenLine xmlns:a14="http://schemas.microsoft.com/office/drawing/2010/main" xmlns="" w="9525">
                   <a:solidFill>
                     <a:schemeClr val="tx1"/>
                   </a:solidFill>
@@ -8064,7 +8064,7 @@
                 </a14:hiddenLine>
               </a:ext>
               <a:ext uri="{AF507438-7753-43e0-B8FC-AC1667EBCBE1}">
-                <a14:hiddenEffects xmlns="" xmlns:a14="http://schemas.microsoft.com/office/drawing/2010/main">
+                <a14:hiddenEffects xmlns:a14="http://schemas.microsoft.com/office/drawing/2010/main" xmlns="">
                   <a:effectLst>
                     <a:outerShdw blurRad="63500" dist="38099" dir="2700000" algn="ctr" rotWithShape="0">
                       <a:schemeClr val="bg2">
@@ -8109,7 +8109,7 @@
             <a:effectLst/>
             <a:extLst>
               <a:ext uri="{91240B29-F687-4f45-9708-019B960494DF}">
-                <a14:hiddenLine xmlns="" xmlns:a14="http://schemas.microsoft.com/office/drawing/2010/main" w="9525">
+                <a14:hiddenLine xmlns:a14="http://schemas.microsoft.com/office/drawing/2010/main" xmlns="" w="9525">
                   <a:solidFill>
                     <a:schemeClr val="tx1"/>
                   </a:solidFill>
@@ -8119,7 +8119,7 @@
                 </a14:hiddenLine>
               </a:ext>
               <a:ext uri="{AF507438-7753-43e0-B8FC-AC1667EBCBE1}">
-                <a14:hiddenEffects xmlns="" xmlns:a14="http://schemas.microsoft.com/office/drawing/2010/main">
+                <a14:hiddenEffects xmlns:a14="http://schemas.microsoft.com/office/drawing/2010/main" xmlns="">
                   <a:effectLst>
                     <a:outerShdw blurRad="63500" dist="38099" dir="2700000" algn="ctr" rotWithShape="0">
                       <a:schemeClr val="bg2">
@@ -8164,7 +8164,7 @@
             <a:effectLst/>
             <a:extLst>
               <a:ext uri="{91240B29-F687-4f45-9708-019B960494DF}">
-                <a14:hiddenLine xmlns="" xmlns:a14="http://schemas.microsoft.com/office/drawing/2010/main" w="9525">
+                <a14:hiddenLine xmlns:a14="http://schemas.microsoft.com/office/drawing/2010/main" xmlns="" w="9525">
                   <a:solidFill>
                     <a:schemeClr val="tx1"/>
                   </a:solidFill>
@@ -8174,7 +8174,7 @@
                 </a14:hiddenLine>
               </a:ext>
               <a:ext uri="{AF507438-7753-43e0-B8FC-AC1667EBCBE1}">
-                <a14:hiddenEffects xmlns="" xmlns:a14="http://schemas.microsoft.com/office/drawing/2010/main">
+                <a14:hiddenEffects xmlns:a14="http://schemas.microsoft.com/office/drawing/2010/main" xmlns="">
                   <a:effectLst>
                     <a:outerShdw blurRad="63500" dist="38099" dir="2700000" algn="ctr" rotWithShape="0">
                       <a:schemeClr val="bg2">
@@ -8219,7 +8219,7 @@
             <a:effectLst/>
             <a:extLst>
               <a:ext uri="{91240B29-F687-4f45-9708-019B960494DF}">
-                <a14:hiddenLine xmlns="" xmlns:a14="http://schemas.microsoft.com/office/drawing/2010/main" w="9525">
+                <a14:hiddenLine xmlns:a14="http://schemas.microsoft.com/office/drawing/2010/main" xmlns="" w="9525">
                   <a:solidFill>
                     <a:schemeClr val="tx1"/>
                   </a:solidFill>
@@ -8229,7 +8229,7 @@
                 </a14:hiddenLine>
               </a:ext>
               <a:ext uri="{AF507438-7753-43e0-B8FC-AC1667EBCBE1}">
-                <a14:hiddenEffects xmlns="" xmlns:a14="http://schemas.microsoft.com/office/drawing/2010/main">
+                <a14:hiddenEffects xmlns:a14="http://schemas.microsoft.com/office/drawing/2010/main" xmlns="">
                   <a:effectLst>
                     <a:outerShdw blurRad="63500" dist="38099" dir="2700000" algn="ctr" rotWithShape="0">
                       <a:schemeClr val="bg2">
@@ -8274,7 +8274,7 @@
             <a:effectLst/>
             <a:extLst>
               <a:ext uri="{91240B29-F687-4f45-9708-019B960494DF}">
-                <a14:hiddenLine xmlns="" xmlns:a14="http://schemas.microsoft.com/office/drawing/2010/main" w="9525">
+                <a14:hiddenLine xmlns:a14="http://schemas.microsoft.com/office/drawing/2010/main" xmlns="" w="9525">
                   <a:solidFill>
                     <a:schemeClr val="tx1"/>
                   </a:solidFill>
@@ -8284,7 +8284,7 @@
                 </a14:hiddenLine>
               </a:ext>
               <a:ext uri="{AF507438-7753-43e0-B8FC-AC1667EBCBE1}">
-                <a14:hiddenEffects xmlns="" xmlns:a14="http://schemas.microsoft.com/office/drawing/2010/main">
+                <a14:hiddenEffects xmlns:a14="http://schemas.microsoft.com/office/drawing/2010/main" xmlns="">
                   <a:effectLst>
                     <a:outerShdw blurRad="63500" dist="38099" dir="2700000" algn="ctr" rotWithShape="0">
                       <a:schemeClr val="bg2">
@@ -8329,7 +8329,7 @@
             <a:effectLst/>
             <a:extLst>
               <a:ext uri="{91240B29-F687-4f45-9708-019B960494DF}">
-                <a14:hiddenLine xmlns="" xmlns:a14="http://schemas.microsoft.com/office/drawing/2010/main" w="9525">
+                <a14:hiddenLine xmlns:a14="http://schemas.microsoft.com/office/drawing/2010/main" xmlns="" w="9525">
                   <a:solidFill>
                     <a:schemeClr val="tx1"/>
                   </a:solidFill>
@@ -8339,7 +8339,7 @@
                 </a14:hiddenLine>
               </a:ext>
               <a:ext uri="{AF507438-7753-43e0-B8FC-AC1667EBCBE1}">
-                <a14:hiddenEffects xmlns="" xmlns:a14="http://schemas.microsoft.com/office/drawing/2010/main">
+                <a14:hiddenEffects xmlns:a14="http://schemas.microsoft.com/office/drawing/2010/main" xmlns="">
                   <a:effectLst>
                     <a:outerShdw blurRad="63500" dist="38099" dir="2700000" algn="ctr" rotWithShape="0">
                       <a:schemeClr val="bg2">
@@ -8384,7 +8384,7 @@
             <a:effectLst/>
             <a:extLst>
               <a:ext uri="{91240B29-F687-4f45-9708-019B960494DF}">
-                <a14:hiddenLine xmlns="" xmlns:a14="http://schemas.microsoft.com/office/drawing/2010/main" w="9525">
+                <a14:hiddenLine xmlns:a14="http://schemas.microsoft.com/office/drawing/2010/main" xmlns="" w="9525">
                   <a:solidFill>
                     <a:schemeClr val="tx1"/>
                   </a:solidFill>
@@ -8394,7 +8394,7 @@
                 </a14:hiddenLine>
               </a:ext>
               <a:ext uri="{AF507438-7753-43e0-B8FC-AC1667EBCBE1}">
-                <a14:hiddenEffects xmlns="" xmlns:a14="http://schemas.microsoft.com/office/drawing/2010/main">
+                <a14:hiddenEffects xmlns:a14="http://schemas.microsoft.com/office/drawing/2010/main" xmlns="">
                   <a:effectLst>
                     <a:outerShdw blurRad="63500" dist="38099" dir="2700000" algn="ctr" rotWithShape="0">
                       <a:schemeClr val="bg2">
@@ -8439,7 +8439,7 @@
             <a:effectLst/>
             <a:extLst>
               <a:ext uri="{91240B29-F687-4f45-9708-019B960494DF}">
-                <a14:hiddenLine xmlns="" xmlns:a14="http://schemas.microsoft.com/office/drawing/2010/main" w="9525">
+                <a14:hiddenLine xmlns:a14="http://schemas.microsoft.com/office/drawing/2010/main" xmlns="" w="9525">
                   <a:solidFill>
                     <a:schemeClr val="tx1"/>
                   </a:solidFill>
@@ -8449,7 +8449,7 @@
                 </a14:hiddenLine>
               </a:ext>
               <a:ext uri="{AF507438-7753-43e0-B8FC-AC1667EBCBE1}">
-                <a14:hiddenEffects xmlns="" xmlns:a14="http://schemas.microsoft.com/office/drawing/2010/main">
+                <a14:hiddenEffects xmlns:a14="http://schemas.microsoft.com/office/drawing/2010/main" xmlns="">
                   <a:effectLst>
                     <a:outerShdw blurRad="63500" dist="38099" dir="2700000" algn="ctr" rotWithShape="0">
                       <a:schemeClr val="bg2">
@@ -8494,7 +8494,7 @@
             <a:effectLst/>
             <a:extLst>
               <a:ext uri="{91240B29-F687-4f45-9708-019B960494DF}">
-                <a14:hiddenLine xmlns="" xmlns:a14="http://schemas.microsoft.com/office/drawing/2010/main" w="9525">
+                <a14:hiddenLine xmlns:a14="http://schemas.microsoft.com/office/drawing/2010/main" xmlns="" w="9525">
                   <a:solidFill>
                     <a:schemeClr val="tx1"/>
                   </a:solidFill>
@@ -8504,7 +8504,7 @@
                 </a14:hiddenLine>
               </a:ext>
               <a:ext uri="{AF507438-7753-43e0-B8FC-AC1667EBCBE1}">
-                <a14:hiddenEffects xmlns="" xmlns:a14="http://schemas.microsoft.com/office/drawing/2010/main">
+                <a14:hiddenEffects xmlns:a14="http://schemas.microsoft.com/office/drawing/2010/main" xmlns="">
                   <a:effectLst>
                     <a:outerShdw blurRad="63500" dist="38099" dir="2700000" algn="ctr" rotWithShape="0">
                       <a:schemeClr val="bg2">
@@ -8549,7 +8549,7 @@
             <a:effectLst/>
             <a:extLst>
               <a:ext uri="{91240B29-F687-4f45-9708-019B960494DF}">
-                <a14:hiddenLine xmlns="" xmlns:a14="http://schemas.microsoft.com/office/drawing/2010/main" w="9525">
+                <a14:hiddenLine xmlns:a14="http://schemas.microsoft.com/office/drawing/2010/main" xmlns="" w="9525">
                   <a:solidFill>
                     <a:schemeClr val="tx1"/>
                   </a:solidFill>
@@ -8559,7 +8559,7 @@
                 </a14:hiddenLine>
               </a:ext>
               <a:ext uri="{AF507438-7753-43e0-B8FC-AC1667EBCBE1}">
-                <a14:hiddenEffects xmlns="" xmlns:a14="http://schemas.microsoft.com/office/drawing/2010/main">
+                <a14:hiddenEffects xmlns:a14="http://schemas.microsoft.com/office/drawing/2010/main" xmlns="">
                   <a:effectLst>
                     <a:outerShdw blurRad="63500" dist="38099" dir="2700000" algn="ctr" rotWithShape="0">
                       <a:schemeClr val="bg2">
@@ -8604,7 +8604,7 @@
             <a:effectLst/>
             <a:extLst>
               <a:ext uri="{91240B29-F687-4f45-9708-019B960494DF}">
-                <a14:hiddenLine xmlns="" xmlns:a14="http://schemas.microsoft.com/office/drawing/2010/main" w="9525">
+                <a14:hiddenLine xmlns:a14="http://schemas.microsoft.com/office/drawing/2010/main" xmlns="" w="9525">
                   <a:solidFill>
                     <a:schemeClr val="tx1"/>
                   </a:solidFill>
@@ -8614,7 +8614,7 @@
                 </a14:hiddenLine>
               </a:ext>
               <a:ext uri="{AF507438-7753-43e0-B8FC-AC1667EBCBE1}">
-                <a14:hiddenEffects xmlns="" xmlns:a14="http://schemas.microsoft.com/office/drawing/2010/main">
+                <a14:hiddenEffects xmlns:a14="http://schemas.microsoft.com/office/drawing/2010/main" xmlns="">
                   <a:effectLst>
                     <a:outerShdw blurRad="63500" dist="38099" dir="2700000" algn="ctr" rotWithShape="0">
                       <a:schemeClr val="bg2">
@@ -8659,7 +8659,7 @@
             <a:effectLst/>
             <a:extLst>
               <a:ext uri="{91240B29-F687-4f45-9708-019B960494DF}">
-                <a14:hiddenLine xmlns="" xmlns:a14="http://schemas.microsoft.com/office/drawing/2010/main" w="9525">
+                <a14:hiddenLine xmlns:a14="http://schemas.microsoft.com/office/drawing/2010/main" xmlns="" w="9525">
                   <a:solidFill>
                     <a:schemeClr val="tx1"/>
                   </a:solidFill>
@@ -8669,7 +8669,7 @@
                 </a14:hiddenLine>
               </a:ext>
               <a:ext uri="{AF507438-7753-43e0-B8FC-AC1667EBCBE1}">
-                <a14:hiddenEffects xmlns="" xmlns:a14="http://schemas.microsoft.com/office/drawing/2010/main">
+                <a14:hiddenEffects xmlns:a14="http://schemas.microsoft.com/office/drawing/2010/main" xmlns="">
                   <a:effectLst>
                     <a:outerShdw blurRad="63500" dist="38099" dir="2700000" algn="ctr" rotWithShape="0">
                       <a:schemeClr val="bg2">
@@ -8714,7 +8714,7 @@
             <a:effectLst/>
             <a:extLst>
               <a:ext uri="{91240B29-F687-4f45-9708-019B960494DF}">
-                <a14:hiddenLine xmlns="" xmlns:a14="http://schemas.microsoft.com/office/drawing/2010/main" w="9525">
+                <a14:hiddenLine xmlns:a14="http://schemas.microsoft.com/office/drawing/2010/main" xmlns="" w="9525">
                   <a:solidFill>
                     <a:schemeClr val="tx1"/>
                   </a:solidFill>
@@ -8724,7 +8724,7 @@
                 </a14:hiddenLine>
               </a:ext>
               <a:ext uri="{AF507438-7753-43e0-B8FC-AC1667EBCBE1}">
-                <a14:hiddenEffects xmlns="" xmlns:a14="http://schemas.microsoft.com/office/drawing/2010/main">
+                <a14:hiddenEffects xmlns:a14="http://schemas.microsoft.com/office/drawing/2010/main" xmlns="">
                   <a:effectLst>
                     <a:outerShdw blurRad="63500" dist="38099" dir="2700000" algn="ctr" rotWithShape="0">
                       <a:schemeClr val="bg2">
@@ -8769,7 +8769,7 @@
             <a:effectLst/>
             <a:extLst>
               <a:ext uri="{91240B29-F687-4f45-9708-019B960494DF}">
-                <a14:hiddenLine xmlns="" xmlns:a14="http://schemas.microsoft.com/office/drawing/2010/main" w="9525">
+                <a14:hiddenLine xmlns:a14="http://schemas.microsoft.com/office/drawing/2010/main" xmlns="" w="9525">
                   <a:solidFill>
                     <a:schemeClr val="tx1"/>
                   </a:solidFill>
@@ -8779,7 +8779,7 @@
                 </a14:hiddenLine>
               </a:ext>
               <a:ext uri="{AF507438-7753-43e0-B8FC-AC1667EBCBE1}">
-                <a14:hiddenEffects xmlns="" xmlns:a14="http://schemas.microsoft.com/office/drawing/2010/main">
+                <a14:hiddenEffects xmlns:a14="http://schemas.microsoft.com/office/drawing/2010/main" xmlns="">
                   <a:effectLst>
                     <a:outerShdw blurRad="63500" dist="38099" dir="2700000" algn="ctr" rotWithShape="0">
                       <a:schemeClr val="bg2">
@@ -8824,7 +8824,7 @@
             <a:effectLst/>
             <a:extLst>
               <a:ext uri="{91240B29-F687-4f45-9708-019B960494DF}">
-                <a14:hiddenLine xmlns="" xmlns:a14="http://schemas.microsoft.com/office/drawing/2010/main" w="9525">
+                <a14:hiddenLine xmlns:a14="http://schemas.microsoft.com/office/drawing/2010/main" xmlns="" w="9525">
                   <a:solidFill>
                     <a:schemeClr val="tx1"/>
                   </a:solidFill>
@@ -8834,7 +8834,7 @@
                 </a14:hiddenLine>
               </a:ext>
               <a:ext uri="{AF507438-7753-43e0-B8FC-AC1667EBCBE1}">
-                <a14:hiddenEffects xmlns="" xmlns:a14="http://schemas.microsoft.com/office/drawing/2010/main">
+                <a14:hiddenEffects xmlns:a14="http://schemas.microsoft.com/office/drawing/2010/main" xmlns="">
                   <a:effectLst>
                     <a:outerShdw blurRad="63500" dist="38099" dir="2700000" algn="ctr" rotWithShape="0">
                       <a:schemeClr val="bg2">
@@ -8879,7 +8879,7 @@
             <a:effectLst/>
             <a:extLst>
               <a:ext uri="{91240B29-F687-4f45-9708-019B960494DF}">
-                <a14:hiddenLine xmlns="" xmlns:a14="http://schemas.microsoft.com/office/drawing/2010/main" w="9525">
+                <a14:hiddenLine xmlns:a14="http://schemas.microsoft.com/office/drawing/2010/main" xmlns="" w="9525">
                   <a:solidFill>
                     <a:schemeClr val="tx1"/>
                   </a:solidFill>
@@ -8889,7 +8889,7 @@
                 </a14:hiddenLine>
               </a:ext>
               <a:ext uri="{AF507438-7753-43e0-B8FC-AC1667EBCBE1}">
-                <a14:hiddenEffects xmlns="" xmlns:a14="http://schemas.microsoft.com/office/drawing/2010/main">
+                <a14:hiddenEffects xmlns:a14="http://schemas.microsoft.com/office/drawing/2010/main" xmlns="">
                   <a:effectLst>
                     <a:outerShdw blurRad="63500" dist="38099" dir="2700000" algn="ctr" rotWithShape="0">
                       <a:schemeClr val="bg2">
@@ -8934,7 +8934,7 @@
             <a:effectLst/>
             <a:extLst>
               <a:ext uri="{91240B29-F687-4f45-9708-019B960494DF}">
-                <a14:hiddenLine xmlns="" xmlns:a14="http://schemas.microsoft.com/office/drawing/2010/main" w="9525">
+                <a14:hiddenLine xmlns:a14="http://schemas.microsoft.com/office/drawing/2010/main" xmlns="" w="9525">
                   <a:solidFill>
                     <a:schemeClr val="tx1"/>
                   </a:solidFill>
@@ -8944,7 +8944,7 @@
                 </a14:hiddenLine>
               </a:ext>
               <a:ext uri="{AF507438-7753-43e0-B8FC-AC1667EBCBE1}">
-                <a14:hiddenEffects xmlns="" xmlns:a14="http://schemas.microsoft.com/office/drawing/2010/main">
+                <a14:hiddenEffects xmlns:a14="http://schemas.microsoft.com/office/drawing/2010/main" xmlns="">
                   <a:effectLst>
                     <a:outerShdw blurRad="63500" dist="38099" dir="2700000" algn="ctr" rotWithShape="0">
                       <a:schemeClr val="bg2">
@@ -8989,7 +8989,7 @@
             <a:effectLst/>
             <a:extLst>
               <a:ext uri="{91240B29-F687-4f45-9708-019B960494DF}">
-                <a14:hiddenLine xmlns="" xmlns:a14="http://schemas.microsoft.com/office/drawing/2010/main" w="9525">
+                <a14:hiddenLine xmlns:a14="http://schemas.microsoft.com/office/drawing/2010/main" xmlns="" w="9525">
                   <a:solidFill>
                     <a:schemeClr val="tx1"/>
                   </a:solidFill>
@@ -8999,7 +8999,7 @@
                 </a14:hiddenLine>
               </a:ext>
               <a:ext uri="{AF507438-7753-43e0-B8FC-AC1667EBCBE1}">
-                <a14:hiddenEffects xmlns="" xmlns:a14="http://schemas.microsoft.com/office/drawing/2010/main">
+                <a14:hiddenEffects xmlns:a14="http://schemas.microsoft.com/office/drawing/2010/main" xmlns="">
                   <a:effectLst>
                     <a:outerShdw blurRad="63500" dist="38099" dir="2700000" algn="ctr" rotWithShape="0">
                       <a:schemeClr val="bg2">
@@ -9908,7 +9908,7 @@
           </a:ln>
           <a:extLst>
             <a:ext uri="{909E8E84-426E-40dd-AFC4-6F175D3DCCD1}">
-              <a14:hiddenFill xmlns="" xmlns:a14="http://schemas.microsoft.com/office/drawing/2010/main">
+              <a14:hiddenFill xmlns:a14="http://schemas.microsoft.com/office/drawing/2010/main" xmlns="">
                 <a:noFill/>
               </a14:hiddenFill>
             </a:ext>
@@ -9937,14 +9937,14 @@
           </a:ln>
           <a:extLst>
             <a:ext uri="{909E8E84-426E-40dd-AFC4-6F175D3DCCD1}">
-              <a14:hiddenFill xmlns="" xmlns:a14="http://schemas.microsoft.com/office/drawing/2010/main">
+              <a14:hiddenFill xmlns:a14="http://schemas.microsoft.com/office/drawing/2010/main" xmlns="">
                 <a:solidFill>
                   <a:schemeClr val="accent1"/>
                 </a:solidFill>
               </a14:hiddenFill>
             </a:ext>
             <a:ext uri="{91240B29-F687-4f45-9708-019B960494DF}">
-              <a14:hiddenLine xmlns="" xmlns:a14="http://schemas.microsoft.com/office/drawing/2010/main" w="9525">
+              <a14:hiddenLine xmlns:a14="http://schemas.microsoft.com/office/drawing/2010/main" xmlns="" w="9525">
                 <a:solidFill>
                   <a:schemeClr val="tx1"/>
                 </a:solidFill>
@@ -9994,14 +9994,14 @@
           </a:ln>
           <a:extLst>
             <a:ext uri="{909E8E84-426E-40dd-AFC4-6F175D3DCCD1}">
-              <a14:hiddenFill xmlns="" xmlns:a14="http://schemas.microsoft.com/office/drawing/2010/main">
+              <a14:hiddenFill xmlns:a14="http://schemas.microsoft.com/office/drawing/2010/main" xmlns="">
                 <a:solidFill>
                   <a:schemeClr val="accent1"/>
                 </a:solidFill>
               </a14:hiddenFill>
             </a:ext>
             <a:ext uri="{91240B29-F687-4f45-9708-019B960494DF}">
-              <a14:hiddenLine xmlns="" xmlns:a14="http://schemas.microsoft.com/office/drawing/2010/main" w="9525">
+              <a14:hiddenLine xmlns:a14="http://schemas.microsoft.com/office/drawing/2010/main" xmlns="" w="9525">
                 <a:solidFill>
                   <a:schemeClr val="tx1"/>
                 </a:solidFill>
@@ -10898,7 +10898,7 @@
           <a:effectLst/>
           <a:extLst>
             <a:ext uri="{AF507438-7753-43e0-B8FC-AC1667EBCBE1}">
-              <a14:hiddenEffects xmlns="" xmlns:a14="http://schemas.microsoft.com/office/drawing/2010/main">
+              <a14:hiddenEffects xmlns:a14="http://schemas.microsoft.com/office/drawing/2010/main" xmlns="">
                 <a:effectLst>
                   <a:outerShdw blurRad="63500" dist="38099" dir="2700000" algn="ctr" rotWithShape="0">
                     <a:schemeClr val="bg2">
@@ -11095,7 +11095,7 @@
           </a:ln>
           <a:extLst>
             <a:ext uri="{909E8E84-426E-40dd-AFC4-6F175D3DCCD1}">
-              <a14:hiddenFill xmlns="" xmlns:a14="http://schemas.microsoft.com/office/drawing/2010/main">
+              <a14:hiddenFill xmlns:a14="http://schemas.microsoft.com/office/drawing/2010/main" xmlns="">
                 <a:solidFill>
                   <a:schemeClr val="accent1"/>
                 </a:solidFill>
@@ -12910,14 +12910,7 @@
                 <a:latin typeface="Courier New"/>
                 <a:cs typeface="Courier New"/>
               </a:rPr>
-              <a:t>([&lt;input list of characters</a:t>
-            </a:r>
-            <a:r>
-              <a:rPr lang="en-US" sz="1600" dirty="0" smtClean="0">
-                <a:latin typeface="Courier New"/>
-                <a:cs typeface="Courier New"/>
-              </a:rPr>
-              <a:t>&gt;]))</a:t>
+              <a:t>([&lt;input list of characters&gt;]))</a:t>
             </a:r>
             <a:endParaRPr lang="en-US" sz="1600" dirty="0">
               <a:latin typeface="Courier New"/>
@@ -13067,14 +13060,14 @@
           </a:ln>
           <a:extLst>
             <a:ext uri="{909E8E84-426E-40dd-AFC4-6F175D3DCCD1}">
-              <a14:hiddenFill xmlns="" xmlns:a14="http://schemas.microsoft.com/office/drawing/2010/main">
+              <a14:hiddenFill xmlns:a14="http://schemas.microsoft.com/office/drawing/2010/main" xmlns="">
                 <a:solidFill>
                   <a:schemeClr val="accent1"/>
                 </a:solidFill>
               </a14:hiddenFill>
             </a:ext>
             <a:ext uri="{91240B29-F687-4f45-9708-019B960494DF}">
-              <a14:hiddenLine xmlns="" xmlns:a14="http://schemas.microsoft.com/office/drawing/2010/main" w="9525">
+              <a14:hiddenLine xmlns:a14="http://schemas.microsoft.com/office/drawing/2010/main" xmlns="" w="9525">
                 <a:solidFill>
                   <a:schemeClr val="tx1"/>
                 </a:solidFill>
@@ -13100,40 +13093,164 @@
             <a:endParaRPr lang="en-US" sz="1600" dirty="0"/>
           </a:p>
           <a:p>
+            <a:pPr>
+              <a:spcBef>
+                <a:spcPts val="0"/>
+              </a:spcBef>
+              <a:spcAft>
+                <a:spcPts val="0"/>
+              </a:spcAft>
+            </a:pPr>
             <a:r>
               <a:rPr lang="en-US" sz="1600" dirty="0"/>
               <a:t>	</a:t>
             </a:r>
             <a:r>
-              <a:rPr lang="en-US" sz="1600" dirty="0" err="1"/>
+              <a:rPr lang="mr-IN" sz="1600" dirty="0" err="1">
+                <a:solidFill>
+                  <a:srgbClr val="000000"/>
+                </a:solidFill>
+                <a:ea typeface="ＭＳ Ｐゴシック" charset="-128"/>
+                <a:cs typeface="ＭＳ Ｐゴシック" charset="-128"/>
+              </a:rPr>
               <a:t>prog</a:t>
             </a:r>
             <a:r>
-              <a:rPr lang="en-US" sz="1600" dirty="0"/>
-              <a:t> 	:	</a:t>
-            </a:r>
-            <a:r>
-              <a:rPr lang="en-US" sz="1600" dirty="0" err="1" smtClean="0"/>
+              <a:rPr lang="mr-IN" sz="1600" dirty="0">
+                <a:solidFill>
+                  <a:srgbClr val="000000"/>
+                </a:solidFill>
+                <a:ea typeface="ＭＳ Ｐゴシック" charset="-128"/>
+                <a:cs typeface="ＭＳ Ｐゴシック" charset="-128"/>
+              </a:rPr>
+              <a:t> : </a:t>
+            </a:r>
+            <a:r>
+              <a:rPr lang="mr-IN" sz="1600" dirty="0">
+                <a:solidFill>
+                  <a:srgbClr val="FF0000"/>
+                </a:solidFill>
+                <a:ea typeface="ＭＳ Ｐゴシック" charset="-128"/>
+                <a:cs typeface="ＭＳ Ｐゴシック" charset="-128"/>
+              </a:rPr>
+              <a:t>{</a:t>
+            </a:r>
+            <a:r>
+              <a:rPr lang="mr-IN" sz="1600" dirty="0" err="1">
+                <a:solidFill>
+                  <a:srgbClr val="FF0000"/>
+                </a:solidFill>
+                <a:ea typeface="ＭＳ Ｐゴシック" charset="-128"/>
+                <a:cs typeface="ＭＳ Ｐゴシック" charset="-128"/>
+              </a:rPr>
+              <a:t>p,s</a:t>
+            </a:r>
+            <a:r>
+              <a:rPr lang="mr-IN" sz="1600" dirty="0">
+                <a:solidFill>
+                  <a:srgbClr val="FF0000"/>
+                </a:solidFill>
+                <a:ea typeface="ＭＳ Ｐゴシック" charset="-128"/>
+                <a:cs typeface="ＭＳ Ｐゴシック" charset="-128"/>
+              </a:rPr>
+              <a:t>}</a:t>
+            </a:r>
+            <a:r>
+              <a:rPr lang="mr-IN" sz="1600" dirty="0">
+                <a:solidFill>
+                  <a:srgbClr val="000000"/>
+                </a:solidFill>
+                <a:ea typeface="ＭＳ Ｐゴシック" charset="-128"/>
+                <a:cs typeface="ＭＳ Ｐゴシック" charset="-128"/>
+              </a:rPr>
+              <a:t> </a:t>
+            </a:r>
+            <a:r>
+              <a:rPr lang="mr-IN" sz="1600" dirty="0" err="1">
+                <a:solidFill>
+                  <a:srgbClr val="000000"/>
+                </a:solidFill>
+                <a:ea typeface="ＭＳ Ｐゴシック" charset="-128"/>
+                <a:cs typeface="ＭＳ Ｐゴシック" charset="-128"/>
+              </a:rPr>
               <a:t>stmt</a:t>
             </a:r>
             <a:r>
-              <a:rPr lang="en-US" sz="1600" dirty="0"/>
+              <a:rPr lang="mr-IN" sz="1600" dirty="0">
+                <a:solidFill>
+                  <a:srgbClr val="000000"/>
+                </a:solidFill>
+                <a:ea typeface="ＭＳ Ｐゴシック" charset="-128"/>
+                <a:cs typeface="ＭＳ Ｐゴシック" charset="-128"/>
+              </a:rPr>
               <a:t> </a:t>
             </a:r>
             <a:r>
-              <a:rPr lang="en-US" sz="1600" dirty="0" err="1" smtClean="0"/>
+              <a:rPr lang="mr-IN" sz="1600" dirty="0" err="1">
+                <a:solidFill>
+                  <a:srgbClr val="000000"/>
+                </a:solidFill>
+                <a:ea typeface="ＭＳ Ｐゴシック" charset="-128"/>
+                <a:cs typeface="ＭＳ Ｐゴシック" charset="-128"/>
+              </a:rPr>
               <a:t>prog</a:t>
             </a:r>
-            <a:endParaRPr lang="en-US" sz="1600" dirty="0" smtClean="0"/>
-          </a:p>
-          <a:p>
-            <a:r>
-              <a:rPr lang="en-US" sz="1600" dirty="0"/>
+            <a:endParaRPr lang="mr-IN" sz="1600" dirty="0"/>
+          </a:p>
+          <a:p>
+            <a:r>
+              <a:rPr lang="mr-IN" sz="1600" dirty="0">
+                <a:solidFill>
+                  <a:srgbClr val="000000"/>
+                </a:solidFill>
+                <a:ea typeface="ＭＳ Ｐゴシック" charset="-128"/>
+                <a:cs typeface="ＭＳ Ｐゴシック" charset="-128"/>
+              </a:rPr>
+              <a:t>         </a:t>
+            </a:r>
+            <a:r>
+              <a:rPr lang="en-US" sz="1600" dirty="0" smtClean="0">
+                <a:solidFill>
+                  <a:srgbClr val="000000"/>
+                </a:solidFill>
+                <a:ea typeface="ＭＳ Ｐゴシック" charset="-128"/>
+                <a:cs typeface="ＭＳ Ｐゴシック" charset="-128"/>
+              </a:rPr>
+              <a:t>               </a:t>
+            </a:r>
+            <a:r>
+              <a:rPr lang="mr-IN" sz="1600" dirty="0" smtClean="0">
+                <a:solidFill>
+                  <a:srgbClr val="000000"/>
+                </a:solidFill>
+                <a:ea typeface="ＭＳ Ｐゴシック" charset="-128"/>
+                <a:cs typeface="ＭＳ Ｐゴシック" charset="-128"/>
+              </a:rPr>
+              <a:t>| </a:t>
+            </a:r>
+            <a:r>
+              <a:rPr lang="mr-IN" sz="1600" dirty="0">
+                <a:solidFill>
+                  <a:srgbClr val="FF0000"/>
+                </a:solidFill>
+                <a:ea typeface="ＭＳ Ｐゴシック" charset="-128"/>
+                <a:cs typeface="ＭＳ Ｐゴシック" charset="-128"/>
+              </a:rPr>
+              <a:t>{""}</a:t>
+            </a:r>
+            <a:r>
+              <a:rPr lang="mr-IN" sz="1600" dirty="0">
+                <a:solidFill>
+                  <a:srgbClr val="000000"/>
+                </a:solidFill>
+                <a:ea typeface="ＭＳ Ｐゴシック" charset="-128"/>
+                <a:cs typeface="ＭＳ Ｐゴシック" charset="-128"/>
+              </a:rPr>
+              <a:t> ""</a:t>
+            </a:r>
+            <a:r>
+              <a:rPr lang="mr-IN" sz="1600" dirty="0"/>
               <a:t> </a:t>
-            </a:r>
-            <a:r>
-              <a:rPr lang="en-US" sz="1600" dirty="0" smtClean="0"/>
-              <a:t>                               |               “”</a:t>
             </a:r>
             <a:endParaRPr lang="en-US" sz="1600" dirty="0"/>
           </a:p>
@@ -13149,8 +13266,8 @@
         </p:nvSpPr>
         <p:spPr bwMode="auto">
           <a:xfrm>
-            <a:off x="4098925" y="3303588"/>
-            <a:ext cx="3416846" cy="738664"/>
+            <a:off x="2895600" y="3489088"/>
+            <a:ext cx="5955476" cy="1631216"/>
           </a:xfrm>
           <a:prstGeom prst="rect">
             <a:avLst/>
@@ -13166,7 +13283,7 @@
           </a:ln>
           <a:extLst>
             <a:ext uri="{909E8E84-426E-40dd-AFC4-6F175D3DCCD1}">
-              <a14:hiddenFill xmlns="" xmlns:a14="http://schemas.microsoft.com/office/drawing/2010/main">
+              <a14:hiddenFill xmlns:a14="http://schemas.microsoft.com/office/drawing/2010/main" xmlns="">
                 <a:solidFill>
                   <a:schemeClr val="accent1"/>
                 </a:solidFill>
@@ -13181,79 +13298,300 @@
           <a:lstStyle/>
           <a:p>
             <a:r>
-              <a:rPr lang="en-US" dirty="0" err="1">
-                <a:latin typeface="Courier New"/>
-                <a:cs typeface="Courier New"/>
+              <a:rPr lang="is-IS" sz="1000" dirty="0">
+                <a:solidFill>
+                  <a:srgbClr val="BA2DA2"/>
+                </a:solidFill>
+                <a:latin typeface="Menlo" charset="0"/>
               </a:rPr>
               <a:t>def</a:t>
             </a:r>
             <a:r>
-              <a:rPr lang="en-US" dirty="0">
-                <a:latin typeface="Courier New"/>
-                <a:cs typeface="Courier New"/>
-              </a:rPr>
-              <a:t> </a:t>
-            </a:r>
-            <a:r>
-              <a:rPr lang="en-US" dirty="0" err="1">
-                <a:latin typeface="Courier New"/>
-                <a:cs typeface="Courier New"/>
-              </a:rPr>
-              <a:t>prog</a:t>
-            </a:r>
-            <a:r>
-              <a:rPr lang="en-US" dirty="0">
-                <a:latin typeface="Courier New"/>
-                <a:cs typeface="Courier New"/>
-              </a:rPr>
-              <a:t>():</a:t>
-            </a:r>
-          </a:p>
-          <a:p>
-            <a:r>
-              <a:rPr lang="en-US" dirty="0">
-                <a:latin typeface="Courier New"/>
-                <a:cs typeface="Courier New"/>
-              </a:rPr>
-              <a:t>    while not </a:t>
-            </a:r>
-            <a:r>
-              <a:rPr lang="en-US" dirty="0" err="1">
-                <a:latin typeface="Courier New"/>
-                <a:cs typeface="Courier New"/>
-              </a:rPr>
-              <a:t>I.end_of_file</a:t>
-            </a:r>
-            <a:r>
-              <a:rPr lang="en-US" dirty="0">
-                <a:latin typeface="Courier New"/>
-                <a:cs typeface="Courier New"/>
-              </a:rPr>
-              <a:t>():</a:t>
-            </a:r>
-          </a:p>
-          <a:p>
-            <a:r>
-              <a:rPr lang="en-US" dirty="0">
-                <a:latin typeface="Courier New"/>
-                <a:cs typeface="Courier New"/>
-              </a:rPr>
-              <a:t>        </a:t>
-            </a:r>
-            <a:r>
-              <a:rPr lang="en-US" dirty="0" err="1">
-                <a:latin typeface="Courier New"/>
-                <a:cs typeface="Courier New"/>
-              </a:rPr>
-              <a:t>stmt</a:t>
-            </a:r>
-            <a:r>
-              <a:rPr lang="en-US" dirty="0">
-                <a:latin typeface="Courier New"/>
-                <a:cs typeface="Courier New"/>
-              </a:rPr>
-              <a:t>()</a:t>
-            </a:r>
+              <a:rPr lang="is-IS" sz="1000" dirty="0">
+                <a:solidFill>
+                  <a:srgbClr val="000000"/>
+                </a:solidFill>
+                <a:latin typeface="Menlo" charset="0"/>
+              </a:rPr>
+              <a:t> prog():</a:t>
+            </a:r>
+          </a:p>
+          <a:p>
+            <a:r>
+              <a:rPr lang="is-IS" sz="1000" dirty="0">
+                <a:solidFill>
+                  <a:srgbClr val="000000"/>
+                </a:solidFill>
+                <a:latin typeface="Menlo" charset="0"/>
+              </a:rPr>
+              <a:t>    sym = I.pointer()</a:t>
+            </a:r>
+          </a:p>
+          <a:p>
+            <a:r>
+              <a:rPr lang="is-IS" sz="1000" dirty="0">
+                <a:solidFill>
+                  <a:srgbClr val="000000"/>
+                </a:solidFill>
+                <a:latin typeface="Menlo" charset="0"/>
+              </a:rPr>
+              <a:t>    </a:t>
+            </a:r>
+            <a:r>
+              <a:rPr lang="is-IS" sz="1000" dirty="0">
+                <a:solidFill>
+                  <a:srgbClr val="BA2DA2"/>
+                </a:solidFill>
+                <a:latin typeface="Menlo" charset="0"/>
+              </a:rPr>
+              <a:t>if</a:t>
+            </a:r>
+            <a:r>
+              <a:rPr lang="is-IS" sz="1000" dirty="0">
+                <a:solidFill>
+                  <a:srgbClr val="000000"/>
+                </a:solidFill>
+                <a:latin typeface="Menlo" charset="0"/>
+              </a:rPr>
+              <a:t> sym </a:t>
+            </a:r>
+            <a:r>
+              <a:rPr lang="is-IS" sz="1000" dirty="0">
+                <a:solidFill>
+                  <a:srgbClr val="BA2DA2"/>
+                </a:solidFill>
+                <a:latin typeface="Menlo" charset="0"/>
+              </a:rPr>
+              <a:t>in</a:t>
+            </a:r>
+            <a:r>
+              <a:rPr lang="is-IS" sz="1000" dirty="0">
+                <a:solidFill>
+                  <a:srgbClr val="000000"/>
+                </a:solidFill>
+                <a:latin typeface="Menlo" charset="0"/>
+              </a:rPr>
+              <a:t> [</a:t>
+            </a:r>
+            <a:r>
+              <a:rPr lang="is-IS" sz="1000" dirty="0">
+                <a:solidFill>
+                  <a:srgbClr val="272AD8"/>
+                </a:solidFill>
+                <a:latin typeface="Menlo" charset="0"/>
+              </a:rPr>
+              <a:t>'p'</a:t>
+            </a:r>
+            <a:r>
+              <a:rPr lang="is-IS" sz="1000" dirty="0">
+                <a:solidFill>
+                  <a:srgbClr val="000000"/>
+                </a:solidFill>
+                <a:latin typeface="Menlo" charset="0"/>
+              </a:rPr>
+              <a:t>,</a:t>
+            </a:r>
+            <a:r>
+              <a:rPr lang="is-IS" sz="1000" dirty="0">
+                <a:solidFill>
+                  <a:srgbClr val="272AD8"/>
+                </a:solidFill>
+                <a:latin typeface="Menlo" charset="0"/>
+              </a:rPr>
+              <a:t>'s'</a:t>
+            </a:r>
+            <a:r>
+              <a:rPr lang="is-IS" sz="1000" dirty="0">
+                <a:solidFill>
+                  <a:srgbClr val="000000"/>
+                </a:solidFill>
+                <a:latin typeface="Menlo" charset="0"/>
+              </a:rPr>
+              <a:t>]:</a:t>
+            </a:r>
+          </a:p>
+          <a:p>
+            <a:r>
+              <a:rPr lang="is-IS" sz="1000" dirty="0">
+                <a:solidFill>
+                  <a:srgbClr val="000000"/>
+                </a:solidFill>
+                <a:latin typeface="Menlo" charset="0"/>
+              </a:rPr>
+              <a:t>        stmt()</a:t>
+            </a:r>
+          </a:p>
+          <a:p>
+            <a:r>
+              <a:rPr lang="is-IS" sz="1000" dirty="0">
+                <a:solidFill>
+                  <a:srgbClr val="000000"/>
+                </a:solidFill>
+                <a:latin typeface="Menlo" charset="0"/>
+              </a:rPr>
+              <a:t>        prog()</a:t>
+            </a:r>
+          </a:p>
+          <a:p>
+            <a:r>
+              <a:rPr lang="is-IS" sz="1000" dirty="0">
+                <a:solidFill>
+                  <a:srgbClr val="000000"/>
+                </a:solidFill>
+                <a:latin typeface="Menlo" charset="0"/>
+              </a:rPr>
+              <a:t>    </a:t>
+            </a:r>
+            <a:r>
+              <a:rPr lang="is-IS" sz="1000" dirty="0">
+                <a:solidFill>
+                  <a:srgbClr val="BA2DA2"/>
+                </a:solidFill>
+                <a:latin typeface="Menlo" charset="0"/>
+              </a:rPr>
+              <a:t>elif</a:t>
+            </a:r>
+            <a:r>
+              <a:rPr lang="is-IS" sz="1000" dirty="0">
+                <a:solidFill>
+                  <a:srgbClr val="000000"/>
+                </a:solidFill>
+                <a:latin typeface="Menlo" charset="0"/>
+              </a:rPr>
+              <a:t> sym == </a:t>
+            </a:r>
+            <a:r>
+              <a:rPr lang="is-IS" sz="1000" dirty="0">
+                <a:solidFill>
+                  <a:srgbClr val="D12F1B"/>
+                </a:solidFill>
+                <a:latin typeface="Menlo" charset="0"/>
+              </a:rPr>
+              <a:t>""</a:t>
+            </a:r>
+            <a:r>
+              <a:rPr lang="is-IS" sz="1000" dirty="0">
+                <a:solidFill>
+                  <a:srgbClr val="000000"/>
+                </a:solidFill>
+                <a:latin typeface="Menlo" charset="0"/>
+              </a:rPr>
+              <a:t>:</a:t>
+            </a:r>
+          </a:p>
+          <a:p>
+            <a:r>
+              <a:rPr lang="is-IS" sz="1000" dirty="0">
+                <a:solidFill>
+                  <a:srgbClr val="000000"/>
+                </a:solidFill>
+                <a:latin typeface="Menlo" charset="0"/>
+              </a:rPr>
+              <a:t>        </a:t>
+            </a:r>
+            <a:r>
+              <a:rPr lang="is-IS" sz="1000" dirty="0">
+                <a:solidFill>
+                  <a:srgbClr val="BA2DA2"/>
+                </a:solidFill>
+                <a:latin typeface="Menlo" charset="0"/>
+              </a:rPr>
+              <a:t>pass</a:t>
+            </a:r>
+            <a:endParaRPr lang="is-IS" sz="1000" dirty="0">
+              <a:solidFill>
+                <a:srgbClr val="000000"/>
+              </a:solidFill>
+              <a:latin typeface="Menlo" charset="0"/>
+            </a:endParaRPr>
+          </a:p>
+          <a:p>
+            <a:r>
+              <a:rPr lang="is-IS" sz="1000" dirty="0">
+                <a:solidFill>
+                  <a:srgbClr val="000000"/>
+                </a:solidFill>
+                <a:latin typeface="Menlo" charset="0"/>
+              </a:rPr>
+              <a:t>    </a:t>
+            </a:r>
+            <a:r>
+              <a:rPr lang="is-IS" sz="1000" dirty="0">
+                <a:solidFill>
+                  <a:srgbClr val="BA2DA2"/>
+                </a:solidFill>
+                <a:latin typeface="Menlo" charset="0"/>
+              </a:rPr>
+              <a:t>else</a:t>
+            </a:r>
+            <a:r>
+              <a:rPr lang="is-IS" sz="1000" dirty="0">
+                <a:solidFill>
+                  <a:srgbClr val="000000"/>
+                </a:solidFill>
+                <a:latin typeface="Menlo" charset="0"/>
+              </a:rPr>
+              <a:t>:</a:t>
+            </a:r>
+          </a:p>
+          <a:p>
+            <a:r>
+              <a:rPr lang="is-IS" sz="1000" dirty="0">
+                <a:solidFill>
+                  <a:srgbClr val="000000"/>
+                </a:solidFill>
+                <a:latin typeface="Menlo" charset="0"/>
+              </a:rPr>
+              <a:t>        </a:t>
+            </a:r>
+            <a:r>
+              <a:rPr lang="is-IS" sz="1000" dirty="0">
+                <a:solidFill>
+                  <a:srgbClr val="BA2DA2"/>
+                </a:solidFill>
+                <a:latin typeface="Menlo" charset="0"/>
+              </a:rPr>
+              <a:t>raise</a:t>
+            </a:r>
+            <a:r>
+              <a:rPr lang="is-IS" sz="1000" dirty="0">
+                <a:solidFill>
+                  <a:srgbClr val="000000"/>
+                </a:solidFill>
+                <a:latin typeface="Menlo" charset="0"/>
+              </a:rPr>
+              <a:t> SyntaxError(</a:t>
+            </a:r>
+            <a:r>
+              <a:rPr lang="is-IS" sz="1000" dirty="0">
+                <a:solidFill>
+                  <a:srgbClr val="272AD8"/>
+                </a:solidFill>
+                <a:latin typeface="Menlo" charset="0"/>
+              </a:rPr>
+              <a:t>'unexpected symbol {} while parsing'</a:t>
+            </a:r>
+            <a:r>
+              <a:rPr lang="is-IS" sz="1000" dirty="0">
+                <a:solidFill>
+                  <a:srgbClr val="000000"/>
+                </a:solidFill>
+                <a:latin typeface="Menlo" charset="0"/>
+              </a:rPr>
+              <a:t>.format(sym))</a:t>
+            </a:r>
+            <a:endParaRPr lang="is-IS" sz="1000" dirty="0">
+              <a:solidFill>
+                <a:srgbClr val="272AD8"/>
+              </a:solidFill>
+              <a:latin typeface="Menlo" charset="0"/>
+            </a:endParaRPr>
+          </a:p>
+          <a:p>
+            <a:endParaRPr lang="en-US" sz="1000" dirty="0">
+              <a:latin typeface="Courier New"/>
+              <a:cs typeface="Courier New"/>
+            </a:endParaRPr>
           </a:p>
         </p:txBody>
       </p:sp>
@@ -13267,7 +13605,7 @@
         </p:nvSpPr>
         <p:spPr bwMode="auto">
           <a:xfrm rot="-16269426">
-            <a:off x="2331244" y="3259931"/>
+            <a:off x="1930201" y="3202341"/>
             <a:ext cx="852488" cy="733425"/>
           </a:xfrm>
           <a:custGeom>
@@ -13642,14 +13980,14 @@
           </a:ln>
           <a:extLst>
             <a:ext uri="{909E8E84-426E-40dd-AFC4-6F175D3DCCD1}">
-              <a14:hiddenFill xmlns="" xmlns:a14="http://schemas.microsoft.com/office/drawing/2010/main">
+              <a14:hiddenFill xmlns:a14="http://schemas.microsoft.com/office/drawing/2010/main" xmlns="">
                 <a:solidFill>
                   <a:schemeClr val="accent1"/>
                 </a:solidFill>
               </a14:hiddenFill>
             </a:ext>
             <a:ext uri="{91240B29-F687-4f45-9708-019B960494DF}">
-              <a14:hiddenLine xmlns="" xmlns:a14="http://schemas.microsoft.com/office/drawing/2010/main" w="9525">
+              <a14:hiddenLine xmlns:a14="http://schemas.microsoft.com/office/drawing/2010/main" xmlns="" w="9525">
                 <a:solidFill>
                   <a:schemeClr val="tx1"/>
                 </a:solidFill>
@@ -13770,7 +14108,7 @@
           </a:ln>
           <a:extLst>
             <a:ext uri="{909E8E84-426E-40dd-AFC4-6F175D3DCCD1}">
-              <a14:hiddenFill xmlns="" xmlns:a14="http://schemas.microsoft.com/office/drawing/2010/main">
+              <a14:hiddenFill xmlns:a14="http://schemas.microsoft.com/office/drawing/2010/main" xmlns="">
                 <a:solidFill>
                   <a:schemeClr val="accent1"/>
                 </a:solidFill>
@@ -13785,363 +14123,333 @@
           <a:lstStyle/>
           <a:p>
             <a:r>
-              <a:rPr lang="en-US" sz="1000" dirty="0" err="1">
-                <a:latin typeface="Courier New"/>
-                <a:cs typeface="Courier New"/>
+              <a:rPr lang="is-IS" sz="1000" dirty="0">
+                <a:solidFill>
+                  <a:srgbClr val="BA2DA2"/>
+                </a:solidFill>
+                <a:latin typeface="Menlo" charset="0"/>
               </a:rPr>
               <a:t>def</a:t>
             </a:r>
             <a:r>
-              <a:rPr lang="en-US" sz="1000" dirty="0">
-                <a:latin typeface="Courier New"/>
-                <a:cs typeface="Courier New"/>
-              </a:rPr>
-              <a:t> </a:t>
-            </a:r>
-            <a:r>
-              <a:rPr lang="en-US" sz="1000" dirty="0" err="1">
-                <a:latin typeface="Courier New"/>
-                <a:cs typeface="Courier New"/>
-              </a:rPr>
-              <a:t>stmt</a:t>
-            </a:r>
-            <a:r>
-              <a:rPr lang="en-US" sz="1000" dirty="0">
-                <a:latin typeface="Courier New"/>
-                <a:cs typeface="Courier New"/>
-              </a:rPr>
-              <a:t>():</a:t>
-            </a:r>
-          </a:p>
-          <a:p>
-            <a:r>
-              <a:rPr lang="en-US" sz="1000" dirty="0">
-                <a:latin typeface="Courier New"/>
-                <a:cs typeface="Courier New"/>
-              </a:rPr>
-              <a:t>    </a:t>
-            </a:r>
-            <a:r>
-              <a:rPr lang="en-US" sz="1000" dirty="0" err="1">
-                <a:solidFill>
-                  <a:srgbClr val="FF0000"/>
-                </a:solidFill>
-                <a:latin typeface="Courier New"/>
-                <a:cs typeface="Courier New"/>
-              </a:rPr>
-              <a:t>sym</a:t>
-            </a:r>
-            <a:r>
-              <a:rPr lang="en-US" sz="1000" dirty="0">
-                <a:solidFill>
-                  <a:srgbClr val="FF0000"/>
-                </a:solidFill>
-                <a:latin typeface="Courier New"/>
-                <a:cs typeface="Courier New"/>
-              </a:rPr>
-              <a:t> = </a:t>
-            </a:r>
-            <a:r>
-              <a:rPr lang="en-US" sz="1000" dirty="0" err="1">
-                <a:solidFill>
-                  <a:srgbClr val="FF0000"/>
-                </a:solidFill>
-                <a:latin typeface="Courier New"/>
-                <a:cs typeface="Courier New"/>
-              </a:rPr>
-              <a:t>I.pointer</a:t>
-            </a:r>
-            <a:r>
-              <a:rPr lang="en-US" sz="1000" dirty="0">
-                <a:solidFill>
-                  <a:srgbClr val="FF0000"/>
-                </a:solidFill>
-                <a:latin typeface="Courier New"/>
-                <a:cs typeface="Courier New"/>
-              </a:rPr>
-              <a:t>()</a:t>
-            </a:r>
-          </a:p>
-          <a:p>
-            <a:r>
-              <a:rPr lang="en-US" sz="1000" dirty="0">
-                <a:latin typeface="Courier New"/>
-                <a:cs typeface="Courier New"/>
-              </a:rPr>
-              <a:t>    if </a:t>
-            </a:r>
-            <a:r>
-              <a:rPr lang="en-US" sz="1000" dirty="0" err="1">
-                <a:latin typeface="Courier New"/>
-                <a:cs typeface="Courier New"/>
-              </a:rPr>
-              <a:t>sym</a:t>
-            </a:r>
-            <a:r>
-              <a:rPr lang="en-US" sz="1000" dirty="0">
-                <a:latin typeface="Courier New"/>
-                <a:cs typeface="Courier New"/>
-              </a:rPr>
-              <a:t> == 'p':</a:t>
-            </a:r>
-          </a:p>
-          <a:p>
-            <a:r>
-              <a:rPr lang="en-US" sz="1000" dirty="0">
-                <a:latin typeface="Courier New"/>
-                <a:cs typeface="Courier New"/>
-              </a:rPr>
-              <a:t>        </a:t>
-            </a:r>
-            <a:r>
-              <a:rPr lang="en-US" sz="1000" dirty="0" err="1">
-                <a:latin typeface="Courier New"/>
-                <a:cs typeface="Courier New"/>
-              </a:rPr>
-              <a:t>I.next</a:t>
-            </a:r>
-            <a:r>
-              <a:rPr lang="en-US" sz="1000" dirty="0">
-                <a:latin typeface="Courier New"/>
-                <a:cs typeface="Courier New"/>
-              </a:rPr>
-              <a:t>()</a:t>
-            </a:r>
-          </a:p>
-          <a:p>
-            <a:r>
-              <a:rPr lang="en-US" sz="1000" dirty="0">
-                <a:latin typeface="Courier New"/>
-                <a:cs typeface="Courier New"/>
-              </a:rPr>
-              <a:t>        </a:t>
-            </a:r>
-            <a:r>
-              <a:rPr lang="en-US" sz="1000" dirty="0" err="1">
-                <a:latin typeface="Courier New"/>
-                <a:cs typeface="Courier New"/>
-              </a:rPr>
-              <a:t>exp</a:t>
-            </a:r>
-            <a:r>
-              <a:rPr lang="en-US" sz="1000" dirty="0">
-                <a:latin typeface="Courier New"/>
-                <a:cs typeface="Courier New"/>
-              </a:rPr>
-              <a:t>()</a:t>
-            </a:r>
-          </a:p>
-          <a:p>
-            <a:r>
-              <a:rPr lang="en-US" sz="1000" dirty="0">
-                <a:latin typeface="Courier New"/>
-                <a:cs typeface="Courier New"/>
-              </a:rPr>
-              <a:t>        </a:t>
-            </a:r>
-            <a:r>
-              <a:rPr lang="en-US" sz="1000" dirty="0" err="1">
-                <a:latin typeface="Courier New"/>
-                <a:cs typeface="Courier New"/>
-              </a:rPr>
-              <a:t>I.next</a:t>
-            </a:r>
-            <a:r>
-              <a:rPr lang="en-US" sz="1000" dirty="0">
-                <a:latin typeface="Courier New"/>
-                <a:cs typeface="Courier New"/>
-              </a:rPr>
-              <a:t>() # match the ';'                                                                                </a:t>
-            </a:r>
-          </a:p>
-          <a:p>
-            <a:r>
-              <a:rPr lang="pl-PL" sz="1000" dirty="0">
-                <a:latin typeface="Courier New"/>
-                <a:cs typeface="Courier New"/>
-              </a:rPr>
-              <a:t>    </a:t>
-            </a:r>
-            <a:r>
-              <a:rPr lang="pl-PL" sz="1000" dirty="0" err="1">
-                <a:latin typeface="Courier New"/>
-                <a:cs typeface="Courier New"/>
+              <a:rPr lang="is-IS" sz="1000" dirty="0">
+                <a:solidFill>
+                  <a:srgbClr val="000000"/>
+                </a:solidFill>
+                <a:latin typeface="Menlo" charset="0"/>
+              </a:rPr>
+              <a:t> stmt():</a:t>
+            </a:r>
+          </a:p>
+          <a:p>
+            <a:r>
+              <a:rPr lang="is-IS" sz="1000" dirty="0">
+                <a:solidFill>
+                  <a:srgbClr val="000000"/>
+                </a:solidFill>
+                <a:latin typeface="Menlo" charset="0"/>
+              </a:rPr>
+              <a:t>    sym = I.pointer()</a:t>
+            </a:r>
+          </a:p>
+          <a:p>
+            <a:r>
+              <a:rPr lang="is-IS" sz="1000" dirty="0">
+                <a:solidFill>
+                  <a:srgbClr val="000000"/>
+                </a:solidFill>
+                <a:latin typeface="Menlo" charset="0"/>
+              </a:rPr>
+              <a:t>    </a:t>
+            </a:r>
+            <a:r>
+              <a:rPr lang="is-IS" sz="1000" dirty="0">
+                <a:solidFill>
+                  <a:srgbClr val="BA2DA2"/>
+                </a:solidFill>
+                <a:latin typeface="Menlo" charset="0"/>
+              </a:rPr>
+              <a:t>if</a:t>
+            </a:r>
+            <a:r>
+              <a:rPr lang="is-IS" sz="1000" dirty="0">
+                <a:solidFill>
+                  <a:srgbClr val="000000"/>
+                </a:solidFill>
+                <a:latin typeface="Menlo" charset="0"/>
+              </a:rPr>
+              <a:t> sym == </a:t>
+            </a:r>
+            <a:r>
+              <a:rPr lang="is-IS" sz="1000" dirty="0">
+                <a:solidFill>
+                  <a:srgbClr val="272AD8"/>
+                </a:solidFill>
+                <a:latin typeface="Menlo" charset="0"/>
+              </a:rPr>
+              <a:t>'p'</a:t>
+            </a:r>
+            <a:r>
+              <a:rPr lang="is-IS" sz="1000" dirty="0">
+                <a:solidFill>
+                  <a:srgbClr val="000000"/>
+                </a:solidFill>
+                <a:latin typeface="Menlo" charset="0"/>
+              </a:rPr>
+              <a:t>:</a:t>
+            </a:r>
+          </a:p>
+          <a:p>
+            <a:r>
+              <a:rPr lang="is-IS" sz="1000" dirty="0">
+                <a:solidFill>
+                  <a:srgbClr val="000000"/>
+                </a:solidFill>
+                <a:latin typeface="Menlo" charset="0"/>
+              </a:rPr>
+              <a:t>        I.next()</a:t>
+            </a:r>
+          </a:p>
+          <a:p>
+            <a:r>
+              <a:rPr lang="is-IS" sz="1000" dirty="0">
+                <a:solidFill>
+                  <a:srgbClr val="000000"/>
+                </a:solidFill>
+                <a:latin typeface="Menlo" charset="0"/>
+              </a:rPr>
+              <a:t>        exp()</a:t>
+            </a:r>
+          </a:p>
+          <a:p>
+            <a:r>
+              <a:rPr lang="is-IS" sz="1000" dirty="0">
+                <a:solidFill>
+                  <a:srgbClr val="000000"/>
+                </a:solidFill>
+                <a:latin typeface="Menlo" charset="0"/>
+              </a:rPr>
+              <a:t>        I.match(</a:t>
+            </a:r>
+            <a:r>
+              <a:rPr lang="is-IS" sz="1000" dirty="0">
+                <a:solidFill>
+                  <a:srgbClr val="272AD8"/>
+                </a:solidFill>
+                <a:latin typeface="Menlo" charset="0"/>
+              </a:rPr>
+              <a:t>';'</a:t>
+            </a:r>
+            <a:r>
+              <a:rPr lang="is-IS" sz="1000" dirty="0">
+                <a:solidFill>
+                  <a:srgbClr val="000000"/>
+                </a:solidFill>
+                <a:latin typeface="Menlo" charset="0"/>
+              </a:rPr>
+              <a:t>)</a:t>
+            </a:r>
+          </a:p>
+          <a:p>
+            <a:r>
+              <a:rPr lang="is-IS" sz="1000" dirty="0">
+                <a:solidFill>
+                  <a:srgbClr val="000000"/>
+                </a:solidFill>
+                <a:latin typeface="Menlo" charset="0"/>
+              </a:rPr>
+              <a:t>    </a:t>
+            </a:r>
+            <a:r>
+              <a:rPr lang="is-IS" sz="1000" dirty="0">
+                <a:solidFill>
+                  <a:srgbClr val="BA2DA2"/>
+                </a:solidFill>
+                <a:latin typeface="Menlo" charset="0"/>
               </a:rPr>
               <a:t>elif</a:t>
             </a:r>
             <a:r>
-              <a:rPr lang="pl-PL" sz="1000" dirty="0">
-                <a:latin typeface="Courier New"/>
-                <a:cs typeface="Courier New"/>
-              </a:rPr>
-              <a:t> </a:t>
-            </a:r>
-            <a:r>
-              <a:rPr lang="pl-PL" sz="1000" dirty="0" err="1">
-                <a:latin typeface="Courier New"/>
-                <a:cs typeface="Courier New"/>
-              </a:rPr>
-              <a:t>sym</a:t>
-            </a:r>
-            <a:r>
-              <a:rPr lang="pl-PL" sz="1000" dirty="0">
-                <a:latin typeface="Courier New"/>
-                <a:cs typeface="Courier New"/>
-              </a:rPr>
-              <a:t> == 's':</a:t>
-            </a:r>
-          </a:p>
-          <a:p>
-            <a:r>
-              <a:rPr lang="pl-PL" sz="1000" dirty="0">
-                <a:latin typeface="Courier New"/>
-                <a:cs typeface="Courier New"/>
-              </a:rPr>
-              <a:t>        </a:t>
-            </a:r>
-            <a:r>
-              <a:rPr lang="pl-PL" sz="1000" dirty="0" err="1">
-                <a:latin typeface="Courier New"/>
-                <a:cs typeface="Courier New"/>
-              </a:rPr>
-              <a:t>I.next</a:t>
-            </a:r>
-            <a:r>
-              <a:rPr lang="pl-PL" sz="1000" dirty="0">
-                <a:latin typeface="Courier New"/>
-                <a:cs typeface="Courier New"/>
-              </a:rPr>
-              <a:t>()</a:t>
-            </a:r>
-          </a:p>
-          <a:p>
-            <a:r>
-              <a:rPr lang="pl-PL" sz="1000" dirty="0">
-                <a:latin typeface="Courier New"/>
-                <a:cs typeface="Courier New"/>
-              </a:rPr>
-              <a:t>        </a:t>
-            </a:r>
-            <a:r>
-              <a:rPr lang="pl-PL" sz="1000" dirty="0" err="1">
-                <a:latin typeface="Courier New"/>
-                <a:cs typeface="Courier New"/>
-              </a:rPr>
-              <a:t>var</a:t>
-            </a:r>
-            <a:r>
-              <a:rPr lang="pl-PL" sz="1000" dirty="0">
-                <a:latin typeface="Courier New"/>
-                <a:cs typeface="Courier New"/>
-              </a:rPr>
-              <a:t>()</a:t>
-            </a:r>
-          </a:p>
-          <a:p>
-            <a:r>
-              <a:rPr lang="pl-PL" sz="1000" dirty="0">
-                <a:latin typeface="Courier New"/>
-                <a:cs typeface="Courier New"/>
-              </a:rPr>
-              <a:t>        </a:t>
-            </a:r>
-            <a:r>
-              <a:rPr lang="pl-PL" sz="1000" dirty="0" err="1">
-                <a:latin typeface="Courier New"/>
-                <a:cs typeface="Courier New"/>
-              </a:rPr>
-              <a:t>exp</a:t>
-            </a:r>
-            <a:r>
-              <a:rPr lang="pl-PL" sz="1000" dirty="0">
-                <a:latin typeface="Courier New"/>
-                <a:cs typeface="Courier New"/>
-              </a:rPr>
-              <a:t>()</a:t>
-            </a:r>
-          </a:p>
-          <a:p>
-            <a:r>
-              <a:rPr lang="en-US" sz="1000" dirty="0">
-                <a:latin typeface="Courier New"/>
-                <a:cs typeface="Courier New"/>
-              </a:rPr>
-              <a:t>        </a:t>
-            </a:r>
-            <a:r>
-              <a:rPr lang="en-US" sz="1000" dirty="0" err="1">
-                <a:latin typeface="Courier New"/>
-                <a:cs typeface="Courier New"/>
-              </a:rPr>
-              <a:t>I.next</a:t>
-            </a:r>
-            <a:r>
-              <a:rPr lang="en-US" sz="1000" dirty="0">
-                <a:latin typeface="Courier New"/>
-                <a:cs typeface="Courier New"/>
-              </a:rPr>
-              <a:t>() # match the ';'                                                                                </a:t>
-            </a:r>
-          </a:p>
-          <a:p>
-            <a:r>
-              <a:rPr lang="hu-HU" sz="1000" dirty="0">
-                <a:latin typeface="Courier New"/>
-                <a:cs typeface="Courier New"/>
-              </a:rPr>
-              <a:t>    else:</a:t>
-            </a:r>
-          </a:p>
-          <a:p>
-            <a:r>
-              <a:rPr lang="en-US" sz="1000" dirty="0">
-                <a:latin typeface="Courier New"/>
-                <a:cs typeface="Courier New"/>
-              </a:rPr>
-              <a:t>        raise </a:t>
-            </a:r>
-            <a:r>
-              <a:rPr lang="en-US" sz="1000" dirty="0" err="1">
-                <a:latin typeface="Courier New"/>
-                <a:cs typeface="Courier New"/>
-              </a:rPr>
-              <a:t>SyntaxError</a:t>
-            </a:r>
-            <a:r>
-              <a:rPr lang="en-US" sz="1000" dirty="0">
-                <a:latin typeface="Courier New"/>
-                <a:cs typeface="Courier New"/>
-              </a:rPr>
-              <a:t>('unexpected symbol {} while </a:t>
-            </a:r>
-            <a:r>
-              <a:rPr lang="en-US" sz="1000" dirty="0" err="1">
-                <a:latin typeface="Courier New"/>
-                <a:cs typeface="Courier New"/>
-              </a:rPr>
-              <a:t>parsing'.format</a:t>
-            </a:r>
-            <a:r>
-              <a:rPr lang="en-US" sz="1000" dirty="0">
-                <a:latin typeface="Courier New"/>
-                <a:cs typeface="Courier New"/>
+              <a:rPr lang="is-IS" sz="1000" dirty="0">
+                <a:solidFill>
+                  <a:srgbClr val="000000"/>
+                </a:solidFill>
+                <a:latin typeface="Menlo" charset="0"/>
+              </a:rPr>
+              <a:t> sym == </a:t>
+            </a:r>
+            <a:r>
+              <a:rPr lang="is-IS" sz="1000" dirty="0">
+                <a:solidFill>
+                  <a:srgbClr val="272AD8"/>
+                </a:solidFill>
+                <a:latin typeface="Menlo" charset="0"/>
+              </a:rPr>
+              <a:t>'s'</a:t>
+            </a:r>
+            <a:r>
+              <a:rPr lang="is-IS" sz="1000" dirty="0">
+                <a:solidFill>
+                  <a:srgbClr val="000000"/>
+                </a:solidFill>
+                <a:latin typeface="Menlo" charset="0"/>
+              </a:rPr>
+              <a:t>:</a:t>
+            </a:r>
+          </a:p>
+          <a:p>
+            <a:r>
+              <a:rPr lang="is-IS" sz="1000" dirty="0">
+                <a:solidFill>
+                  <a:srgbClr val="000000"/>
+                </a:solidFill>
+                <a:latin typeface="Menlo" charset="0"/>
+              </a:rPr>
+              <a:t>        I.next()</a:t>
+            </a:r>
+          </a:p>
+          <a:p>
+            <a:r>
+              <a:rPr lang="is-IS" sz="1000" dirty="0">
+                <a:solidFill>
+                  <a:srgbClr val="000000"/>
+                </a:solidFill>
+                <a:latin typeface="Menlo" charset="0"/>
+              </a:rPr>
+              <a:t>        var()</a:t>
+            </a:r>
+          </a:p>
+          <a:p>
+            <a:r>
+              <a:rPr lang="is-IS" sz="1000" dirty="0">
+                <a:solidFill>
+                  <a:srgbClr val="000000"/>
+                </a:solidFill>
+                <a:latin typeface="Menlo" charset="0"/>
+              </a:rPr>
+              <a:t>        exp()</a:t>
+            </a:r>
+          </a:p>
+          <a:p>
+            <a:r>
+              <a:rPr lang="is-IS" sz="1000" dirty="0">
+                <a:solidFill>
+                  <a:srgbClr val="000000"/>
+                </a:solidFill>
+                <a:latin typeface="Menlo" charset="0"/>
+              </a:rPr>
+              <a:t>        I.match</a:t>
+            </a:r>
+            <a:r>
+              <a:rPr lang="is-IS" sz="1000" dirty="0" smtClean="0">
+                <a:solidFill>
+                  <a:srgbClr val="000000"/>
+                </a:solidFill>
+                <a:latin typeface="Menlo" charset="0"/>
               </a:rPr>
               <a:t>(</a:t>
             </a:r>
             <a:r>
-              <a:rPr lang="en-US" sz="1000" dirty="0" err="1">
-                <a:latin typeface="Courier New"/>
-                <a:cs typeface="Courier New"/>
-              </a:rPr>
-              <a:t>sym</a:t>
-            </a:r>
-            <a:r>
-              <a:rPr lang="en-US" sz="1000" dirty="0">
-                <a:latin typeface="Courier New"/>
-                <a:cs typeface="Courier New"/>
-              </a:rPr>
-              <a:t>))</a:t>
-            </a:r>
+              <a:rPr lang="is-IS" sz="1000" dirty="0" smtClean="0">
+                <a:solidFill>
+                  <a:srgbClr val="272AD8"/>
+                </a:solidFill>
+                <a:latin typeface="Menlo" charset="0"/>
+              </a:rPr>
+              <a:t>';'</a:t>
+            </a:r>
+            <a:r>
+              <a:rPr lang="is-IS" sz="1000" dirty="0" smtClean="0">
+                <a:solidFill>
+                  <a:srgbClr val="000000"/>
+                </a:solidFill>
+                <a:latin typeface="Menlo" charset="0"/>
+              </a:rPr>
+              <a:t>)</a:t>
+            </a:r>
+          </a:p>
+          <a:p>
+            <a:r>
+              <a:rPr lang="is-IS" sz="1000" dirty="0" smtClean="0">
+                <a:solidFill>
+                  <a:srgbClr val="000000"/>
+                </a:solidFill>
+                <a:latin typeface="Menlo" charset="0"/>
+              </a:rPr>
+              <a:t>    </a:t>
+            </a:r>
+            <a:r>
+              <a:rPr lang="is-IS" sz="1000" dirty="0" smtClean="0">
+                <a:solidFill>
+                  <a:srgbClr val="BA2DA2"/>
+                </a:solidFill>
+                <a:latin typeface="Menlo" charset="0"/>
+              </a:rPr>
+              <a:t>else</a:t>
+            </a:r>
+            <a:r>
+              <a:rPr lang="is-IS" sz="1000" dirty="0" smtClean="0">
+                <a:solidFill>
+                  <a:srgbClr val="000000"/>
+                </a:solidFill>
+                <a:latin typeface="Menlo" charset="0"/>
+              </a:rPr>
+              <a:t>:</a:t>
+            </a:r>
+          </a:p>
+          <a:p>
+            <a:r>
+              <a:rPr lang="is-IS" sz="1000" dirty="0">
+                <a:solidFill>
+                  <a:srgbClr val="000000"/>
+                </a:solidFill>
+                <a:latin typeface="Menlo" charset="0"/>
+              </a:rPr>
+              <a:t>        </a:t>
+            </a:r>
+            <a:r>
+              <a:rPr lang="is-IS" sz="1000" dirty="0">
+                <a:solidFill>
+                  <a:srgbClr val="BA2DA2"/>
+                </a:solidFill>
+                <a:latin typeface="Menlo" charset="0"/>
+              </a:rPr>
+              <a:t>raise</a:t>
+            </a:r>
+            <a:r>
+              <a:rPr lang="is-IS" sz="1000" dirty="0">
+                <a:solidFill>
+                  <a:srgbClr val="000000"/>
+                </a:solidFill>
+                <a:latin typeface="Menlo" charset="0"/>
+              </a:rPr>
+              <a:t> SyntaxError(</a:t>
+            </a:r>
+            <a:r>
+              <a:rPr lang="is-IS" sz="1000" dirty="0">
+                <a:solidFill>
+                  <a:srgbClr val="272AD8"/>
+                </a:solidFill>
+                <a:latin typeface="Menlo" charset="0"/>
+              </a:rPr>
+              <a:t>'unexpected symbol {} while parsing'</a:t>
+            </a:r>
+            <a:r>
+              <a:rPr lang="is-IS" sz="1000" dirty="0">
+                <a:solidFill>
+                  <a:srgbClr val="000000"/>
+                </a:solidFill>
+                <a:latin typeface="Menlo" charset="0"/>
+              </a:rPr>
+              <a:t>.format(sym))</a:t>
+            </a:r>
+            <a:endParaRPr lang="is-IS" sz="1000" dirty="0">
+              <a:solidFill>
+                <a:srgbClr val="272AD8"/>
+              </a:solidFill>
+              <a:effectLst/>
+              <a:latin typeface="Menlo" charset="0"/>
+            </a:endParaRPr>
           </a:p>
         </p:txBody>
       </p:sp>
@@ -14350,7 +14658,7 @@
         <p:spPr bwMode="auto">
           <a:xfrm>
             <a:off x="2438400" y="3389055"/>
-            <a:ext cx="5956416" cy="2554545"/>
+            <a:ext cx="5955476" cy="3170099"/>
           </a:xfrm>
           <a:prstGeom prst="rect">
             <a:avLst/>
@@ -14366,7 +14674,7 @@
           </a:ln>
           <a:extLst>
             <a:ext uri="{909E8E84-426E-40dd-AFC4-6F175D3DCCD1}">
-              <a14:hiddenFill xmlns="" xmlns:a14="http://schemas.microsoft.com/office/drawing/2010/main">
+              <a14:hiddenFill xmlns:a14="http://schemas.microsoft.com/office/drawing/2010/main" xmlns="">
                 <a:solidFill>
                   <a:schemeClr val="accent1"/>
                 </a:solidFill>
@@ -14381,406 +14689,731 @@
           <a:lstStyle/>
           <a:p>
             <a:r>
-              <a:rPr lang="en-US" sz="1000" dirty="0" err="1">
-                <a:latin typeface="Courier New"/>
-                <a:cs typeface="Courier New"/>
+              <a:rPr lang="is-IS" sz="1000" dirty="0">
+                <a:solidFill>
+                  <a:srgbClr val="BA2DA2"/>
+                </a:solidFill>
+                <a:latin typeface="Menlo" charset="0"/>
               </a:rPr>
               <a:t>def</a:t>
             </a:r>
             <a:r>
-              <a:rPr lang="en-US" sz="1000" dirty="0">
-                <a:latin typeface="Courier New"/>
-                <a:cs typeface="Courier New"/>
-              </a:rPr>
-              <a:t> </a:t>
-            </a:r>
-            <a:r>
-              <a:rPr lang="en-US" sz="1000" dirty="0" err="1">
-                <a:latin typeface="Courier New"/>
-                <a:cs typeface="Courier New"/>
-              </a:rPr>
-              <a:t>exp</a:t>
-            </a:r>
-            <a:r>
-              <a:rPr lang="en-US" sz="1000" dirty="0">
-                <a:latin typeface="Courier New"/>
-                <a:cs typeface="Courier New"/>
-              </a:rPr>
-              <a:t>():</a:t>
-            </a:r>
-          </a:p>
-          <a:p>
-            <a:r>
-              <a:rPr lang="en-US" sz="1000" dirty="0">
-                <a:latin typeface="Courier New"/>
-                <a:cs typeface="Courier New"/>
-              </a:rPr>
-              <a:t>    </a:t>
-            </a:r>
-            <a:r>
-              <a:rPr lang="en-US" sz="1000" dirty="0" err="1">
-                <a:latin typeface="Courier New"/>
-                <a:cs typeface="Courier New"/>
-              </a:rPr>
-              <a:t>sym</a:t>
-            </a:r>
-            <a:r>
-              <a:rPr lang="en-US" sz="1000" dirty="0">
-                <a:latin typeface="Courier New"/>
-                <a:cs typeface="Courier New"/>
-              </a:rPr>
-              <a:t> = </a:t>
-            </a:r>
-            <a:r>
-              <a:rPr lang="en-US" sz="1000" dirty="0" err="1">
-                <a:latin typeface="Courier New"/>
-                <a:cs typeface="Courier New"/>
-              </a:rPr>
-              <a:t>I.pointer</a:t>
-            </a:r>
-            <a:r>
-              <a:rPr lang="en-US" sz="1000" dirty="0">
-                <a:latin typeface="Courier New"/>
-                <a:cs typeface="Courier New"/>
-              </a:rPr>
-              <a:t>()</a:t>
-            </a:r>
-          </a:p>
-          <a:p>
-            <a:r>
-              <a:rPr lang="en-US" sz="1000" dirty="0">
-                <a:latin typeface="Courier New"/>
-                <a:cs typeface="Courier New"/>
-              </a:rPr>
-              <a:t>    if </a:t>
-            </a:r>
-            <a:r>
-              <a:rPr lang="en-US" sz="1000" dirty="0" err="1">
-                <a:latin typeface="Courier New"/>
-                <a:cs typeface="Courier New"/>
-              </a:rPr>
-              <a:t>sym</a:t>
-            </a:r>
-            <a:r>
-              <a:rPr lang="en-US" sz="1000" dirty="0">
-                <a:latin typeface="Courier New"/>
-                <a:cs typeface="Courier New"/>
-              </a:rPr>
-              <a:t> == '+':</a:t>
-            </a:r>
-          </a:p>
-          <a:p>
-            <a:r>
-              <a:rPr lang="en-US" sz="1000" dirty="0">
-                <a:latin typeface="Courier New"/>
-                <a:cs typeface="Courier New"/>
-              </a:rPr>
-              <a:t>        </a:t>
-            </a:r>
-            <a:r>
-              <a:rPr lang="en-US" sz="1000" dirty="0" err="1">
-                <a:latin typeface="Courier New"/>
-                <a:cs typeface="Courier New"/>
-              </a:rPr>
-              <a:t>I.next</a:t>
-            </a:r>
-            <a:r>
-              <a:rPr lang="en-US" sz="1000" dirty="0">
-                <a:latin typeface="Courier New"/>
-                <a:cs typeface="Courier New"/>
-              </a:rPr>
-              <a:t>()</a:t>
-            </a:r>
-          </a:p>
-          <a:p>
-            <a:r>
-              <a:rPr lang="en-US" sz="1000" dirty="0">
-                <a:latin typeface="Courier New"/>
-                <a:cs typeface="Courier New"/>
-              </a:rPr>
-              <a:t>        </a:t>
-            </a:r>
-            <a:r>
-              <a:rPr lang="en-US" sz="1000" dirty="0" err="1">
-                <a:latin typeface="Courier New"/>
-                <a:cs typeface="Courier New"/>
-              </a:rPr>
-              <a:t>exp</a:t>
-            </a:r>
-            <a:r>
-              <a:rPr lang="en-US" sz="1000" dirty="0">
-                <a:latin typeface="Courier New"/>
-                <a:cs typeface="Courier New"/>
-              </a:rPr>
-              <a:t>()</a:t>
-            </a:r>
-          </a:p>
-          <a:p>
-            <a:r>
-              <a:rPr lang="en-US" sz="1000" dirty="0">
-                <a:latin typeface="Courier New"/>
-                <a:cs typeface="Courier New"/>
-              </a:rPr>
-              <a:t>        </a:t>
-            </a:r>
-            <a:r>
-              <a:rPr lang="en-US" sz="1000" dirty="0" err="1">
-                <a:latin typeface="Courier New"/>
-                <a:cs typeface="Courier New"/>
-              </a:rPr>
-              <a:t>exp</a:t>
-            </a:r>
-            <a:r>
-              <a:rPr lang="en-US" sz="1000" dirty="0">
-                <a:latin typeface="Courier New"/>
-                <a:cs typeface="Courier New"/>
-              </a:rPr>
-              <a:t>()</a:t>
-            </a:r>
-          </a:p>
-          <a:p>
-            <a:r>
-              <a:rPr lang="pl-PL" sz="1000" dirty="0">
-                <a:latin typeface="Courier New"/>
-                <a:cs typeface="Courier New"/>
-              </a:rPr>
-              <a:t>    </a:t>
-            </a:r>
-            <a:r>
-              <a:rPr lang="pl-PL" sz="1000" dirty="0" err="1">
-                <a:latin typeface="Courier New"/>
-                <a:cs typeface="Courier New"/>
+              <a:rPr lang="is-IS" sz="1000" dirty="0">
+                <a:solidFill>
+                  <a:srgbClr val="000000"/>
+                </a:solidFill>
+                <a:latin typeface="Menlo" charset="0"/>
+              </a:rPr>
+              <a:t> exp():</a:t>
+            </a:r>
+          </a:p>
+          <a:p>
+            <a:r>
+              <a:rPr lang="is-IS" sz="1000" dirty="0">
+                <a:solidFill>
+                  <a:srgbClr val="000000"/>
+                </a:solidFill>
+                <a:latin typeface="Menlo" charset="0"/>
+              </a:rPr>
+              <a:t>    sym = I.pointer()</a:t>
+            </a:r>
+          </a:p>
+          <a:p>
+            <a:r>
+              <a:rPr lang="is-IS" sz="1000" dirty="0">
+                <a:solidFill>
+                  <a:srgbClr val="000000"/>
+                </a:solidFill>
+                <a:latin typeface="Menlo" charset="0"/>
+              </a:rPr>
+              <a:t>    </a:t>
+            </a:r>
+            <a:r>
+              <a:rPr lang="is-IS" sz="1000" dirty="0">
+                <a:solidFill>
+                  <a:srgbClr val="BA2DA2"/>
+                </a:solidFill>
+                <a:latin typeface="Menlo" charset="0"/>
+              </a:rPr>
+              <a:t>if</a:t>
+            </a:r>
+            <a:r>
+              <a:rPr lang="is-IS" sz="1000" dirty="0">
+                <a:solidFill>
+                  <a:srgbClr val="000000"/>
+                </a:solidFill>
+                <a:latin typeface="Menlo" charset="0"/>
+              </a:rPr>
+              <a:t> sym == </a:t>
+            </a:r>
+            <a:r>
+              <a:rPr lang="is-IS" sz="1000" dirty="0">
+                <a:solidFill>
+                  <a:srgbClr val="272AD8"/>
+                </a:solidFill>
+                <a:latin typeface="Menlo" charset="0"/>
+              </a:rPr>
+              <a:t>'+'</a:t>
+            </a:r>
+            <a:r>
+              <a:rPr lang="is-IS" sz="1000" dirty="0">
+                <a:solidFill>
+                  <a:srgbClr val="000000"/>
+                </a:solidFill>
+                <a:latin typeface="Menlo" charset="0"/>
+              </a:rPr>
+              <a:t>:</a:t>
+            </a:r>
+          </a:p>
+          <a:p>
+            <a:r>
+              <a:rPr lang="is-IS" sz="1000" dirty="0">
+                <a:solidFill>
+                  <a:srgbClr val="000000"/>
+                </a:solidFill>
+                <a:latin typeface="Menlo" charset="0"/>
+              </a:rPr>
+              <a:t>        I.next()</a:t>
+            </a:r>
+          </a:p>
+          <a:p>
+            <a:r>
+              <a:rPr lang="is-IS" sz="1000" dirty="0">
+                <a:solidFill>
+                  <a:srgbClr val="000000"/>
+                </a:solidFill>
+                <a:latin typeface="Menlo" charset="0"/>
+              </a:rPr>
+              <a:t>        exp()</a:t>
+            </a:r>
+          </a:p>
+          <a:p>
+            <a:r>
+              <a:rPr lang="is-IS" sz="1000" dirty="0">
+                <a:solidFill>
+                  <a:srgbClr val="000000"/>
+                </a:solidFill>
+                <a:latin typeface="Menlo" charset="0"/>
+              </a:rPr>
+              <a:t>        exp()</a:t>
+            </a:r>
+          </a:p>
+          <a:p>
+            <a:r>
+              <a:rPr lang="is-IS" sz="1000" dirty="0">
+                <a:solidFill>
+                  <a:srgbClr val="000000"/>
+                </a:solidFill>
+                <a:latin typeface="Menlo" charset="0"/>
+              </a:rPr>
+              <a:t>    </a:t>
+            </a:r>
+            <a:r>
+              <a:rPr lang="is-IS" sz="1000" dirty="0">
+                <a:solidFill>
+                  <a:srgbClr val="BA2DA2"/>
+                </a:solidFill>
+                <a:latin typeface="Menlo" charset="0"/>
               </a:rPr>
               <a:t>elif</a:t>
             </a:r>
             <a:r>
-              <a:rPr lang="pl-PL" sz="1000" dirty="0">
-                <a:latin typeface="Courier New"/>
-                <a:cs typeface="Courier New"/>
-              </a:rPr>
-              <a:t> </a:t>
-            </a:r>
-            <a:r>
-              <a:rPr lang="pl-PL" sz="1000" dirty="0" err="1">
-                <a:latin typeface="Courier New"/>
-                <a:cs typeface="Courier New"/>
-              </a:rPr>
-              <a:t>sym</a:t>
-            </a:r>
-            <a:r>
-              <a:rPr lang="pl-PL" sz="1000" dirty="0">
-                <a:latin typeface="Courier New"/>
-                <a:cs typeface="Courier New"/>
-              </a:rPr>
-              <a:t> == '-':</a:t>
-            </a:r>
-          </a:p>
-          <a:p>
-            <a:r>
-              <a:rPr lang="pl-PL" sz="1000" dirty="0">
-                <a:latin typeface="Courier New"/>
-                <a:cs typeface="Courier New"/>
-              </a:rPr>
-              <a:t>        </a:t>
-            </a:r>
-            <a:r>
-              <a:rPr lang="pl-PL" sz="1000" dirty="0" err="1">
-                <a:latin typeface="Courier New"/>
-                <a:cs typeface="Courier New"/>
-              </a:rPr>
-              <a:t>I.next</a:t>
-            </a:r>
-            <a:r>
-              <a:rPr lang="pl-PL" sz="1000" dirty="0">
-                <a:latin typeface="Courier New"/>
-                <a:cs typeface="Courier New"/>
-              </a:rPr>
-              <a:t>()</a:t>
-            </a:r>
-          </a:p>
-          <a:p>
-            <a:r>
-              <a:rPr lang="pl-PL" sz="1000" dirty="0">
-                <a:latin typeface="Courier New"/>
-                <a:cs typeface="Courier New"/>
-              </a:rPr>
-              <a:t>        </a:t>
-            </a:r>
-            <a:r>
-              <a:rPr lang="pl-PL" sz="1000" dirty="0" err="1">
-                <a:latin typeface="Courier New"/>
-                <a:cs typeface="Courier New"/>
-              </a:rPr>
-              <a:t>exp</a:t>
-            </a:r>
-            <a:r>
-              <a:rPr lang="pl-PL" sz="1000" dirty="0">
-                <a:latin typeface="Courier New"/>
-                <a:cs typeface="Courier New"/>
-              </a:rPr>
-              <a:t>()</a:t>
-            </a:r>
-          </a:p>
-          <a:p>
-            <a:r>
-              <a:rPr lang="pl-PL" sz="1000" dirty="0">
-                <a:latin typeface="Courier New"/>
-                <a:cs typeface="Courier New"/>
-              </a:rPr>
-              <a:t>        </a:t>
-            </a:r>
-            <a:r>
-              <a:rPr lang="pl-PL" sz="1000" dirty="0" err="1">
-                <a:latin typeface="Courier New"/>
-                <a:cs typeface="Courier New"/>
-              </a:rPr>
-              <a:t>exp</a:t>
-            </a:r>
-            <a:r>
-              <a:rPr lang="pl-PL" sz="1000" dirty="0">
-                <a:latin typeface="Courier New"/>
-                <a:cs typeface="Courier New"/>
-              </a:rPr>
-              <a:t>()</a:t>
-            </a:r>
-          </a:p>
-          <a:p>
-            <a:r>
-              <a:rPr lang="tr-TR" sz="1000" dirty="0">
-                <a:latin typeface="Courier New"/>
-                <a:cs typeface="Courier New"/>
-              </a:rPr>
-              <a:t>    elif </a:t>
-            </a:r>
-            <a:r>
-              <a:rPr lang="tr-TR" sz="1000" dirty="0" err="1">
-                <a:latin typeface="Courier New"/>
-                <a:cs typeface="Courier New"/>
-              </a:rPr>
-              <a:t>sym</a:t>
-            </a:r>
-            <a:r>
-              <a:rPr lang="tr-TR" sz="1000" dirty="0">
-                <a:latin typeface="Courier New"/>
-                <a:cs typeface="Courier New"/>
-              </a:rPr>
-              <a:t> in ['x', 'y', 'z']:</a:t>
-            </a:r>
-          </a:p>
-          <a:p>
-            <a:r>
-              <a:rPr lang="tr-TR" sz="1000" dirty="0">
-                <a:latin typeface="Courier New"/>
-                <a:cs typeface="Courier New"/>
-              </a:rPr>
-              <a:t>        var()</a:t>
-            </a:r>
-          </a:p>
-          <a:p>
-            <a:r>
-              <a:rPr lang="en-US" sz="1000" dirty="0">
-                <a:latin typeface="Courier New"/>
-                <a:cs typeface="Courier New"/>
-              </a:rPr>
-              <a:t>    </a:t>
-            </a:r>
-            <a:r>
-              <a:rPr lang="en-US" sz="1000" dirty="0" err="1">
-                <a:latin typeface="Courier New"/>
-                <a:cs typeface="Courier New"/>
+              <a:rPr lang="is-IS" sz="1000" dirty="0">
+                <a:solidFill>
+                  <a:srgbClr val="000000"/>
+                </a:solidFill>
+                <a:latin typeface="Menlo" charset="0"/>
+              </a:rPr>
+              <a:t> sym == </a:t>
+            </a:r>
+            <a:r>
+              <a:rPr lang="is-IS" sz="1000" dirty="0">
+                <a:solidFill>
+                  <a:srgbClr val="272AD8"/>
+                </a:solidFill>
+                <a:latin typeface="Menlo" charset="0"/>
+              </a:rPr>
+              <a:t>'-'</a:t>
+            </a:r>
+            <a:r>
+              <a:rPr lang="is-IS" sz="1000" dirty="0">
+                <a:solidFill>
+                  <a:srgbClr val="000000"/>
+                </a:solidFill>
+                <a:latin typeface="Menlo" charset="0"/>
+              </a:rPr>
+              <a:t>:</a:t>
+            </a:r>
+          </a:p>
+          <a:p>
+            <a:r>
+              <a:rPr lang="is-IS" sz="1000" dirty="0">
+                <a:solidFill>
+                  <a:srgbClr val="000000"/>
+                </a:solidFill>
+                <a:latin typeface="Menlo" charset="0"/>
+              </a:rPr>
+              <a:t>        I.next()</a:t>
+            </a:r>
+          </a:p>
+          <a:p>
+            <a:r>
+              <a:rPr lang="is-IS" sz="1000" dirty="0">
+                <a:solidFill>
+                  <a:srgbClr val="000000"/>
+                </a:solidFill>
+                <a:latin typeface="Menlo" charset="0"/>
+              </a:rPr>
+              <a:t>        exp()</a:t>
+            </a:r>
+          </a:p>
+          <a:p>
+            <a:r>
+              <a:rPr lang="is-IS" sz="1000" dirty="0">
+                <a:solidFill>
+                  <a:srgbClr val="000000"/>
+                </a:solidFill>
+                <a:latin typeface="Menlo" charset="0"/>
+              </a:rPr>
+              <a:t>        exp()</a:t>
+            </a:r>
+          </a:p>
+          <a:p>
+            <a:r>
+              <a:rPr lang="is-IS" sz="1000" dirty="0">
+                <a:solidFill>
+                  <a:srgbClr val="000000"/>
+                </a:solidFill>
+                <a:latin typeface="Menlo" charset="0"/>
+              </a:rPr>
+              <a:t>    </a:t>
+            </a:r>
+            <a:r>
+              <a:rPr lang="is-IS" sz="1000" dirty="0">
+                <a:solidFill>
+                  <a:srgbClr val="BA2DA2"/>
+                </a:solidFill>
+                <a:latin typeface="Menlo" charset="0"/>
               </a:rPr>
               <a:t>elif</a:t>
             </a:r>
             <a:r>
-              <a:rPr lang="en-US" sz="1000" dirty="0">
-                <a:latin typeface="Courier New"/>
-                <a:cs typeface="Courier New"/>
-              </a:rPr>
-              <a:t> </a:t>
-            </a:r>
-            <a:r>
-              <a:rPr lang="en-US" sz="1000" dirty="0" err="1">
-                <a:latin typeface="Courier New"/>
-                <a:cs typeface="Courier New"/>
-              </a:rPr>
-              <a:t>sym</a:t>
-            </a:r>
-            <a:r>
-              <a:rPr lang="en-US" sz="1000" dirty="0">
-                <a:latin typeface="Courier New"/>
-                <a:cs typeface="Courier New"/>
-              </a:rPr>
-              <a:t> in ['0', '1', '2', '3', '4', '5', '6','7', '8', '9']:</a:t>
-            </a:r>
-          </a:p>
-          <a:p>
-            <a:r>
-              <a:rPr lang="ro-RO" sz="1000" dirty="0">
-                <a:latin typeface="Courier New"/>
-                <a:cs typeface="Courier New"/>
-              </a:rPr>
-              <a:t>        num()</a:t>
-            </a:r>
-          </a:p>
-          <a:p>
-            <a:r>
-              <a:rPr lang="hu-HU" sz="1000" dirty="0">
-                <a:latin typeface="Courier New"/>
-                <a:cs typeface="Courier New"/>
-              </a:rPr>
-              <a:t>    else:</a:t>
-            </a:r>
-          </a:p>
-          <a:p>
-            <a:r>
-              <a:rPr lang="en-US" sz="1000" dirty="0">
-                <a:latin typeface="Courier New"/>
-                <a:cs typeface="Courier New"/>
-              </a:rPr>
-              <a:t>        raise </a:t>
-            </a:r>
-            <a:r>
-              <a:rPr lang="en-US" sz="1000" dirty="0" err="1">
-                <a:latin typeface="Courier New"/>
-                <a:cs typeface="Courier New"/>
-              </a:rPr>
-              <a:t>SyntaxError</a:t>
-            </a:r>
-            <a:r>
-              <a:rPr lang="en-US" sz="1000" dirty="0">
-                <a:latin typeface="Courier New"/>
-                <a:cs typeface="Courier New"/>
-              </a:rPr>
-              <a:t>('unexpected symbol {} while </a:t>
-            </a:r>
-            <a:r>
-              <a:rPr lang="en-US" sz="1000" dirty="0" err="1">
-                <a:latin typeface="Courier New"/>
-                <a:cs typeface="Courier New"/>
-              </a:rPr>
-              <a:t>parsing'.format</a:t>
-            </a:r>
-            <a:r>
-              <a:rPr lang="en-US" sz="1000" dirty="0">
-                <a:latin typeface="Courier New"/>
-                <a:cs typeface="Courier New"/>
-              </a:rPr>
-              <a:t>(</a:t>
-            </a:r>
-            <a:r>
-              <a:rPr lang="en-US" sz="1000" dirty="0" err="1">
-                <a:latin typeface="Courier New"/>
-                <a:cs typeface="Courier New"/>
-              </a:rPr>
-              <a:t>sym</a:t>
-            </a:r>
-            <a:r>
-              <a:rPr lang="en-US" sz="1000" dirty="0">
-                <a:latin typeface="Courier New"/>
-                <a:cs typeface="Courier New"/>
-              </a:rPr>
-              <a:t>))</a:t>
-            </a:r>
+              <a:rPr lang="is-IS" sz="1000" dirty="0">
+                <a:solidFill>
+                  <a:srgbClr val="000000"/>
+                </a:solidFill>
+                <a:latin typeface="Menlo" charset="0"/>
+              </a:rPr>
+              <a:t> sym == </a:t>
+            </a:r>
+            <a:r>
+              <a:rPr lang="is-IS" sz="1000" dirty="0">
+                <a:solidFill>
+                  <a:srgbClr val="272AD8"/>
+                </a:solidFill>
+                <a:latin typeface="Menlo" charset="0"/>
+              </a:rPr>
+              <a:t>'('</a:t>
+            </a:r>
+            <a:r>
+              <a:rPr lang="is-IS" sz="1000" dirty="0">
+                <a:solidFill>
+                  <a:srgbClr val="000000"/>
+                </a:solidFill>
+                <a:latin typeface="Menlo" charset="0"/>
+              </a:rPr>
+              <a:t>:</a:t>
+            </a:r>
+          </a:p>
+          <a:p>
+            <a:r>
+              <a:rPr lang="is-IS" sz="1000" dirty="0">
+                <a:solidFill>
+                  <a:srgbClr val="000000"/>
+                </a:solidFill>
+                <a:latin typeface="Menlo" charset="0"/>
+              </a:rPr>
+              <a:t>        I.next()</a:t>
+            </a:r>
+          </a:p>
+          <a:p>
+            <a:r>
+              <a:rPr lang="is-IS" sz="1000" dirty="0">
+                <a:solidFill>
+                  <a:srgbClr val="000000"/>
+                </a:solidFill>
+                <a:latin typeface="Menlo" charset="0"/>
+              </a:rPr>
+              <a:t>        exp()</a:t>
+            </a:r>
+          </a:p>
+          <a:p>
+            <a:r>
+              <a:rPr lang="is-IS" sz="1000" dirty="0">
+                <a:solidFill>
+                  <a:srgbClr val="000000"/>
+                </a:solidFill>
+                <a:latin typeface="Menlo" charset="0"/>
+              </a:rPr>
+              <a:t>        I.match(</a:t>
+            </a:r>
+            <a:r>
+              <a:rPr lang="is-IS" sz="1000" dirty="0">
+                <a:solidFill>
+                  <a:srgbClr val="272AD8"/>
+                </a:solidFill>
+                <a:latin typeface="Menlo" charset="0"/>
+              </a:rPr>
+              <a:t>')'</a:t>
+            </a:r>
+            <a:r>
+              <a:rPr lang="is-IS" sz="1000" dirty="0">
+                <a:solidFill>
+                  <a:srgbClr val="000000"/>
+                </a:solidFill>
+                <a:latin typeface="Menlo" charset="0"/>
+              </a:rPr>
+              <a:t>)</a:t>
+            </a:r>
+          </a:p>
+          <a:p>
+            <a:r>
+              <a:rPr lang="is-IS" sz="1000" dirty="0">
+                <a:solidFill>
+                  <a:srgbClr val="000000"/>
+                </a:solidFill>
+                <a:latin typeface="Menlo" charset="0"/>
+              </a:rPr>
+              <a:t>    </a:t>
+            </a:r>
+            <a:r>
+              <a:rPr lang="is-IS" sz="1000" dirty="0">
+                <a:solidFill>
+                  <a:srgbClr val="BA2DA2"/>
+                </a:solidFill>
+                <a:latin typeface="Menlo" charset="0"/>
+              </a:rPr>
+              <a:t>elif</a:t>
+            </a:r>
+            <a:r>
+              <a:rPr lang="is-IS" sz="1000" dirty="0">
+                <a:solidFill>
+                  <a:srgbClr val="000000"/>
+                </a:solidFill>
+                <a:latin typeface="Menlo" charset="0"/>
+              </a:rPr>
+              <a:t> sym </a:t>
+            </a:r>
+            <a:r>
+              <a:rPr lang="is-IS" sz="1000" dirty="0">
+                <a:solidFill>
+                  <a:srgbClr val="BA2DA2"/>
+                </a:solidFill>
+                <a:latin typeface="Menlo" charset="0"/>
+              </a:rPr>
+              <a:t>in</a:t>
+            </a:r>
+            <a:r>
+              <a:rPr lang="is-IS" sz="1000" dirty="0">
+                <a:solidFill>
+                  <a:srgbClr val="000000"/>
+                </a:solidFill>
+                <a:latin typeface="Menlo" charset="0"/>
+              </a:rPr>
+              <a:t> [</a:t>
+            </a:r>
+            <a:r>
+              <a:rPr lang="is-IS" sz="1000" dirty="0">
+                <a:solidFill>
+                  <a:srgbClr val="272AD8"/>
+                </a:solidFill>
+                <a:latin typeface="Menlo" charset="0"/>
+              </a:rPr>
+              <a:t>'x'</a:t>
+            </a:r>
+            <a:r>
+              <a:rPr lang="is-IS" sz="1000" dirty="0">
+                <a:solidFill>
+                  <a:srgbClr val="000000"/>
+                </a:solidFill>
+                <a:latin typeface="Menlo" charset="0"/>
+              </a:rPr>
+              <a:t>, </a:t>
+            </a:r>
+            <a:r>
+              <a:rPr lang="is-IS" sz="1000" dirty="0">
+                <a:solidFill>
+                  <a:srgbClr val="272AD8"/>
+                </a:solidFill>
+                <a:latin typeface="Menlo" charset="0"/>
+              </a:rPr>
+              <a:t>'y'</a:t>
+            </a:r>
+            <a:r>
+              <a:rPr lang="is-IS" sz="1000" dirty="0">
+                <a:solidFill>
+                  <a:srgbClr val="000000"/>
+                </a:solidFill>
+                <a:latin typeface="Menlo" charset="0"/>
+              </a:rPr>
+              <a:t>, </a:t>
+            </a:r>
+            <a:r>
+              <a:rPr lang="is-IS" sz="1000" dirty="0">
+                <a:solidFill>
+                  <a:srgbClr val="272AD8"/>
+                </a:solidFill>
+                <a:latin typeface="Menlo" charset="0"/>
+              </a:rPr>
+              <a:t>'z'</a:t>
+            </a:r>
+            <a:r>
+              <a:rPr lang="is-IS" sz="1000" dirty="0">
+                <a:solidFill>
+                  <a:srgbClr val="000000"/>
+                </a:solidFill>
+                <a:latin typeface="Menlo" charset="0"/>
+              </a:rPr>
+              <a:t>]:</a:t>
+            </a:r>
+          </a:p>
+          <a:p>
+            <a:r>
+              <a:rPr lang="is-IS" sz="1000" dirty="0">
+                <a:solidFill>
+                  <a:srgbClr val="000000"/>
+                </a:solidFill>
+                <a:latin typeface="Menlo" charset="0"/>
+              </a:rPr>
+              <a:t>        var()</a:t>
+            </a:r>
+          </a:p>
+          <a:p>
+            <a:r>
+              <a:rPr lang="is-IS" sz="1000" dirty="0">
+                <a:solidFill>
+                  <a:srgbClr val="000000"/>
+                </a:solidFill>
+                <a:latin typeface="Menlo" charset="0"/>
+              </a:rPr>
+              <a:t>    </a:t>
+            </a:r>
+            <a:r>
+              <a:rPr lang="is-IS" sz="1000" dirty="0">
+                <a:solidFill>
+                  <a:srgbClr val="BA2DA2"/>
+                </a:solidFill>
+                <a:latin typeface="Menlo" charset="0"/>
+              </a:rPr>
+              <a:t>elif</a:t>
+            </a:r>
+            <a:r>
+              <a:rPr lang="is-IS" sz="1000" dirty="0">
+                <a:solidFill>
+                  <a:srgbClr val="000000"/>
+                </a:solidFill>
+                <a:latin typeface="Menlo" charset="0"/>
+              </a:rPr>
+              <a:t> sym </a:t>
+            </a:r>
+            <a:r>
+              <a:rPr lang="is-IS" sz="1000" dirty="0">
+                <a:solidFill>
+                  <a:srgbClr val="BA2DA2"/>
+                </a:solidFill>
+                <a:latin typeface="Menlo" charset="0"/>
+              </a:rPr>
+              <a:t>in</a:t>
+            </a:r>
+            <a:r>
+              <a:rPr lang="is-IS" sz="1000" dirty="0">
+                <a:solidFill>
+                  <a:srgbClr val="000000"/>
+                </a:solidFill>
+                <a:latin typeface="Menlo" charset="0"/>
+              </a:rPr>
+              <a:t> [</a:t>
+            </a:r>
+            <a:r>
+              <a:rPr lang="is-IS" sz="1000" dirty="0">
+                <a:solidFill>
+                  <a:srgbClr val="272AD8"/>
+                </a:solidFill>
+                <a:latin typeface="Menlo" charset="0"/>
+              </a:rPr>
+              <a:t>'0'</a:t>
+            </a:r>
+            <a:r>
+              <a:rPr lang="is-IS" sz="1000" dirty="0">
+                <a:solidFill>
+                  <a:srgbClr val="000000"/>
+                </a:solidFill>
+                <a:latin typeface="Menlo" charset="0"/>
+              </a:rPr>
+              <a:t>, </a:t>
+            </a:r>
+            <a:r>
+              <a:rPr lang="is-IS" sz="1000" dirty="0">
+                <a:solidFill>
+                  <a:srgbClr val="272AD8"/>
+                </a:solidFill>
+                <a:latin typeface="Menlo" charset="0"/>
+              </a:rPr>
+              <a:t>'1'</a:t>
+            </a:r>
+            <a:r>
+              <a:rPr lang="is-IS" sz="1000" dirty="0">
+                <a:solidFill>
+                  <a:srgbClr val="000000"/>
+                </a:solidFill>
+                <a:latin typeface="Menlo" charset="0"/>
+              </a:rPr>
+              <a:t>, </a:t>
+            </a:r>
+            <a:r>
+              <a:rPr lang="is-IS" sz="1000" dirty="0">
+                <a:solidFill>
+                  <a:srgbClr val="272AD8"/>
+                </a:solidFill>
+                <a:latin typeface="Menlo" charset="0"/>
+              </a:rPr>
+              <a:t>'2'</a:t>
+            </a:r>
+            <a:r>
+              <a:rPr lang="is-IS" sz="1000" dirty="0">
+                <a:solidFill>
+                  <a:srgbClr val="000000"/>
+                </a:solidFill>
+                <a:latin typeface="Menlo" charset="0"/>
+              </a:rPr>
+              <a:t>, </a:t>
+            </a:r>
+            <a:r>
+              <a:rPr lang="is-IS" sz="1000" dirty="0">
+                <a:solidFill>
+                  <a:srgbClr val="272AD8"/>
+                </a:solidFill>
+                <a:latin typeface="Menlo" charset="0"/>
+              </a:rPr>
+              <a:t>'3'</a:t>
+            </a:r>
+            <a:r>
+              <a:rPr lang="is-IS" sz="1000" dirty="0">
+                <a:solidFill>
+                  <a:srgbClr val="000000"/>
+                </a:solidFill>
+                <a:latin typeface="Menlo" charset="0"/>
+              </a:rPr>
+              <a:t>, </a:t>
+            </a:r>
+            <a:r>
+              <a:rPr lang="is-IS" sz="1000" dirty="0">
+                <a:solidFill>
+                  <a:srgbClr val="272AD8"/>
+                </a:solidFill>
+                <a:latin typeface="Menlo" charset="0"/>
+              </a:rPr>
+              <a:t>'4'</a:t>
+            </a:r>
+            <a:r>
+              <a:rPr lang="is-IS" sz="1000" dirty="0">
+                <a:solidFill>
+                  <a:srgbClr val="000000"/>
+                </a:solidFill>
+                <a:latin typeface="Menlo" charset="0"/>
+              </a:rPr>
+              <a:t>, </a:t>
+            </a:r>
+            <a:r>
+              <a:rPr lang="is-IS" sz="1000" dirty="0">
+                <a:solidFill>
+                  <a:srgbClr val="272AD8"/>
+                </a:solidFill>
+                <a:latin typeface="Menlo" charset="0"/>
+              </a:rPr>
+              <a:t>'5'</a:t>
+            </a:r>
+            <a:r>
+              <a:rPr lang="is-IS" sz="1000" dirty="0">
+                <a:solidFill>
+                  <a:srgbClr val="000000"/>
+                </a:solidFill>
+                <a:latin typeface="Menlo" charset="0"/>
+              </a:rPr>
+              <a:t>, </a:t>
+            </a:r>
+            <a:r>
+              <a:rPr lang="is-IS" sz="1000" dirty="0">
+                <a:solidFill>
+                  <a:srgbClr val="272AD8"/>
+                </a:solidFill>
+                <a:latin typeface="Menlo" charset="0"/>
+              </a:rPr>
+              <a:t>'6'</a:t>
+            </a:r>
+            <a:r>
+              <a:rPr lang="is-IS" sz="1000" dirty="0">
+                <a:solidFill>
+                  <a:srgbClr val="000000"/>
+                </a:solidFill>
+                <a:latin typeface="Menlo" charset="0"/>
+              </a:rPr>
+              <a:t>,</a:t>
+            </a:r>
+            <a:r>
+              <a:rPr lang="is-IS" sz="1000" dirty="0">
+                <a:solidFill>
+                  <a:srgbClr val="272AD8"/>
+                </a:solidFill>
+                <a:latin typeface="Menlo" charset="0"/>
+              </a:rPr>
+              <a:t>'7'</a:t>
+            </a:r>
+            <a:r>
+              <a:rPr lang="is-IS" sz="1000" dirty="0">
+                <a:solidFill>
+                  <a:srgbClr val="000000"/>
+                </a:solidFill>
+                <a:latin typeface="Menlo" charset="0"/>
+              </a:rPr>
+              <a:t>, </a:t>
+            </a:r>
+            <a:r>
+              <a:rPr lang="is-IS" sz="1000" dirty="0">
+                <a:solidFill>
+                  <a:srgbClr val="272AD8"/>
+                </a:solidFill>
+                <a:latin typeface="Menlo" charset="0"/>
+              </a:rPr>
+              <a:t>'8'</a:t>
+            </a:r>
+            <a:r>
+              <a:rPr lang="is-IS" sz="1000" dirty="0">
+                <a:solidFill>
+                  <a:srgbClr val="000000"/>
+                </a:solidFill>
+                <a:latin typeface="Menlo" charset="0"/>
+              </a:rPr>
+              <a:t>, </a:t>
+            </a:r>
+            <a:r>
+              <a:rPr lang="is-IS" sz="1000" dirty="0">
+                <a:solidFill>
+                  <a:srgbClr val="272AD8"/>
+                </a:solidFill>
+                <a:latin typeface="Menlo" charset="0"/>
+              </a:rPr>
+              <a:t>'9'</a:t>
+            </a:r>
+            <a:r>
+              <a:rPr lang="is-IS" sz="1000" dirty="0">
+                <a:solidFill>
+                  <a:srgbClr val="000000"/>
+                </a:solidFill>
+                <a:latin typeface="Menlo" charset="0"/>
+              </a:rPr>
+              <a:t>]:</a:t>
+            </a:r>
+            <a:endParaRPr lang="is-IS" sz="1000" dirty="0">
+              <a:solidFill>
+                <a:srgbClr val="272AD8"/>
+              </a:solidFill>
+              <a:latin typeface="Menlo" charset="0"/>
+            </a:endParaRPr>
+          </a:p>
+          <a:p>
+            <a:r>
+              <a:rPr lang="is-IS" sz="1000" dirty="0">
+                <a:solidFill>
+                  <a:srgbClr val="000000"/>
+                </a:solidFill>
+                <a:latin typeface="Menlo" charset="0"/>
+              </a:rPr>
+              <a:t>        num()</a:t>
+            </a:r>
+          </a:p>
+          <a:p>
+            <a:r>
+              <a:rPr lang="is-IS" sz="1000" dirty="0">
+                <a:solidFill>
+                  <a:srgbClr val="000000"/>
+                </a:solidFill>
+                <a:latin typeface="Menlo" charset="0"/>
+              </a:rPr>
+              <a:t>    </a:t>
+            </a:r>
+            <a:r>
+              <a:rPr lang="is-IS" sz="1000" dirty="0">
+                <a:solidFill>
+                  <a:srgbClr val="BA2DA2"/>
+                </a:solidFill>
+                <a:latin typeface="Menlo" charset="0"/>
+              </a:rPr>
+              <a:t>else</a:t>
+            </a:r>
+            <a:r>
+              <a:rPr lang="is-IS" sz="1000" dirty="0">
+                <a:solidFill>
+                  <a:srgbClr val="000000"/>
+                </a:solidFill>
+                <a:latin typeface="Menlo" charset="0"/>
+              </a:rPr>
+              <a:t>:</a:t>
+            </a:r>
+          </a:p>
+          <a:p>
+            <a:r>
+              <a:rPr lang="is-IS" sz="1000" dirty="0">
+                <a:solidFill>
+                  <a:srgbClr val="000000"/>
+                </a:solidFill>
+                <a:latin typeface="Menlo" charset="0"/>
+              </a:rPr>
+              <a:t>        </a:t>
+            </a:r>
+            <a:r>
+              <a:rPr lang="is-IS" sz="1000" dirty="0">
+                <a:solidFill>
+                  <a:srgbClr val="BA2DA2"/>
+                </a:solidFill>
+                <a:latin typeface="Menlo" charset="0"/>
+              </a:rPr>
+              <a:t>raise</a:t>
+            </a:r>
+            <a:r>
+              <a:rPr lang="is-IS" sz="1000" dirty="0">
+                <a:solidFill>
+                  <a:srgbClr val="000000"/>
+                </a:solidFill>
+                <a:latin typeface="Menlo" charset="0"/>
+              </a:rPr>
+              <a:t> SyntaxError(</a:t>
+            </a:r>
+            <a:r>
+              <a:rPr lang="is-IS" sz="1000" dirty="0">
+                <a:solidFill>
+                  <a:srgbClr val="272AD8"/>
+                </a:solidFill>
+                <a:latin typeface="Menlo" charset="0"/>
+              </a:rPr>
+              <a:t>'unexpected symbol {} while parsing'</a:t>
+            </a:r>
+            <a:r>
+              <a:rPr lang="is-IS" sz="1000" dirty="0">
+                <a:solidFill>
+                  <a:srgbClr val="000000"/>
+                </a:solidFill>
+                <a:latin typeface="Menlo" charset="0"/>
+              </a:rPr>
+              <a:t>.format(sym))</a:t>
+            </a:r>
+            <a:endParaRPr lang="is-IS" sz="1000" dirty="0">
+              <a:solidFill>
+                <a:srgbClr val="272AD8"/>
+              </a:solidFill>
+              <a:effectLst/>
+              <a:latin typeface="Menlo" charset="0"/>
+            </a:endParaRPr>
           </a:p>
         </p:txBody>
       </p:sp>
@@ -14833,14 +15466,14 @@
           </a:ln>
           <a:extLst>
             <a:ext uri="{909E8E84-426E-40dd-AFC4-6F175D3DCCD1}">
-              <a14:hiddenFill xmlns="" xmlns:a14="http://schemas.microsoft.com/office/drawing/2010/main">
+              <a14:hiddenFill xmlns:a14="http://schemas.microsoft.com/office/drawing/2010/main" xmlns="">
                 <a:solidFill>
                   <a:schemeClr val="accent1"/>
                 </a:solidFill>
               </a14:hiddenFill>
             </a:ext>
             <a:ext uri="{91240B29-F687-4f45-9708-019B960494DF}">
-              <a14:hiddenLine xmlns="" xmlns:a14="http://schemas.microsoft.com/office/drawing/2010/main" w="9525">
+              <a14:hiddenLine xmlns:a14="http://schemas.microsoft.com/office/drawing/2010/main" xmlns="" w="9525">
                 <a:solidFill>
                   <a:schemeClr val="tx1"/>
                 </a:solidFill>
@@ -15207,7 +15840,7 @@
         <p:spPr bwMode="auto">
           <a:xfrm>
             <a:off x="2819400" y="3276600"/>
-            <a:ext cx="5956416" cy="1631216"/>
+            <a:ext cx="5955476" cy="1631216"/>
           </a:xfrm>
           <a:prstGeom prst="rect">
             <a:avLst/>
@@ -15223,7 +15856,7 @@
           </a:ln>
           <a:extLst>
             <a:ext uri="{909E8E84-426E-40dd-AFC4-6F175D3DCCD1}">
-              <a14:hiddenFill xmlns="" xmlns:a14="http://schemas.microsoft.com/office/drawing/2010/main">
+              <a14:hiddenFill xmlns:a14="http://schemas.microsoft.com/office/drawing/2010/main" xmlns="">
                 <a:solidFill>
                   <a:schemeClr val="accent1"/>
                 </a:solidFill>
@@ -15238,282 +15871,291 @@
           <a:lstStyle/>
           <a:p>
             <a:r>
-              <a:rPr lang="en-US" sz="1000" dirty="0" err="1">
-                <a:latin typeface="Courier New"/>
-                <a:cs typeface="Courier New"/>
+              <a:rPr lang="is-IS" sz="1000" dirty="0">
+                <a:solidFill>
+                  <a:srgbClr val="BA2DA2"/>
+                </a:solidFill>
+                <a:latin typeface="Menlo" charset="0"/>
               </a:rPr>
               <a:t>def</a:t>
             </a:r>
             <a:r>
-              <a:rPr lang="en-US" sz="1000" dirty="0">
-                <a:latin typeface="Courier New"/>
-                <a:cs typeface="Courier New"/>
-              </a:rPr>
-              <a:t> </a:t>
-            </a:r>
-            <a:r>
-              <a:rPr lang="en-US" sz="1000" dirty="0" err="1">
-                <a:latin typeface="Courier New"/>
-                <a:cs typeface="Courier New"/>
-              </a:rPr>
-              <a:t>var</a:t>
-            </a:r>
-            <a:r>
-              <a:rPr lang="en-US" sz="1000" dirty="0">
-                <a:latin typeface="Courier New"/>
-                <a:cs typeface="Courier New"/>
-              </a:rPr>
-              <a:t>():</a:t>
-            </a:r>
-          </a:p>
-          <a:p>
-            <a:r>
-              <a:rPr lang="en-US" sz="1000" dirty="0">
-                <a:latin typeface="Courier New"/>
-                <a:cs typeface="Courier New"/>
-              </a:rPr>
-              <a:t>    </a:t>
-            </a:r>
-            <a:r>
-              <a:rPr lang="en-US" sz="1000" dirty="0" err="1">
-                <a:latin typeface="Courier New"/>
-                <a:cs typeface="Courier New"/>
-              </a:rPr>
-              <a:t>sym</a:t>
-            </a:r>
-            <a:r>
-              <a:rPr lang="en-US" sz="1000" dirty="0">
-                <a:latin typeface="Courier New"/>
-                <a:cs typeface="Courier New"/>
-              </a:rPr>
-              <a:t> = </a:t>
-            </a:r>
-            <a:r>
-              <a:rPr lang="en-US" sz="1000" dirty="0" err="1">
-                <a:latin typeface="Courier New"/>
-                <a:cs typeface="Courier New"/>
-              </a:rPr>
-              <a:t>I.pointer</a:t>
-            </a:r>
-            <a:r>
-              <a:rPr lang="en-US" sz="1000" dirty="0">
-                <a:latin typeface="Courier New"/>
-                <a:cs typeface="Courier New"/>
-              </a:rPr>
-              <a:t>()</a:t>
-            </a:r>
-          </a:p>
-          <a:p>
-            <a:r>
-              <a:rPr lang="en-US" sz="1000" dirty="0">
-                <a:latin typeface="Courier New"/>
-                <a:cs typeface="Courier New"/>
-              </a:rPr>
-              <a:t>    if </a:t>
-            </a:r>
-            <a:r>
-              <a:rPr lang="en-US" sz="1000" dirty="0" err="1">
-                <a:latin typeface="Courier New"/>
-                <a:cs typeface="Courier New"/>
-              </a:rPr>
-              <a:t>sym</a:t>
-            </a:r>
-            <a:r>
-              <a:rPr lang="en-US" sz="1000" dirty="0">
-                <a:latin typeface="Courier New"/>
-                <a:cs typeface="Courier New"/>
-              </a:rPr>
-              <a:t> == 'x':</a:t>
-            </a:r>
-          </a:p>
-          <a:p>
-            <a:r>
-              <a:rPr lang="en-US" sz="1000" dirty="0">
-                <a:latin typeface="Courier New"/>
-                <a:cs typeface="Courier New"/>
-              </a:rPr>
-              <a:t>        </a:t>
-            </a:r>
-            <a:r>
-              <a:rPr lang="en-US" sz="1000" dirty="0" err="1">
-                <a:latin typeface="Courier New"/>
-                <a:cs typeface="Courier New"/>
-              </a:rPr>
-              <a:t>I.next</a:t>
-            </a:r>
-            <a:r>
-              <a:rPr lang="en-US" sz="1000" dirty="0">
-                <a:latin typeface="Courier New"/>
-                <a:cs typeface="Courier New"/>
-              </a:rPr>
-              <a:t>()</a:t>
-            </a:r>
-          </a:p>
-          <a:p>
-            <a:r>
-              <a:rPr lang="tr-TR" sz="1000" dirty="0">
-                <a:latin typeface="Courier New"/>
-                <a:cs typeface="Courier New"/>
-              </a:rPr>
-              <a:t>    elif </a:t>
-            </a:r>
-            <a:r>
-              <a:rPr lang="tr-TR" sz="1000" dirty="0" err="1">
-                <a:latin typeface="Courier New"/>
-                <a:cs typeface="Courier New"/>
-              </a:rPr>
-              <a:t>sym</a:t>
-            </a:r>
-            <a:r>
-              <a:rPr lang="tr-TR" sz="1000" dirty="0">
-                <a:latin typeface="Courier New"/>
-                <a:cs typeface="Courier New"/>
-              </a:rPr>
-              <a:t> == 'y':</a:t>
-            </a:r>
-          </a:p>
-          <a:p>
-            <a:r>
-              <a:rPr lang="tr-TR" sz="1000" dirty="0">
-                <a:latin typeface="Courier New"/>
-                <a:cs typeface="Courier New"/>
-              </a:rPr>
-              <a:t>        </a:t>
-            </a:r>
-            <a:r>
-              <a:rPr lang="tr-TR" sz="1000" dirty="0" err="1">
-                <a:latin typeface="Courier New"/>
-                <a:cs typeface="Courier New"/>
-              </a:rPr>
-              <a:t>I.next</a:t>
-            </a:r>
-            <a:r>
-              <a:rPr lang="tr-TR" sz="1000" dirty="0">
-                <a:latin typeface="Courier New"/>
-                <a:cs typeface="Courier New"/>
-              </a:rPr>
-              <a:t>()</a:t>
-            </a:r>
-          </a:p>
-          <a:p>
-            <a:r>
-              <a:rPr lang="pl-PL" sz="1000" dirty="0">
-                <a:latin typeface="Courier New"/>
-                <a:cs typeface="Courier New"/>
-              </a:rPr>
-              <a:t>    </a:t>
-            </a:r>
-            <a:r>
-              <a:rPr lang="pl-PL" sz="1000" dirty="0" err="1">
-                <a:latin typeface="Courier New"/>
-                <a:cs typeface="Courier New"/>
+              <a:rPr lang="is-IS" sz="1000" dirty="0">
+                <a:solidFill>
+                  <a:srgbClr val="000000"/>
+                </a:solidFill>
+                <a:latin typeface="Menlo" charset="0"/>
+              </a:rPr>
+              <a:t> var():</a:t>
+            </a:r>
+          </a:p>
+          <a:p>
+            <a:r>
+              <a:rPr lang="is-IS" sz="1000" dirty="0">
+                <a:solidFill>
+                  <a:srgbClr val="000000"/>
+                </a:solidFill>
+                <a:latin typeface="Menlo" charset="0"/>
+              </a:rPr>
+              <a:t>    sym = I.pointer()</a:t>
+            </a:r>
+          </a:p>
+          <a:p>
+            <a:r>
+              <a:rPr lang="is-IS" sz="1000" dirty="0">
+                <a:solidFill>
+                  <a:srgbClr val="000000"/>
+                </a:solidFill>
+                <a:latin typeface="Menlo" charset="0"/>
+              </a:rPr>
+              <a:t>    </a:t>
+            </a:r>
+            <a:r>
+              <a:rPr lang="is-IS" sz="1000" dirty="0">
+                <a:solidFill>
+                  <a:srgbClr val="BA2DA2"/>
+                </a:solidFill>
+                <a:latin typeface="Menlo" charset="0"/>
+              </a:rPr>
+              <a:t>if</a:t>
+            </a:r>
+            <a:r>
+              <a:rPr lang="is-IS" sz="1000" dirty="0">
+                <a:solidFill>
+                  <a:srgbClr val="000000"/>
+                </a:solidFill>
+                <a:latin typeface="Menlo" charset="0"/>
+              </a:rPr>
+              <a:t> sym == </a:t>
+            </a:r>
+            <a:r>
+              <a:rPr lang="is-IS" sz="1000" dirty="0">
+                <a:solidFill>
+                  <a:srgbClr val="272AD8"/>
+                </a:solidFill>
+                <a:latin typeface="Menlo" charset="0"/>
+              </a:rPr>
+              <a:t>'x'</a:t>
+            </a:r>
+            <a:r>
+              <a:rPr lang="is-IS" sz="1000" dirty="0">
+                <a:solidFill>
+                  <a:srgbClr val="000000"/>
+                </a:solidFill>
+                <a:latin typeface="Menlo" charset="0"/>
+              </a:rPr>
+              <a:t>:</a:t>
+            </a:r>
+          </a:p>
+          <a:p>
+            <a:r>
+              <a:rPr lang="is-IS" sz="1000" dirty="0">
+                <a:solidFill>
+                  <a:srgbClr val="000000"/>
+                </a:solidFill>
+                <a:latin typeface="Menlo" charset="0"/>
+              </a:rPr>
+              <a:t>        I.next()</a:t>
+            </a:r>
+          </a:p>
+          <a:p>
+            <a:r>
+              <a:rPr lang="is-IS" sz="1000" dirty="0">
+                <a:solidFill>
+                  <a:srgbClr val="000000"/>
+                </a:solidFill>
+                <a:latin typeface="Menlo" charset="0"/>
+              </a:rPr>
+              <a:t>    </a:t>
+            </a:r>
+            <a:r>
+              <a:rPr lang="is-IS" sz="1000" dirty="0">
+                <a:solidFill>
+                  <a:srgbClr val="BA2DA2"/>
+                </a:solidFill>
+                <a:latin typeface="Menlo" charset="0"/>
               </a:rPr>
               <a:t>elif</a:t>
             </a:r>
             <a:r>
-              <a:rPr lang="pl-PL" sz="1000" dirty="0">
-                <a:latin typeface="Courier New"/>
-                <a:cs typeface="Courier New"/>
-              </a:rPr>
-              <a:t> </a:t>
-            </a:r>
-            <a:r>
-              <a:rPr lang="pl-PL" sz="1000" dirty="0" err="1">
-                <a:latin typeface="Courier New"/>
-                <a:cs typeface="Courier New"/>
-              </a:rPr>
-              <a:t>sym</a:t>
-            </a:r>
-            <a:r>
-              <a:rPr lang="pl-PL" sz="1000" dirty="0">
-                <a:latin typeface="Courier New"/>
-                <a:cs typeface="Courier New"/>
-              </a:rPr>
-              <a:t> == 'z':</a:t>
-            </a:r>
-          </a:p>
-          <a:p>
-            <a:r>
-              <a:rPr lang="pl-PL" sz="1000" dirty="0">
-                <a:latin typeface="Courier New"/>
-                <a:cs typeface="Courier New"/>
-              </a:rPr>
-              <a:t>        </a:t>
-            </a:r>
-            <a:r>
-              <a:rPr lang="pl-PL" sz="1000" dirty="0" err="1">
-                <a:latin typeface="Courier New"/>
-                <a:cs typeface="Courier New"/>
-              </a:rPr>
-              <a:t>I.next</a:t>
-            </a:r>
-            <a:r>
-              <a:rPr lang="pl-PL" sz="1000" dirty="0">
-                <a:latin typeface="Courier New"/>
-                <a:cs typeface="Courier New"/>
-              </a:rPr>
-              <a:t>()</a:t>
-            </a:r>
-          </a:p>
-          <a:p>
-            <a:r>
-              <a:rPr lang="hu-HU" sz="1000" dirty="0">
-                <a:latin typeface="Courier New"/>
-                <a:cs typeface="Courier New"/>
-              </a:rPr>
-              <a:t>    else:</a:t>
-            </a:r>
-          </a:p>
-          <a:p>
-            <a:r>
-              <a:rPr lang="en-US" sz="1000" dirty="0">
-                <a:latin typeface="Courier New"/>
-                <a:cs typeface="Courier New"/>
-              </a:rPr>
-              <a:t>        raise </a:t>
-            </a:r>
-            <a:r>
-              <a:rPr lang="en-US" sz="1000" dirty="0" err="1">
-                <a:latin typeface="Courier New"/>
-                <a:cs typeface="Courier New"/>
-              </a:rPr>
-              <a:t>SyntaxError</a:t>
-            </a:r>
-            <a:r>
-              <a:rPr lang="en-US" sz="1000" dirty="0">
-                <a:latin typeface="Courier New"/>
-                <a:cs typeface="Courier New"/>
-              </a:rPr>
-              <a:t>('unexpected symbol {} while </a:t>
-            </a:r>
-            <a:r>
-              <a:rPr lang="en-US" sz="1000" dirty="0" err="1">
-                <a:latin typeface="Courier New"/>
-                <a:cs typeface="Courier New"/>
-              </a:rPr>
-              <a:t>parsing'.format</a:t>
-            </a:r>
-            <a:r>
-              <a:rPr lang="en-US" sz="1000" dirty="0">
-                <a:latin typeface="Courier New"/>
-                <a:cs typeface="Courier New"/>
-              </a:rPr>
-              <a:t>(</a:t>
-            </a:r>
-            <a:r>
-              <a:rPr lang="en-US" sz="1000" dirty="0" err="1">
-                <a:latin typeface="Courier New"/>
-                <a:cs typeface="Courier New"/>
-              </a:rPr>
-              <a:t>sym</a:t>
-            </a:r>
-            <a:r>
-              <a:rPr lang="en-US" sz="1000" dirty="0">
-                <a:latin typeface="Courier New"/>
-                <a:cs typeface="Courier New"/>
-              </a:rPr>
-              <a:t>))</a:t>
-            </a:r>
+              <a:rPr lang="is-IS" sz="1000" dirty="0">
+                <a:solidFill>
+                  <a:srgbClr val="000000"/>
+                </a:solidFill>
+                <a:latin typeface="Menlo" charset="0"/>
+              </a:rPr>
+              <a:t> sym == </a:t>
+            </a:r>
+            <a:r>
+              <a:rPr lang="is-IS" sz="1000" dirty="0">
+                <a:solidFill>
+                  <a:srgbClr val="272AD8"/>
+                </a:solidFill>
+                <a:latin typeface="Menlo" charset="0"/>
+              </a:rPr>
+              <a:t>'y'</a:t>
+            </a:r>
+            <a:r>
+              <a:rPr lang="is-IS" sz="1000" dirty="0">
+                <a:solidFill>
+                  <a:srgbClr val="000000"/>
+                </a:solidFill>
+                <a:latin typeface="Menlo" charset="0"/>
+              </a:rPr>
+              <a:t>:</a:t>
+            </a:r>
+          </a:p>
+          <a:p>
+            <a:r>
+              <a:rPr lang="is-IS" sz="1000" dirty="0">
+                <a:solidFill>
+                  <a:srgbClr val="000000"/>
+                </a:solidFill>
+                <a:latin typeface="Menlo" charset="0"/>
+              </a:rPr>
+              <a:t>        I.next()</a:t>
+            </a:r>
+          </a:p>
+          <a:p>
+            <a:r>
+              <a:rPr lang="is-IS" sz="1000" dirty="0">
+                <a:solidFill>
+                  <a:srgbClr val="000000"/>
+                </a:solidFill>
+                <a:latin typeface="Menlo" charset="0"/>
+              </a:rPr>
+              <a:t>    </a:t>
+            </a:r>
+            <a:r>
+              <a:rPr lang="is-IS" sz="1000" dirty="0">
+                <a:solidFill>
+                  <a:srgbClr val="BA2DA2"/>
+                </a:solidFill>
+                <a:latin typeface="Menlo" charset="0"/>
+              </a:rPr>
+              <a:t>elif</a:t>
+            </a:r>
+            <a:r>
+              <a:rPr lang="is-IS" sz="1000" dirty="0">
+                <a:solidFill>
+                  <a:srgbClr val="000000"/>
+                </a:solidFill>
+                <a:latin typeface="Menlo" charset="0"/>
+              </a:rPr>
+              <a:t> sym == </a:t>
+            </a:r>
+            <a:r>
+              <a:rPr lang="is-IS" sz="1000" dirty="0">
+                <a:solidFill>
+                  <a:srgbClr val="272AD8"/>
+                </a:solidFill>
+                <a:latin typeface="Menlo" charset="0"/>
+              </a:rPr>
+              <a:t>'z'</a:t>
+            </a:r>
+            <a:r>
+              <a:rPr lang="is-IS" sz="1000" dirty="0">
+                <a:solidFill>
+                  <a:srgbClr val="000000"/>
+                </a:solidFill>
+                <a:latin typeface="Menlo" charset="0"/>
+              </a:rPr>
+              <a:t>:</a:t>
+            </a:r>
+          </a:p>
+          <a:p>
+            <a:r>
+              <a:rPr lang="is-IS" sz="1000" dirty="0">
+                <a:solidFill>
+                  <a:srgbClr val="000000"/>
+                </a:solidFill>
+                <a:latin typeface="Menlo" charset="0"/>
+              </a:rPr>
+              <a:t>        I.next()</a:t>
+            </a:r>
+          </a:p>
+          <a:p>
+            <a:r>
+              <a:rPr lang="is-IS" sz="1000" dirty="0">
+                <a:solidFill>
+                  <a:srgbClr val="000000"/>
+                </a:solidFill>
+                <a:latin typeface="Menlo" charset="0"/>
+              </a:rPr>
+              <a:t>    </a:t>
+            </a:r>
+            <a:r>
+              <a:rPr lang="is-IS" sz="1000" dirty="0">
+                <a:solidFill>
+                  <a:srgbClr val="BA2DA2"/>
+                </a:solidFill>
+                <a:latin typeface="Menlo" charset="0"/>
+              </a:rPr>
+              <a:t>else</a:t>
+            </a:r>
+            <a:r>
+              <a:rPr lang="is-IS" sz="1000" dirty="0">
+                <a:solidFill>
+                  <a:srgbClr val="000000"/>
+                </a:solidFill>
+                <a:latin typeface="Menlo" charset="0"/>
+              </a:rPr>
+              <a:t>:</a:t>
+            </a:r>
+          </a:p>
+          <a:p>
+            <a:r>
+              <a:rPr lang="is-IS" sz="1000" dirty="0">
+                <a:solidFill>
+                  <a:srgbClr val="000000"/>
+                </a:solidFill>
+                <a:latin typeface="Menlo" charset="0"/>
+              </a:rPr>
+              <a:t>        </a:t>
+            </a:r>
+            <a:r>
+              <a:rPr lang="is-IS" sz="1000" dirty="0">
+                <a:solidFill>
+                  <a:srgbClr val="BA2DA2"/>
+                </a:solidFill>
+                <a:latin typeface="Menlo" charset="0"/>
+              </a:rPr>
+              <a:t>raise</a:t>
+            </a:r>
+            <a:r>
+              <a:rPr lang="is-IS" sz="1000" dirty="0">
+                <a:solidFill>
+                  <a:srgbClr val="000000"/>
+                </a:solidFill>
+                <a:latin typeface="Menlo" charset="0"/>
+              </a:rPr>
+              <a:t> SyntaxError(</a:t>
+            </a:r>
+            <a:r>
+              <a:rPr lang="is-IS" sz="1000" dirty="0">
+                <a:solidFill>
+                  <a:srgbClr val="272AD8"/>
+                </a:solidFill>
+                <a:latin typeface="Menlo" charset="0"/>
+              </a:rPr>
+              <a:t>'unexpected symbol {} while parsing'</a:t>
+            </a:r>
+            <a:r>
+              <a:rPr lang="is-IS" sz="1000" dirty="0">
+                <a:solidFill>
+                  <a:srgbClr val="000000"/>
+                </a:solidFill>
+                <a:latin typeface="Menlo" charset="0"/>
+              </a:rPr>
+              <a:t>.format(sym))</a:t>
+            </a:r>
+            <a:endParaRPr lang="is-IS" sz="1000" dirty="0">
+              <a:solidFill>
+                <a:srgbClr val="272AD8"/>
+              </a:solidFill>
+              <a:effectLst/>
+              <a:latin typeface="Menlo" charset="0"/>
+            </a:endParaRPr>
           </a:p>
         </p:txBody>
       </p:sp>
@@ -15566,14 +16208,14 @@
           </a:ln>
           <a:extLst>
             <a:ext uri="{909E8E84-426E-40dd-AFC4-6F175D3DCCD1}">
-              <a14:hiddenFill xmlns="" xmlns:a14="http://schemas.microsoft.com/office/drawing/2010/main">
+              <a14:hiddenFill xmlns:a14="http://schemas.microsoft.com/office/drawing/2010/main" xmlns="">
                 <a:solidFill>
                   <a:schemeClr val="accent1"/>
                 </a:solidFill>
               </a14:hiddenFill>
             </a:ext>
             <a:ext uri="{91240B29-F687-4f45-9708-019B960494DF}">
-              <a14:hiddenLine xmlns="" xmlns:a14="http://schemas.microsoft.com/office/drawing/2010/main" w="9525">
+              <a14:hiddenLine xmlns:a14="http://schemas.microsoft.com/office/drawing/2010/main" xmlns="" w="9525">
                 <a:solidFill>
                   <a:schemeClr val="tx1"/>
                 </a:solidFill>
@@ -15952,14 +16594,14 @@
           </a:ln>
           <a:extLst>
             <a:ext uri="{909E8E84-426E-40dd-AFC4-6F175D3DCCD1}">
-              <a14:hiddenFill xmlns="" xmlns:a14="http://schemas.microsoft.com/office/drawing/2010/main">
+              <a14:hiddenFill xmlns:a14="http://schemas.microsoft.com/office/drawing/2010/main" xmlns="">
                 <a:solidFill>
                   <a:schemeClr val="accent1"/>
                 </a:solidFill>
               </a14:hiddenFill>
             </a:ext>
             <a:ext uri="{91240B29-F687-4f45-9708-019B960494DF}">
-              <a14:hiddenLine xmlns="" xmlns:a14="http://schemas.microsoft.com/office/drawing/2010/main" w="9525">
+              <a14:hiddenLine xmlns:a14="http://schemas.microsoft.com/office/drawing/2010/main" xmlns="" w="9525">
                 <a:solidFill>
                   <a:schemeClr val="tx1"/>
                 </a:solidFill>
@@ -16273,7 +16915,7 @@
         <p:spPr bwMode="auto">
           <a:xfrm>
             <a:off x="2875558" y="3403937"/>
-            <a:ext cx="5956416" cy="1015663"/>
+            <a:ext cx="5955476" cy="1015663"/>
           </a:xfrm>
           <a:prstGeom prst="rect">
             <a:avLst/>
@@ -16289,7 +16931,7 @@
           </a:ln>
           <a:extLst>
             <a:ext uri="{909E8E84-426E-40dd-AFC4-6F175D3DCCD1}">
-              <a14:hiddenFill xmlns="" xmlns:a14="http://schemas.microsoft.com/office/drawing/2010/main">
+              <a14:hiddenFill xmlns:a14="http://schemas.microsoft.com/office/drawing/2010/main" xmlns="">
                 <a:solidFill>
                   <a:schemeClr val="accent1"/>
                 </a:solidFill>
@@ -16305,29 +16947,37 @@
           <a:p>
             <a:r>
               <a:rPr lang="en-US" sz="1000" dirty="0" err="1">
-                <a:latin typeface="Courier New"/>
-                <a:cs typeface="Courier New"/>
+                <a:solidFill>
+                  <a:srgbClr val="BA2DA2"/>
+                </a:solidFill>
+                <a:latin typeface="Menlo" charset="0"/>
               </a:rPr>
               <a:t>def</a:t>
             </a:r>
             <a:r>
               <a:rPr lang="en-US" sz="1000" dirty="0">
-                <a:latin typeface="Courier New"/>
-                <a:cs typeface="Courier New"/>
+                <a:solidFill>
+                  <a:srgbClr val="000000"/>
+                </a:solidFill>
+                <a:latin typeface="Menlo" charset="0"/>
               </a:rPr>
               <a:t> </a:t>
             </a:r>
             <a:r>
               <a:rPr lang="en-US" sz="1000" dirty="0" err="1">
-                <a:latin typeface="Courier New"/>
-                <a:cs typeface="Courier New"/>
+                <a:solidFill>
+                  <a:srgbClr val="000000"/>
+                </a:solidFill>
+                <a:latin typeface="Menlo" charset="0"/>
               </a:rPr>
               <a:t>num</a:t>
             </a:r>
             <a:r>
               <a:rPr lang="en-US" sz="1000" dirty="0">
-                <a:latin typeface="Courier New"/>
-                <a:cs typeface="Courier New"/>
+                <a:solidFill>
+                  <a:srgbClr val="000000"/>
+                </a:solidFill>
+                <a:latin typeface="Menlo" charset="0"/>
               </a:rPr>
               <a:t>():</a:t>
             </a:r>
@@ -16335,36 +16985,46 @@
           <a:p>
             <a:r>
               <a:rPr lang="en-US" sz="1000" dirty="0">
-                <a:latin typeface="Courier New"/>
-                <a:cs typeface="Courier New"/>
-              </a:rPr>
-              <a:t>    </a:t>
+                <a:solidFill>
+                  <a:srgbClr val="000000"/>
+                </a:solidFill>
+                <a:latin typeface="Menlo" charset="0"/>
+              </a:rPr>
+              <a:t>    </a:t>
             </a:r>
             <a:r>
               <a:rPr lang="en-US" sz="1000" dirty="0" err="1">
-                <a:latin typeface="Courier New"/>
-                <a:cs typeface="Courier New"/>
+                <a:solidFill>
+                  <a:srgbClr val="000000"/>
+                </a:solidFill>
+                <a:latin typeface="Menlo" charset="0"/>
               </a:rPr>
               <a:t>sym</a:t>
             </a:r>
             <a:r>
               <a:rPr lang="en-US" sz="1000" dirty="0">
-                <a:latin typeface="Courier New"/>
-                <a:cs typeface="Courier New"/>
+                <a:solidFill>
+                  <a:srgbClr val="000000"/>
+                </a:solidFill>
+                <a:latin typeface="Menlo" charset="0"/>
               </a:rPr>
               <a:t> = </a:t>
             </a:r>
             <a:r>
               <a:rPr lang="en-US" sz="1000" dirty="0" err="1">
-                <a:latin typeface="Courier New"/>
-                <a:cs typeface="Courier New"/>
+                <a:solidFill>
+                  <a:srgbClr val="000000"/>
+                </a:solidFill>
+                <a:latin typeface="Menlo" charset="0"/>
               </a:rPr>
               <a:t>I.pointer</a:t>
             </a:r>
             <a:r>
               <a:rPr lang="en-US" sz="1000" dirty="0">
-                <a:latin typeface="Courier New"/>
-                <a:cs typeface="Courier New"/>
+                <a:solidFill>
+                  <a:srgbClr val="000000"/>
+                </a:solidFill>
+                <a:latin typeface="Menlo" charset="0"/>
               </a:rPr>
               <a:t>()</a:t>
             </a:r>
@@ -16372,108 +17032,419 @@
           <a:p>
             <a:r>
               <a:rPr lang="en-US" sz="1000" dirty="0">
-                <a:latin typeface="Courier New"/>
-                <a:cs typeface="Courier New"/>
-              </a:rPr>
-              <a:t>    if </a:t>
+                <a:solidFill>
+                  <a:srgbClr val="000000"/>
+                </a:solidFill>
+                <a:latin typeface="Menlo" charset="0"/>
+              </a:rPr>
+              <a:t>    </a:t>
+            </a:r>
+            <a:r>
+              <a:rPr lang="en-US" sz="1000" dirty="0">
+                <a:solidFill>
+                  <a:srgbClr val="BA2DA2"/>
+                </a:solidFill>
+                <a:latin typeface="Menlo" charset="0"/>
+              </a:rPr>
+              <a:t>if</a:t>
+            </a:r>
+            <a:r>
+              <a:rPr lang="en-US" sz="1000" dirty="0">
+                <a:solidFill>
+                  <a:srgbClr val="000000"/>
+                </a:solidFill>
+                <a:latin typeface="Menlo" charset="0"/>
+              </a:rPr>
+              <a:t> </a:t>
             </a:r>
             <a:r>
               <a:rPr lang="en-US" sz="1000" dirty="0" err="1">
-                <a:latin typeface="Courier New"/>
-                <a:cs typeface="Courier New"/>
+                <a:solidFill>
+                  <a:srgbClr val="000000"/>
+                </a:solidFill>
+                <a:latin typeface="Menlo" charset="0"/>
               </a:rPr>
               <a:t>sym</a:t>
             </a:r>
             <a:r>
               <a:rPr lang="en-US" sz="1000" dirty="0">
-                <a:latin typeface="Courier New"/>
-                <a:cs typeface="Courier New"/>
-              </a:rPr>
-              <a:t> in ['0', '1', '2', '3', '4', '5', '6','7', '8', '9']:</a:t>
-            </a:r>
-          </a:p>
-          <a:p>
+                <a:solidFill>
+                  <a:srgbClr val="000000"/>
+                </a:solidFill>
+                <a:latin typeface="Menlo" charset="0"/>
+              </a:rPr>
+              <a:t> </a:t>
+            </a:r>
             <a:r>
               <a:rPr lang="en-US" sz="1000" dirty="0">
-                <a:latin typeface="Courier New"/>
-                <a:cs typeface="Courier New"/>
-              </a:rPr>
-              <a:t>        </a:t>
+                <a:solidFill>
+                  <a:srgbClr val="BA2DA2"/>
+                </a:solidFill>
+                <a:latin typeface="Menlo" charset="0"/>
+              </a:rPr>
+              <a:t>in</a:t>
+            </a:r>
+            <a:r>
+              <a:rPr lang="en-US" sz="1000" dirty="0">
+                <a:solidFill>
+                  <a:srgbClr val="000000"/>
+                </a:solidFill>
+                <a:latin typeface="Menlo" charset="0"/>
+              </a:rPr>
+              <a:t> [</a:t>
+            </a:r>
+            <a:r>
+              <a:rPr lang="en-US" sz="1000" dirty="0">
+                <a:solidFill>
+                  <a:srgbClr val="272AD8"/>
+                </a:solidFill>
+                <a:latin typeface="Menlo" charset="0"/>
+              </a:rPr>
+              <a:t>'0'</a:t>
+            </a:r>
+            <a:r>
+              <a:rPr lang="en-US" sz="1000" dirty="0">
+                <a:solidFill>
+                  <a:srgbClr val="000000"/>
+                </a:solidFill>
+                <a:latin typeface="Menlo" charset="0"/>
+              </a:rPr>
+              <a:t>, </a:t>
+            </a:r>
+            <a:r>
+              <a:rPr lang="en-US" sz="1000" dirty="0">
+                <a:solidFill>
+                  <a:srgbClr val="272AD8"/>
+                </a:solidFill>
+                <a:latin typeface="Menlo" charset="0"/>
+              </a:rPr>
+              <a:t>'1'</a:t>
+            </a:r>
+            <a:r>
+              <a:rPr lang="en-US" sz="1000" dirty="0">
+                <a:solidFill>
+                  <a:srgbClr val="000000"/>
+                </a:solidFill>
+                <a:latin typeface="Menlo" charset="0"/>
+              </a:rPr>
+              <a:t>, </a:t>
+            </a:r>
+            <a:r>
+              <a:rPr lang="en-US" sz="1000" dirty="0">
+                <a:solidFill>
+                  <a:srgbClr val="272AD8"/>
+                </a:solidFill>
+                <a:latin typeface="Menlo" charset="0"/>
+              </a:rPr>
+              <a:t>'2'</a:t>
+            </a:r>
+            <a:r>
+              <a:rPr lang="en-US" sz="1000" dirty="0">
+                <a:solidFill>
+                  <a:srgbClr val="000000"/>
+                </a:solidFill>
+                <a:latin typeface="Menlo" charset="0"/>
+              </a:rPr>
+              <a:t>, </a:t>
+            </a:r>
+            <a:r>
+              <a:rPr lang="en-US" sz="1000" dirty="0">
+                <a:solidFill>
+                  <a:srgbClr val="272AD8"/>
+                </a:solidFill>
+                <a:latin typeface="Menlo" charset="0"/>
+              </a:rPr>
+              <a:t>'3'</a:t>
+            </a:r>
+            <a:r>
+              <a:rPr lang="en-US" sz="1000" dirty="0">
+                <a:solidFill>
+                  <a:srgbClr val="000000"/>
+                </a:solidFill>
+                <a:latin typeface="Menlo" charset="0"/>
+              </a:rPr>
+              <a:t>, </a:t>
+            </a:r>
+            <a:r>
+              <a:rPr lang="en-US" sz="1000" dirty="0">
+                <a:solidFill>
+                  <a:srgbClr val="272AD8"/>
+                </a:solidFill>
+                <a:latin typeface="Menlo" charset="0"/>
+              </a:rPr>
+              <a:t>'4'</a:t>
+            </a:r>
+            <a:r>
+              <a:rPr lang="en-US" sz="1000" dirty="0">
+                <a:solidFill>
+                  <a:srgbClr val="000000"/>
+                </a:solidFill>
+                <a:latin typeface="Menlo" charset="0"/>
+              </a:rPr>
+              <a:t>, </a:t>
+            </a:r>
+            <a:r>
+              <a:rPr lang="en-US" sz="1000" dirty="0">
+                <a:solidFill>
+                  <a:srgbClr val="272AD8"/>
+                </a:solidFill>
+                <a:latin typeface="Menlo" charset="0"/>
+              </a:rPr>
+              <a:t>'5'</a:t>
+            </a:r>
+            <a:r>
+              <a:rPr lang="en-US" sz="1000" dirty="0">
+                <a:solidFill>
+                  <a:srgbClr val="000000"/>
+                </a:solidFill>
+                <a:latin typeface="Menlo" charset="0"/>
+              </a:rPr>
+              <a:t>, </a:t>
+            </a:r>
+            <a:r>
+              <a:rPr lang="en-US" sz="1000" dirty="0">
+                <a:solidFill>
+                  <a:srgbClr val="272AD8"/>
+                </a:solidFill>
+                <a:latin typeface="Menlo" charset="0"/>
+              </a:rPr>
+              <a:t>'6'</a:t>
+            </a:r>
+            <a:r>
+              <a:rPr lang="en-US" sz="1000" dirty="0">
+                <a:solidFill>
+                  <a:srgbClr val="000000"/>
+                </a:solidFill>
+                <a:latin typeface="Menlo" charset="0"/>
+              </a:rPr>
+              <a:t>,</a:t>
+            </a:r>
+            <a:r>
+              <a:rPr lang="en-US" sz="1000" dirty="0">
+                <a:solidFill>
+                  <a:srgbClr val="272AD8"/>
+                </a:solidFill>
+                <a:latin typeface="Menlo" charset="0"/>
+              </a:rPr>
+              <a:t>'7'</a:t>
+            </a:r>
+            <a:r>
+              <a:rPr lang="en-US" sz="1000" dirty="0">
+                <a:solidFill>
+                  <a:srgbClr val="000000"/>
+                </a:solidFill>
+                <a:latin typeface="Menlo" charset="0"/>
+              </a:rPr>
+              <a:t>, </a:t>
+            </a:r>
+            <a:r>
+              <a:rPr lang="en-US" sz="1000" dirty="0">
+                <a:solidFill>
+                  <a:srgbClr val="272AD8"/>
+                </a:solidFill>
+                <a:latin typeface="Menlo" charset="0"/>
+              </a:rPr>
+              <a:t>'8'</a:t>
+            </a:r>
+            <a:r>
+              <a:rPr lang="en-US" sz="1000" dirty="0">
+                <a:solidFill>
+                  <a:srgbClr val="000000"/>
+                </a:solidFill>
+                <a:latin typeface="Menlo" charset="0"/>
+              </a:rPr>
+              <a:t>, </a:t>
+            </a:r>
+            <a:r>
+              <a:rPr lang="en-US" sz="1000" dirty="0">
+                <a:solidFill>
+                  <a:srgbClr val="272AD8"/>
+                </a:solidFill>
+                <a:latin typeface="Menlo" charset="0"/>
+              </a:rPr>
+              <a:t>'9'</a:t>
+            </a:r>
+            <a:r>
+              <a:rPr lang="en-US" sz="1000" dirty="0">
+                <a:solidFill>
+                  <a:srgbClr val="000000"/>
+                </a:solidFill>
+                <a:latin typeface="Menlo" charset="0"/>
+              </a:rPr>
+              <a:t>]:</a:t>
+            </a:r>
+            <a:endParaRPr lang="en-US" sz="1000" dirty="0">
+              <a:solidFill>
+                <a:srgbClr val="272AD8"/>
+              </a:solidFill>
+              <a:latin typeface="Menlo" charset="0"/>
+            </a:endParaRPr>
+          </a:p>
+          <a:p>
+            <a:r>
+              <a:rPr lang="en-US" sz="1000" dirty="0">
+                <a:solidFill>
+                  <a:srgbClr val="000000"/>
+                </a:solidFill>
+                <a:latin typeface="Menlo" charset="0"/>
+              </a:rPr>
+              <a:t>        </a:t>
             </a:r>
             <a:r>
               <a:rPr lang="en-US" sz="1000" dirty="0" err="1">
-                <a:latin typeface="Courier New"/>
-                <a:cs typeface="Courier New"/>
+                <a:solidFill>
+                  <a:srgbClr val="000000"/>
+                </a:solidFill>
+                <a:latin typeface="Menlo" charset="0"/>
               </a:rPr>
               <a:t>I.next</a:t>
             </a:r>
             <a:r>
               <a:rPr lang="en-US" sz="1000" dirty="0">
-                <a:latin typeface="Courier New"/>
-                <a:cs typeface="Courier New"/>
+                <a:solidFill>
+                  <a:srgbClr val="000000"/>
+                </a:solidFill>
+                <a:latin typeface="Menlo" charset="0"/>
               </a:rPr>
               <a:t>()</a:t>
             </a:r>
           </a:p>
           <a:p>
             <a:r>
-              <a:rPr lang="hu-HU" sz="1000" dirty="0">
-                <a:latin typeface="Courier New"/>
-                <a:cs typeface="Courier New"/>
-              </a:rPr>
-              <a:t>    else:</a:t>
-            </a:r>
-          </a:p>
-          <a:p>
-            <a:r>
               <a:rPr lang="en-US" sz="1000" dirty="0">
-                <a:latin typeface="Courier New"/>
-                <a:cs typeface="Courier New"/>
-              </a:rPr>
-              <a:t>        raise </a:t>
+                <a:solidFill>
+                  <a:srgbClr val="000000"/>
+                </a:solidFill>
+                <a:latin typeface="Menlo" charset="0"/>
+              </a:rPr>
+              <a:t>    </a:t>
+            </a:r>
+            <a:r>
+              <a:rPr lang="en-US" sz="1000" dirty="0">
+                <a:solidFill>
+                  <a:srgbClr val="BA2DA2"/>
+                </a:solidFill>
+                <a:latin typeface="Menlo" charset="0"/>
+              </a:rPr>
+              <a:t>else</a:t>
+            </a:r>
+            <a:r>
+              <a:rPr lang="en-US" sz="1000" dirty="0">
+                <a:solidFill>
+                  <a:srgbClr val="000000"/>
+                </a:solidFill>
+                <a:latin typeface="Menlo" charset="0"/>
+              </a:rPr>
+              <a:t>:</a:t>
+            </a:r>
+          </a:p>
+          <a:p>
+            <a:r>
+              <a:rPr lang="en-US" sz="1000" dirty="0">
+                <a:solidFill>
+                  <a:srgbClr val="000000"/>
+                </a:solidFill>
+                <a:latin typeface="Menlo" charset="0"/>
+              </a:rPr>
+              <a:t>        </a:t>
+            </a:r>
+            <a:r>
+              <a:rPr lang="en-US" sz="1000" dirty="0">
+                <a:solidFill>
+                  <a:srgbClr val="BA2DA2"/>
+                </a:solidFill>
+                <a:latin typeface="Menlo" charset="0"/>
+              </a:rPr>
+              <a:t>raise</a:t>
+            </a:r>
+            <a:r>
+              <a:rPr lang="en-US" sz="1000" dirty="0">
+                <a:solidFill>
+                  <a:srgbClr val="000000"/>
+                </a:solidFill>
+                <a:latin typeface="Menlo" charset="0"/>
+              </a:rPr>
+              <a:t> </a:t>
             </a:r>
             <a:r>
               <a:rPr lang="en-US" sz="1000" dirty="0" err="1">
-                <a:latin typeface="Courier New"/>
-                <a:cs typeface="Courier New"/>
+                <a:solidFill>
+                  <a:srgbClr val="000000"/>
+                </a:solidFill>
+                <a:latin typeface="Menlo" charset="0"/>
               </a:rPr>
               <a:t>SyntaxError</a:t>
             </a:r>
             <a:r>
               <a:rPr lang="en-US" sz="1000" dirty="0">
-                <a:latin typeface="Courier New"/>
-                <a:cs typeface="Courier New"/>
-              </a:rPr>
-              <a:t>('unexpected symbol {} while </a:t>
+                <a:solidFill>
+                  <a:srgbClr val="000000"/>
+                </a:solidFill>
+                <a:latin typeface="Menlo" charset="0"/>
+              </a:rPr>
+              <a:t>(</a:t>
+            </a:r>
+            <a:r>
+              <a:rPr lang="en-US" sz="1000" dirty="0">
+                <a:solidFill>
+                  <a:srgbClr val="272AD8"/>
+                </a:solidFill>
+                <a:latin typeface="Menlo" charset="0"/>
+              </a:rPr>
+              <a:t>'unexpected symbol {} while </a:t>
             </a:r>
             <a:r>
               <a:rPr lang="en-US" sz="1000" dirty="0" err="1">
-                <a:latin typeface="Courier New"/>
-                <a:cs typeface="Courier New"/>
-              </a:rPr>
-              <a:t>parsing'.format</a:t>
+                <a:solidFill>
+                  <a:srgbClr val="272AD8"/>
+                </a:solidFill>
+                <a:latin typeface="Menlo" charset="0"/>
+              </a:rPr>
+              <a:t>parsing'</a:t>
+            </a:r>
+            <a:r>
+              <a:rPr lang="en-US" sz="1000" dirty="0" err="1">
+                <a:solidFill>
+                  <a:srgbClr val="000000"/>
+                </a:solidFill>
+                <a:latin typeface="Menlo" charset="0"/>
+              </a:rPr>
+              <a:t>.format</a:t>
             </a:r>
             <a:r>
               <a:rPr lang="en-US" sz="1000" dirty="0">
-                <a:latin typeface="Courier New"/>
-                <a:cs typeface="Courier New"/>
+                <a:solidFill>
+                  <a:srgbClr val="000000"/>
+                </a:solidFill>
+                <a:latin typeface="Menlo" charset="0"/>
               </a:rPr>
               <a:t>(</a:t>
             </a:r>
             <a:r>
               <a:rPr lang="en-US" sz="1000" dirty="0" err="1">
-                <a:latin typeface="Courier New"/>
-                <a:cs typeface="Courier New"/>
+                <a:solidFill>
+                  <a:srgbClr val="000000"/>
+                </a:solidFill>
+                <a:latin typeface="Menlo" charset="0"/>
               </a:rPr>
               <a:t>sym</a:t>
             </a:r>
             <a:r>
               <a:rPr lang="en-US" sz="1000" dirty="0">
-                <a:latin typeface="Courier New"/>
-                <a:cs typeface="Courier New"/>
+                <a:solidFill>
+                  <a:srgbClr val="000000"/>
+                </a:solidFill>
+                <a:latin typeface="Menlo" charset="0"/>
               </a:rPr>
               <a:t>))</a:t>
             </a:r>
+            <a:endParaRPr lang="en-US" sz="1000" dirty="0">
+              <a:solidFill>
+                <a:srgbClr val="272AD8"/>
+              </a:solidFill>
+              <a:effectLst/>
+              <a:latin typeface="Menlo" charset="0"/>
+            </a:endParaRPr>
           </a:p>
         </p:txBody>
       </p:sp>
@@ -16558,7 +17529,7 @@
           </a:ln>
           <a:extLst>
             <a:ext uri="{909E8E84-426E-40dd-AFC4-6F175D3DCCD1}">
-              <a14:hiddenFill xmlns="" xmlns:a14="http://schemas.microsoft.com/office/drawing/2010/main">
+              <a14:hiddenFill xmlns:a14="http://schemas.microsoft.com/office/drawing/2010/main" xmlns="">
                 <a:solidFill>
                   <a:schemeClr val="accent1"/>
                 </a:solidFill>
@@ -16589,8 +17560,8 @@
         </p:nvSpPr>
         <p:spPr bwMode="auto">
           <a:xfrm>
-            <a:off x="304800" y="1752600"/>
-            <a:ext cx="2493366" cy="553998"/>
+            <a:off x="240213" y="1592203"/>
+            <a:ext cx="2492990" cy="1631216"/>
           </a:xfrm>
           <a:prstGeom prst="rect">
             <a:avLst/>
@@ -16606,7 +17577,7 @@
           </a:ln>
           <a:extLst>
             <a:ext uri="{909E8E84-426E-40dd-AFC4-6F175D3DCCD1}">
-              <a14:hiddenFill xmlns="" xmlns:a14="http://schemas.microsoft.com/office/drawing/2010/main">
+              <a14:hiddenFill xmlns:a14="http://schemas.microsoft.com/office/drawing/2010/main" xmlns="">
                 <a:solidFill>
                   <a:schemeClr val="accent1"/>
                 </a:solidFill>
@@ -16621,79 +17592,316 @@
           <a:lstStyle/>
           <a:p>
             <a:r>
-              <a:rPr lang="en-US" sz="1000" dirty="0" err="1">
+              <a:rPr lang="is-IS" sz="1000" dirty="0">
+                <a:solidFill>
+                  <a:srgbClr val="BA2DA2"/>
+                </a:solidFill>
+                <a:latin typeface="Menlo" charset="0"/>
+              </a:rPr>
+              <a:t>def</a:t>
+            </a:r>
+            <a:r>
+              <a:rPr lang="is-IS" sz="1000" dirty="0">
+                <a:solidFill>
+                  <a:srgbClr val="000000"/>
+                </a:solidFill>
+                <a:latin typeface="Menlo" charset="0"/>
+              </a:rPr>
+              <a:t> prog():</a:t>
+            </a:r>
+          </a:p>
+          <a:p>
+            <a:r>
+              <a:rPr lang="is-IS" sz="1000" dirty="0">
+                <a:solidFill>
+                  <a:srgbClr val="000000"/>
+                </a:solidFill>
+                <a:latin typeface="Menlo" charset="0"/>
+              </a:rPr>
+              <a:t>    sym = I.pointer()</a:t>
+            </a:r>
+          </a:p>
+          <a:p>
+            <a:r>
+              <a:rPr lang="is-IS" sz="1000" dirty="0">
+                <a:solidFill>
+                  <a:srgbClr val="000000"/>
+                </a:solidFill>
+                <a:latin typeface="Menlo" charset="0"/>
+              </a:rPr>
+              <a:t>    </a:t>
+            </a:r>
+            <a:r>
+              <a:rPr lang="is-IS" sz="1000" dirty="0">
+                <a:solidFill>
+                  <a:srgbClr val="BA2DA2"/>
+                </a:solidFill>
+                <a:latin typeface="Menlo" charset="0"/>
+              </a:rPr>
+              <a:t>if</a:t>
+            </a:r>
+            <a:r>
+              <a:rPr lang="is-IS" sz="1000" dirty="0">
+                <a:solidFill>
+                  <a:srgbClr val="000000"/>
+                </a:solidFill>
+                <a:latin typeface="Menlo" charset="0"/>
+              </a:rPr>
+              <a:t> sym </a:t>
+            </a:r>
+            <a:r>
+              <a:rPr lang="is-IS" sz="1000" dirty="0">
+                <a:solidFill>
+                  <a:srgbClr val="BA2DA2"/>
+                </a:solidFill>
+                <a:latin typeface="Menlo" charset="0"/>
+              </a:rPr>
+              <a:t>in</a:t>
+            </a:r>
+            <a:r>
+              <a:rPr lang="is-IS" sz="1000" dirty="0">
+                <a:solidFill>
+                  <a:srgbClr val="000000"/>
+                </a:solidFill>
+                <a:latin typeface="Menlo" charset="0"/>
+              </a:rPr>
+              <a:t> [</a:t>
+            </a:r>
+            <a:r>
+              <a:rPr lang="is-IS" sz="1000" dirty="0">
+                <a:solidFill>
+                  <a:srgbClr val="272AD8"/>
+                </a:solidFill>
+                <a:latin typeface="Menlo" charset="0"/>
+              </a:rPr>
+              <a:t>'p'</a:t>
+            </a:r>
+            <a:r>
+              <a:rPr lang="is-IS" sz="1000" dirty="0">
+                <a:solidFill>
+                  <a:srgbClr val="000000"/>
+                </a:solidFill>
+                <a:latin typeface="Menlo" charset="0"/>
+              </a:rPr>
+              <a:t>,</a:t>
+            </a:r>
+            <a:r>
+              <a:rPr lang="is-IS" sz="1000" dirty="0">
+                <a:solidFill>
+                  <a:srgbClr val="272AD8"/>
+                </a:solidFill>
+                <a:latin typeface="Menlo" charset="0"/>
+              </a:rPr>
+              <a:t>'s'</a:t>
+            </a:r>
+            <a:r>
+              <a:rPr lang="is-IS" sz="1000" dirty="0">
+                <a:solidFill>
+                  <a:srgbClr val="000000"/>
+                </a:solidFill>
+                <a:latin typeface="Menlo" charset="0"/>
+              </a:rPr>
+              <a:t>]:</a:t>
+            </a:r>
+          </a:p>
+          <a:p>
+            <a:r>
+              <a:rPr lang="is-IS" sz="1000" dirty="0">
+                <a:solidFill>
+                  <a:srgbClr val="000000"/>
+                </a:solidFill>
+                <a:latin typeface="Menlo" charset="0"/>
+              </a:rPr>
+              <a:t>        stmt()</a:t>
+            </a:r>
+          </a:p>
+          <a:p>
+            <a:r>
+              <a:rPr lang="is-IS" sz="1000" dirty="0">
+                <a:solidFill>
+                  <a:srgbClr val="000000"/>
+                </a:solidFill>
+                <a:latin typeface="Menlo" charset="0"/>
+              </a:rPr>
+              <a:t>        prog()</a:t>
+            </a:r>
+          </a:p>
+          <a:p>
+            <a:r>
+              <a:rPr lang="is-IS" sz="1000" dirty="0">
+                <a:solidFill>
+                  <a:srgbClr val="000000"/>
+                </a:solidFill>
+                <a:latin typeface="Menlo" charset="0"/>
+              </a:rPr>
+              <a:t>    </a:t>
+            </a:r>
+            <a:r>
+              <a:rPr lang="is-IS" sz="1000" dirty="0">
+                <a:solidFill>
+                  <a:srgbClr val="BA2DA2"/>
+                </a:solidFill>
+                <a:latin typeface="Menlo" charset="0"/>
+              </a:rPr>
+              <a:t>elif</a:t>
+            </a:r>
+            <a:r>
+              <a:rPr lang="is-IS" sz="1000" dirty="0">
+                <a:solidFill>
+                  <a:srgbClr val="000000"/>
+                </a:solidFill>
+                <a:latin typeface="Menlo" charset="0"/>
+              </a:rPr>
+              <a:t> sym == </a:t>
+            </a:r>
+            <a:r>
+              <a:rPr lang="is-IS" sz="1000" dirty="0">
+                <a:solidFill>
+                  <a:srgbClr val="D12F1B"/>
+                </a:solidFill>
+                <a:latin typeface="Menlo" charset="0"/>
+              </a:rPr>
+              <a:t>""</a:t>
+            </a:r>
+            <a:r>
+              <a:rPr lang="is-IS" sz="1000" dirty="0">
+                <a:solidFill>
+                  <a:srgbClr val="000000"/>
+                </a:solidFill>
+                <a:latin typeface="Menlo" charset="0"/>
+              </a:rPr>
+              <a:t>:</a:t>
+            </a:r>
+          </a:p>
+          <a:p>
+            <a:r>
+              <a:rPr lang="is-IS" sz="1000" dirty="0">
+                <a:solidFill>
+                  <a:srgbClr val="000000"/>
+                </a:solidFill>
+                <a:latin typeface="Menlo" charset="0"/>
+              </a:rPr>
+              <a:t>        </a:t>
+            </a:r>
+            <a:r>
+              <a:rPr lang="is-IS" sz="1000" dirty="0">
+                <a:solidFill>
+                  <a:srgbClr val="BA2DA2"/>
+                </a:solidFill>
+                <a:latin typeface="Menlo" charset="0"/>
+              </a:rPr>
+              <a:t>pass</a:t>
+            </a:r>
+            <a:endParaRPr lang="is-IS" sz="1000" dirty="0">
+              <a:solidFill>
+                <a:srgbClr val="000000"/>
+              </a:solidFill>
+              <a:latin typeface="Menlo" charset="0"/>
+            </a:endParaRPr>
+          </a:p>
+          <a:p>
+            <a:r>
+              <a:rPr lang="is-IS" sz="1000" dirty="0">
+                <a:solidFill>
+                  <a:srgbClr val="000000"/>
+                </a:solidFill>
+                <a:latin typeface="Menlo" charset="0"/>
+              </a:rPr>
+              <a:t>    </a:t>
+            </a:r>
+            <a:r>
+              <a:rPr lang="is-IS" sz="1000" dirty="0">
+                <a:solidFill>
+                  <a:srgbClr val="BA2DA2"/>
+                </a:solidFill>
+                <a:latin typeface="Menlo" charset="0"/>
+              </a:rPr>
+              <a:t>else</a:t>
+            </a:r>
+            <a:r>
+              <a:rPr lang="is-IS" sz="1000" dirty="0">
+                <a:solidFill>
+                  <a:srgbClr val="000000"/>
+                </a:solidFill>
+                <a:latin typeface="Menlo" charset="0"/>
+              </a:rPr>
+              <a:t>:</a:t>
+            </a:r>
+          </a:p>
+          <a:p>
+            <a:r>
+              <a:rPr lang="is-IS" sz="1000" dirty="0">
+                <a:solidFill>
+                  <a:srgbClr val="000000"/>
+                </a:solidFill>
+                <a:latin typeface="Menlo" charset="0"/>
+              </a:rPr>
+              <a:t>        </a:t>
+            </a:r>
+            <a:r>
+              <a:rPr lang="is-IS" sz="1000" dirty="0">
+                <a:solidFill>
+                  <a:srgbClr val="BA2DA2"/>
+                </a:solidFill>
+                <a:latin typeface="Menlo" charset="0"/>
+              </a:rPr>
+              <a:t>raise</a:t>
+            </a:r>
+            <a:r>
+              <a:rPr lang="is-IS" sz="1000" dirty="0">
+                <a:solidFill>
+                  <a:srgbClr val="000000"/>
+                </a:solidFill>
+                <a:latin typeface="Menlo" charset="0"/>
+              </a:rPr>
+              <a:t> SyntaxError</a:t>
+            </a:r>
+            <a:r>
+              <a:rPr lang="is-IS" sz="1000" dirty="0" smtClean="0">
+                <a:solidFill>
+                  <a:srgbClr val="000000"/>
+                </a:solidFill>
+                <a:latin typeface="Menlo" charset="0"/>
+              </a:rPr>
+              <a:t>(</a:t>
+            </a:r>
+            <a:r>
+              <a:rPr lang="is-IS" sz="1000" dirty="0" smtClean="0">
+                <a:solidFill>
+                  <a:srgbClr val="272AD8"/>
+                </a:solidFill>
+                <a:latin typeface="Menlo" charset="0"/>
+              </a:rPr>
+              <a:t>...</a:t>
+            </a:r>
+            <a:r>
+              <a:rPr lang="is-IS" sz="1000" dirty="0" smtClean="0">
+                <a:solidFill>
+                  <a:srgbClr val="000000"/>
+                </a:solidFill>
+                <a:latin typeface="Menlo" charset="0"/>
+              </a:rPr>
+              <a:t>)</a:t>
+            </a:r>
+            <a:endParaRPr lang="is-IS" sz="1000" dirty="0">
+              <a:solidFill>
+                <a:srgbClr val="272AD8"/>
+              </a:solidFill>
+              <a:latin typeface="Menlo" charset="0"/>
+            </a:endParaRPr>
+          </a:p>
+          <a:p>
+            <a:r>
+              <a:rPr lang="en-US" sz="1000" dirty="0" smtClean="0">
                 <a:latin typeface="Courier New"/>
                 <a:cs typeface="Courier New"/>
               </a:rPr>
-              <a:t>def</a:t>
-            </a:r>
-            <a:r>
-              <a:rPr lang="en-US" sz="1000" dirty="0">
-                <a:latin typeface="Courier New"/>
-                <a:cs typeface="Courier New"/>
-              </a:rPr>
-              <a:t> </a:t>
-            </a:r>
-            <a:r>
-              <a:rPr lang="en-US" sz="1000" dirty="0" err="1">
-                <a:latin typeface="Courier New"/>
-                <a:cs typeface="Courier New"/>
-              </a:rPr>
-              <a:t>prog</a:t>
-            </a:r>
-            <a:r>
-              <a:rPr lang="en-US" sz="1000" dirty="0">
-                <a:latin typeface="Courier New"/>
-                <a:cs typeface="Courier New"/>
-              </a:rPr>
-              <a:t>():</a:t>
-            </a:r>
-          </a:p>
-          <a:p>
-            <a:r>
-              <a:rPr lang="en-US" sz="1000" dirty="0">
-                <a:latin typeface="Courier New"/>
-                <a:cs typeface="Courier New"/>
-              </a:rPr>
-              <a:t>    while not </a:t>
-            </a:r>
-            <a:r>
-              <a:rPr lang="en-US" sz="1000" dirty="0" err="1">
-                <a:latin typeface="Courier New"/>
-                <a:cs typeface="Courier New"/>
-              </a:rPr>
-              <a:t>I.end_of_file</a:t>
-            </a:r>
-            <a:r>
-              <a:rPr lang="en-US" sz="1000" dirty="0">
-                <a:latin typeface="Courier New"/>
-                <a:cs typeface="Courier New"/>
-              </a:rPr>
-              <a:t>():</a:t>
-            </a:r>
-          </a:p>
-          <a:p>
-            <a:r>
-              <a:rPr lang="en-US" sz="1000" dirty="0">
-                <a:latin typeface="Courier New"/>
-                <a:cs typeface="Courier New"/>
-              </a:rPr>
-              <a:t>        </a:t>
-            </a:r>
-            <a:r>
-              <a:rPr lang="en-US" sz="1000" dirty="0" err="1">
-                <a:latin typeface="Courier New"/>
-                <a:cs typeface="Courier New"/>
-              </a:rPr>
-              <a:t>stmt</a:t>
-            </a:r>
-            <a:r>
-              <a:rPr lang="en-US" sz="1000" dirty="0">
-                <a:latin typeface="Courier New"/>
-                <a:cs typeface="Courier New"/>
-              </a:rPr>
-              <a:t>()</a:t>
-            </a:r>
+              <a:t>)</a:t>
+            </a:r>
+            <a:endParaRPr lang="en-US" sz="1000" dirty="0">
+              <a:latin typeface="Courier New"/>
+              <a:cs typeface="Courier New"/>
+            </a:endParaRPr>
           </a:p>
         </p:txBody>
       </p:sp>
@@ -16706,7 +17914,7 @@
         <p:spPr>
           <a:xfrm>
             <a:off x="6696099" y="1371600"/>
-            <a:ext cx="1809435" cy="2677656"/>
+            <a:ext cx="1766830" cy="2862322"/>
           </a:xfrm>
           <a:prstGeom prst="rect">
             <a:avLst/>
@@ -16953,911 +18161,850 @@
             </a:r>
             <a:r>
               <a:rPr lang="en-US" sz="1200" dirty="0" err="1" smtClean="0"/>
-              <a:t>I.next</a:t>
+              <a:t>I.match</a:t>
             </a:r>
             <a:r>
               <a:rPr lang="en-US" sz="1200" dirty="0" smtClean="0"/>
-              <a:t>() </a:t>
-            </a:r>
+              <a:t>(‘;’) </a:t>
+            </a:r>
+          </a:p>
+          <a:p>
             <a:r>
               <a:rPr lang="en-US" sz="1200" dirty="0"/>
-              <a:t>#</a:t>
+              <a:t> </a:t>
             </a:r>
             <a:r>
               <a:rPr lang="en-US" sz="1200" dirty="0" smtClean="0"/>
-              <a:t>‘;’</a:t>
+              <a:t>  </a:t>
+            </a:r>
+            <a:r>
+              <a:rPr lang="en-US" sz="1200" dirty="0" err="1" smtClean="0"/>
+              <a:t>prog</a:t>
+            </a:r>
+            <a:r>
+              <a:rPr lang="en-US" sz="1200" dirty="0" smtClean="0"/>
+              <a:t>()</a:t>
+            </a:r>
+            <a:r>
+              <a:rPr lang="en-US" sz="1200" dirty="0" smtClean="0"/>
+              <a:t>  </a:t>
             </a:r>
             <a:endParaRPr lang="en-US" sz="1200" dirty="0"/>
           </a:p>
         </p:txBody>
       </p:sp>
-      <p:grpSp>
-        <p:nvGrpSpPr>
-          <p:cNvPr id="8" name="Group 7"/>
-          <p:cNvGrpSpPr/>
+      <p:sp>
+        <p:nvSpPr>
+          <p:cNvPr id="12" name="TextBox 11"/>
+          <p:cNvSpPr txBox="1"/>
           <p:nvPr/>
-        </p:nvGrpSpPr>
-        <p:grpSpPr>
+        </p:nvSpPr>
+        <p:spPr>
           <a:xfrm>
-            <a:off x="6619408" y="4038600"/>
-            <a:ext cx="1762592" cy="2743200"/>
-            <a:chOff x="6248400" y="4038600"/>
-            <a:chExt cx="1762592" cy="2743200"/>
+            <a:off x="6466398" y="4569023"/>
+            <a:ext cx="544002" cy="307777"/>
           </a:xfrm>
-        </p:grpSpPr>
-        <p:sp>
-          <p:nvSpPr>
-            <p:cNvPr id="12" name="TextBox 11"/>
-            <p:cNvSpPr txBox="1"/>
-            <p:nvPr/>
-          </p:nvSpPr>
-          <p:spPr>
-            <a:xfrm>
-              <a:off x="6917651" y="4038600"/>
-              <a:ext cx="544002" cy="307777"/>
-            </a:xfrm>
-            <a:prstGeom prst="rect">
-              <a:avLst/>
-            </a:prstGeom>
-            <a:noFill/>
-          </p:spPr>
-          <p:txBody>
-            <a:bodyPr wrap="none" rtlCol="0">
-              <a:spAutoFit/>
-            </a:bodyPr>
-            <a:lstStyle/>
-            <a:p>
-              <a:r>
-                <a:rPr lang="en-US" dirty="0" err="1" smtClean="0"/>
-                <a:t>prog</a:t>
-              </a:r>
-              <a:endParaRPr lang="en-US" dirty="0"/>
-            </a:p>
-          </p:txBody>
-        </p:sp>
-        <p:grpSp>
-          <p:nvGrpSpPr>
-            <p:cNvPr id="3" name="Group 2"/>
-            <p:cNvGrpSpPr/>
-            <p:nvPr/>
-          </p:nvGrpSpPr>
-          <p:grpSpPr>
-            <a:xfrm>
-              <a:off x="6248400" y="4346377"/>
-              <a:ext cx="1762592" cy="2435423"/>
-              <a:chOff x="6248400" y="4346377"/>
-              <a:chExt cx="1762592" cy="2435423"/>
-            </a:xfrm>
-          </p:grpSpPr>
-          <p:sp>
-            <p:nvSpPr>
-              <p:cNvPr id="13" name="TextBox 12"/>
-              <p:cNvSpPr txBox="1"/>
-              <p:nvPr/>
-            </p:nvSpPr>
-            <p:spPr>
-              <a:xfrm>
-                <a:off x="6902538" y="4495800"/>
-                <a:ext cx="530915" cy="307777"/>
-              </a:xfrm>
-              <a:prstGeom prst="rect">
-                <a:avLst/>
-              </a:prstGeom>
-              <a:noFill/>
-            </p:spPr>
-            <p:txBody>
-              <a:bodyPr wrap="none" rtlCol="0">
-                <a:spAutoFit/>
-              </a:bodyPr>
-              <a:lstStyle/>
-              <a:p>
-                <a:r>
-                  <a:rPr lang="en-US" dirty="0" err="1"/>
-                  <a:t>s</a:t>
-                </a:r>
-                <a:r>
-                  <a:rPr lang="en-US" dirty="0" err="1" smtClean="0"/>
-                  <a:t>tmt</a:t>
-                </a:r>
-                <a:endParaRPr lang="en-US" dirty="0"/>
-              </a:p>
-            </p:txBody>
-          </p:sp>
-          <p:sp>
-            <p:nvSpPr>
-              <p:cNvPr id="14" name="TextBox 13"/>
-              <p:cNvSpPr txBox="1"/>
-              <p:nvPr/>
-            </p:nvSpPr>
-            <p:spPr>
-              <a:xfrm>
-                <a:off x="6313332" y="5029200"/>
-                <a:ext cx="284515" cy="307777"/>
-              </a:xfrm>
-              <a:prstGeom prst="rect">
-                <a:avLst/>
-              </a:prstGeom>
-              <a:noFill/>
-            </p:spPr>
-            <p:txBody>
-              <a:bodyPr wrap="none" rtlCol="0">
-                <a:spAutoFit/>
-              </a:bodyPr>
-              <a:lstStyle/>
-              <a:p>
-                <a:r>
-                  <a:rPr lang="en-US" dirty="0"/>
-                  <a:t>p</a:t>
-                </a:r>
-              </a:p>
-            </p:txBody>
-          </p:sp>
-          <p:sp>
-            <p:nvSpPr>
-              <p:cNvPr id="16" name="TextBox 15"/>
-              <p:cNvSpPr txBox="1"/>
-              <p:nvPr/>
-            </p:nvSpPr>
-            <p:spPr>
-              <a:xfrm>
-                <a:off x="6950174" y="5029200"/>
-                <a:ext cx="474133" cy="307777"/>
-              </a:xfrm>
-              <a:prstGeom prst="rect">
-                <a:avLst/>
-              </a:prstGeom>
-              <a:noFill/>
-            </p:spPr>
-            <p:txBody>
-              <a:bodyPr wrap="none" rtlCol="0">
-                <a:spAutoFit/>
-              </a:bodyPr>
-              <a:lstStyle/>
-              <a:p>
-                <a:r>
-                  <a:rPr lang="en-US" dirty="0" err="1" smtClean="0"/>
-                  <a:t>exp</a:t>
-                </a:r>
-                <a:endParaRPr lang="en-US" dirty="0"/>
-              </a:p>
-            </p:txBody>
-          </p:sp>
-          <p:sp>
-            <p:nvSpPr>
-              <p:cNvPr id="17" name="TextBox 16"/>
-              <p:cNvSpPr txBox="1"/>
-              <p:nvPr/>
-            </p:nvSpPr>
-            <p:spPr>
-              <a:xfrm>
-                <a:off x="7776445" y="5029200"/>
-                <a:ext cx="234547" cy="307777"/>
-              </a:xfrm>
-              <a:prstGeom prst="rect">
-                <a:avLst/>
-              </a:prstGeom>
-              <a:noFill/>
-            </p:spPr>
-            <p:txBody>
-              <a:bodyPr wrap="none" rtlCol="0">
-                <a:spAutoFit/>
-              </a:bodyPr>
-              <a:lstStyle/>
-              <a:p>
-                <a:r>
-                  <a:rPr lang="en-US" dirty="0" smtClean="0"/>
-                  <a:t>;</a:t>
-                </a:r>
-                <a:endParaRPr lang="en-US" dirty="0"/>
-              </a:p>
-            </p:txBody>
-          </p:sp>
-          <p:sp>
-            <p:nvSpPr>
-              <p:cNvPr id="18" name="TextBox 17"/>
-              <p:cNvSpPr txBox="1"/>
-              <p:nvPr/>
-            </p:nvSpPr>
-            <p:spPr>
-              <a:xfrm>
-                <a:off x="6781800" y="6474023"/>
-                <a:ext cx="274434" cy="307777"/>
-              </a:xfrm>
-              <a:prstGeom prst="rect">
-                <a:avLst/>
-              </a:prstGeom>
-              <a:noFill/>
-            </p:spPr>
-            <p:txBody>
-              <a:bodyPr wrap="none" rtlCol="0">
-                <a:spAutoFit/>
-              </a:bodyPr>
-              <a:lstStyle/>
-              <a:p>
-                <a:r>
-                  <a:rPr lang="en-US" dirty="0" smtClean="0"/>
-                  <a:t>x</a:t>
-                </a:r>
-                <a:endParaRPr lang="en-US" dirty="0"/>
-              </a:p>
-            </p:txBody>
-          </p:sp>
-          <p:sp>
-            <p:nvSpPr>
-              <p:cNvPr id="19" name="TextBox 18"/>
-              <p:cNvSpPr txBox="1"/>
-              <p:nvPr/>
-            </p:nvSpPr>
-            <p:spPr>
-              <a:xfrm>
-                <a:off x="7543800" y="6474023"/>
-                <a:ext cx="284515" cy="307777"/>
-              </a:xfrm>
-              <a:prstGeom prst="rect">
-                <a:avLst/>
-              </a:prstGeom>
-              <a:noFill/>
-            </p:spPr>
-            <p:txBody>
-              <a:bodyPr wrap="none" rtlCol="0">
-                <a:spAutoFit/>
-              </a:bodyPr>
-              <a:lstStyle/>
-              <a:p>
-                <a:r>
-                  <a:rPr lang="en-US" dirty="0"/>
-                  <a:t>1</a:t>
-                </a:r>
-              </a:p>
-            </p:txBody>
-          </p:sp>
-          <p:cxnSp>
-            <p:nvCxnSpPr>
-              <p:cNvPr id="20" name="Straight Connector 19"/>
-              <p:cNvCxnSpPr>
-                <a:stCxn id="12" idx="2"/>
-                <a:endCxn id="13" idx="0"/>
-              </p:cNvCxnSpPr>
-              <p:nvPr/>
-            </p:nvCxnSpPr>
-            <p:spPr bwMode="auto">
-              <a:xfrm flipH="1">
-                <a:off x="7167996" y="4346377"/>
-                <a:ext cx="21656" cy="149423"/>
-              </a:xfrm>
-              <a:prstGeom prst="line">
-                <a:avLst/>
-              </a:prstGeom>
-              <a:solidFill>
-                <a:schemeClr val="accent1"/>
-              </a:solidFill>
-              <a:ln w="9525" cap="flat" cmpd="sng" algn="ctr">
-                <a:solidFill>
-                  <a:schemeClr val="tx1"/>
-                </a:solidFill>
-                <a:prstDash val="solid"/>
-                <a:round/>
-                <a:headEnd type="none" w="med" len="med"/>
-                <a:tailEnd type="none" w="med" len="med"/>
-              </a:ln>
-              <a:effectLst/>
-              <a:extLst>
-                <a:ext uri="{AF507438-7753-43e0-B8FC-AC1667EBCBE1}">
-                  <a14:hiddenEffects xmlns="" xmlns:a14="http://schemas.microsoft.com/office/drawing/2010/main">
-                    <a:effectLst>
-                      <a:outerShdw blurRad="63500" dist="38099" dir="2700000" algn="ctr" rotWithShape="0">
-                        <a:schemeClr val="bg2">
-                          <a:alpha val="74998"/>
-                        </a:schemeClr>
-                      </a:outerShdw>
-                    </a:effectLst>
-                  </a14:hiddenEffects>
-                </a:ext>
-              </a:extLst>
-            </p:spPr>
-          </p:cxnSp>
-          <p:cxnSp>
-            <p:nvCxnSpPr>
-              <p:cNvPr id="21" name="Straight Connector 20"/>
-              <p:cNvCxnSpPr>
-                <a:stCxn id="13" idx="2"/>
-                <a:endCxn id="14" idx="0"/>
-              </p:cNvCxnSpPr>
-              <p:nvPr/>
-            </p:nvCxnSpPr>
-            <p:spPr bwMode="auto">
-              <a:xfrm flipH="1">
-                <a:off x="6455590" y="4803577"/>
-                <a:ext cx="712406" cy="225623"/>
-              </a:xfrm>
-              <a:prstGeom prst="line">
-                <a:avLst/>
-              </a:prstGeom>
-              <a:solidFill>
-                <a:schemeClr val="accent1"/>
-              </a:solidFill>
-              <a:ln w="9525" cap="flat" cmpd="sng" algn="ctr">
-                <a:solidFill>
-                  <a:schemeClr val="tx1"/>
-                </a:solidFill>
-                <a:prstDash val="solid"/>
-                <a:round/>
-                <a:headEnd type="none" w="med" len="med"/>
-                <a:tailEnd type="none" w="med" len="med"/>
-              </a:ln>
-              <a:effectLst/>
-              <a:extLst>
-                <a:ext uri="{AF507438-7753-43e0-B8FC-AC1667EBCBE1}">
-                  <a14:hiddenEffects xmlns="" xmlns:a14="http://schemas.microsoft.com/office/drawing/2010/main">
-                    <a:effectLst>
-                      <a:outerShdw blurRad="63500" dist="38099" dir="2700000" algn="ctr" rotWithShape="0">
-                        <a:schemeClr val="bg2">
-                          <a:alpha val="74998"/>
-                        </a:schemeClr>
-                      </a:outerShdw>
-                    </a:effectLst>
-                  </a14:hiddenEffects>
-                </a:ext>
-              </a:extLst>
-            </p:spPr>
-          </p:cxnSp>
-          <p:cxnSp>
-            <p:nvCxnSpPr>
-              <p:cNvPr id="23" name="Straight Connector 22"/>
-              <p:cNvCxnSpPr>
-                <a:stCxn id="13" idx="2"/>
-                <a:endCxn id="16" idx="0"/>
-              </p:cNvCxnSpPr>
-              <p:nvPr/>
-            </p:nvCxnSpPr>
-            <p:spPr bwMode="auto">
-              <a:xfrm>
-                <a:off x="7167996" y="4803577"/>
-                <a:ext cx="19245" cy="225623"/>
-              </a:xfrm>
-              <a:prstGeom prst="line">
-                <a:avLst/>
-              </a:prstGeom>
-              <a:solidFill>
-                <a:schemeClr val="accent1"/>
-              </a:solidFill>
-              <a:ln w="9525" cap="flat" cmpd="sng" algn="ctr">
-                <a:solidFill>
-                  <a:schemeClr val="tx1"/>
-                </a:solidFill>
-                <a:prstDash val="solid"/>
-                <a:round/>
-                <a:headEnd type="none" w="med" len="med"/>
-                <a:tailEnd type="none" w="med" len="med"/>
-              </a:ln>
-              <a:effectLst/>
-              <a:extLst>
-                <a:ext uri="{AF507438-7753-43e0-B8FC-AC1667EBCBE1}">
-                  <a14:hiddenEffects xmlns="" xmlns:a14="http://schemas.microsoft.com/office/drawing/2010/main">
-                    <a:effectLst>
-                      <a:outerShdw blurRad="63500" dist="38099" dir="2700000" algn="ctr" rotWithShape="0">
-                        <a:schemeClr val="bg2">
-                          <a:alpha val="74998"/>
-                        </a:schemeClr>
-                      </a:outerShdw>
-                    </a:effectLst>
-                  </a14:hiddenEffects>
-                </a:ext>
-              </a:extLst>
-            </p:spPr>
-          </p:cxnSp>
-          <p:cxnSp>
-            <p:nvCxnSpPr>
-              <p:cNvPr id="24" name="Straight Connector 23"/>
-              <p:cNvCxnSpPr>
-                <a:stCxn id="13" idx="2"/>
-                <a:endCxn id="17" idx="0"/>
-              </p:cNvCxnSpPr>
-              <p:nvPr/>
-            </p:nvCxnSpPr>
-            <p:spPr bwMode="auto">
-              <a:xfrm>
-                <a:off x="7167996" y="4803577"/>
-                <a:ext cx="725723" cy="225623"/>
-              </a:xfrm>
-              <a:prstGeom prst="line">
-                <a:avLst/>
-              </a:prstGeom>
-              <a:solidFill>
-                <a:schemeClr val="accent1"/>
-              </a:solidFill>
-              <a:ln w="9525" cap="flat" cmpd="sng" algn="ctr">
-                <a:solidFill>
-                  <a:schemeClr val="tx1"/>
-                </a:solidFill>
-                <a:prstDash val="solid"/>
-                <a:round/>
-                <a:headEnd type="none" w="med" len="med"/>
-                <a:tailEnd type="none" w="med" len="med"/>
-              </a:ln>
-              <a:effectLst/>
-              <a:extLst>
-                <a:ext uri="{AF507438-7753-43e0-B8FC-AC1667EBCBE1}">
-                  <a14:hiddenEffects xmlns="" xmlns:a14="http://schemas.microsoft.com/office/drawing/2010/main">
-                    <a:effectLst>
-                      <a:outerShdw blurRad="63500" dist="38099" dir="2700000" algn="ctr" rotWithShape="0">
-                        <a:schemeClr val="bg2">
-                          <a:alpha val="74998"/>
-                        </a:schemeClr>
-                      </a:outerShdw>
-                    </a:effectLst>
-                  </a14:hiddenEffects>
-                </a:ext>
-              </a:extLst>
-            </p:spPr>
-          </p:cxnSp>
-          <p:sp>
-            <p:nvSpPr>
-              <p:cNvPr id="4" name="TextBox 3"/>
-              <p:cNvSpPr txBox="1"/>
-              <p:nvPr/>
-            </p:nvSpPr>
-            <p:spPr>
-              <a:xfrm>
-                <a:off x="6629400" y="5486400"/>
-                <a:ext cx="474133" cy="307777"/>
-              </a:xfrm>
-              <a:prstGeom prst="rect">
-                <a:avLst/>
-              </a:prstGeom>
-              <a:noFill/>
-            </p:spPr>
-            <p:txBody>
-              <a:bodyPr wrap="none" rtlCol="0">
-                <a:spAutoFit/>
-              </a:bodyPr>
-              <a:lstStyle/>
-              <a:p>
-                <a:r>
-                  <a:rPr lang="en-US" dirty="0" err="1" smtClean="0"/>
-                  <a:t>exp</a:t>
-                </a:r>
-                <a:endParaRPr lang="en-US" dirty="0"/>
-              </a:p>
-            </p:txBody>
-          </p:sp>
-          <p:sp>
-            <p:nvSpPr>
-              <p:cNvPr id="5" name="TextBox 4"/>
-              <p:cNvSpPr txBox="1"/>
-              <p:nvPr/>
-            </p:nvSpPr>
-            <p:spPr>
-              <a:xfrm>
-                <a:off x="7376969" y="5467920"/>
-                <a:ext cx="474133" cy="307777"/>
-              </a:xfrm>
-              <a:prstGeom prst="rect">
-                <a:avLst/>
-              </a:prstGeom>
-              <a:noFill/>
-            </p:spPr>
-            <p:txBody>
-              <a:bodyPr wrap="none" rtlCol="0">
-                <a:spAutoFit/>
-              </a:bodyPr>
-              <a:lstStyle/>
-              <a:p>
-                <a:r>
-                  <a:rPr lang="en-US" dirty="0" err="1" smtClean="0"/>
-                  <a:t>exp</a:t>
-                </a:r>
-                <a:endParaRPr lang="en-US" dirty="0"/>
-              </a:p>
-            </p:txBody>
-          </p:sp>
-          <p:sp>
-            <p:nvSpPr>
-              <p:cNvPr id="6" name="TextBox 5"/>
-              <p:cNvSpPr txBox="1"/>
-              <p:nvPr/>
-            </p:nvSpPr>
-            <p:spPr>
-              <a:xfrm>
-                <a:off x="6553200" y="6019800"/>
-                <a:ext cx="684803" cy="307777"/>
-              </a:xfrm>
-              <a:prstGeom prst="rect">
-                <a:avLst/>
-              </a:prstGeom>
-              <a:noFill/>
-            </p:spPr>
-            <p:txBody>
-              <a:bodyPr wrap="none" rtlCol="0">
-                <a:spAutoFit/>
-              </a:bodyPr>
-              <a:lstStyle/>
-              <a:p>
-                <a:r>
-                  <a:rPr lang="en-US" dirty="0" err="1" smtClean="0"/>
-                  <a:t>rhsvar</a:t>
-                </a:r>
-                <a:endParaRPr lang="en-US" dirty="0"/>
-              </a:p>
-            </p:txBody>
-          </p:sp>
-          <p:sp>
-            <p:nvSpPr>
-              <p:cNvPr id="7" name="TextBox 6"/>
-              <p:cNvSpPr txBox="1"/>
-              <p:nvPr/>
-            </p:nvSpPr>
-            <p:spPr>
-              <a:xfrm>
-                <a:off x="7391400" y="6016823"/>
-                <a:ext cx="533920" cy="307777"/>
-              </a:xfrm>
-              <a:prstGeom prst="rect">
-                <a:avLst/>
-              </a:prstGeom>
-              <a:noFill/>
-            </p:spPr>
-            <p:txBody>
-              <a:bodyPr wrap="none" rtlCol="0">
-                <a:spAutoFit/>
-              </a:bodyPr>
-              <a:lstStyle/>
-              <a:p>
-                <a:r>
-                  <a:rPr lang="en-US" dirty="0" err="1" smtClean="0"/>
-                  <a:t>num</a:t>
-                </a:r>
-                <a:endParaRPr lang="en-US" dirty="0"/>
-              </a:p>
-            </p:txBody>
-          </p:sp>
-          <p:cxnSp>
-            <p:nvCxnSpPr>
-              <p:cNvPr id="11" name="Straight Connector 10"/>
-              <p:cNvCxnSpPr>
-                <a:stCxn id="16" idx="2"/>
-                <a:endCxn id="4" idx="0"/>
-              </p:cNvCxnSpPr>
-              <p:nvPr/>
-            </p:nvCxnSpPr>
-            <p:spPr bwMode="auto">
-              <a:xfrm flipH="1">
-                <a:off x="6866467" y="5336977"/>
-                <a:ext cx="320774" cy="149423"/>
-              </a:xfrm>
-              <a:prstGeom prst="line">
-                <a:avLst/>
-              </a:prstGeom>
-              <a:solidFill>
-                <a:schemeClr val="accent1"/>
-              </a:solidFill>
-              <a:ln w="9525" cap="flat" cmpd="sng" algn="ctr">
-                <a:solidFill>
-                  <a:schemeClr val="tx1"/>
-                </a:solidFill>
-                <a:prstDash val="solid"/>
-                <a:round/>
-                <a:headEnd type="none" w="med" len="med"/>
-                <a:tailEnd type="none" w="med" len="med"/>
-              </a:ln>
-              <a:effectLst/>
-              <a:extLst>
-                <a:ext uri="{AF507438-7753-43e0-B8FC-AC1667EBCBE1}">
-                  <a14:hiddenEffects xmlns="" xmlns:a14="http://schemas.microsoft.com/office/drawing/2010/main">
-                    <a:effectLst>
-                      <a:outerShdw blurRad="63500" dist="38099" dir="2700000" algn="ctr" rotWithShape="0">
-                        <a:schemeClr val="bg2">
-                          <a:alpha val="74998"/>
-                        </a:schemeClr>
-                      </a:outerShdw>
-                    </a:effectLst>
-                  </a14:hiddenEffects>
-                </a:ext>
-              </a:extLst>
-            </p:spPr>
-          </p:cxnSp>
-          <p:cxnSp>
-            <p:nvCxnSpPr>
-              <p:cNvPr id="28" name="Straight Connector 27"/>
-              <p:cNvCxnSpPr>
-                <a:stCxn id="16" idx="2"/>
-                <a:endCxn id="5" idx="0"/>
-              </p:cNvCxnSpPr>
-              <p:nvPr/>
-            </p:nvCxnSpPr>
-            <p:spPr bwMode="auto">
-              <a:xfrm>
-                <a:off x="7187241" y="5336977"/>
-                <a:ext cx="426795" cy="130943"/>
-              </a:xfrm>
-              <a:prstGeom prst="line">
-                <a:avLst/>
-              </a:prstGeom>
-              <a:solidFill>
-                <a:schemeClr val="accent1"/>
-              </a:solidFill>
-              <a:ln w="9525" cap="flat" cmpd="sng" algn="ctr">
-                <a:solidFill>
-                  <a:schemeClr val="tx1"/>
-                </a:solidFill>
-                <a:prstDash val="solid"/>
-                <a:round/>
-                <a:headEnd type="none" w="med" len="med"/>
-                <a:tailEnd type="none" w="med" len="med"/>
-              </a:ln>
-              <a:effectLst/>
-              <a:extLst>
-                <a:ext uri="{AF507438-7753-43e0-B8FC-AC1667EBCBE1}">
-                  <a14:hiddenEffects xmlns="" xmlns:a14="http://schemas.microsoft.com/office/drawing/2010/main">
-                    <a:effectLst>
-                      <a:outerShdw blurRad="63500" dist="38099" dir="2700000" algn="ctr" rotWithShape="0">
-                        <a:schemeClr val="bg2">
-                          <a:alpha val="74998"/>
-                        </a:schemeClr>
-                      </a:outerShdw>
-                    </a:effectLst>
-                  </a14:hiddenEffects>
-                </a:ext>
-              </a:extLst>
-            </p:spPr>
-          </p:cxnSp>
-          <p:cxnSp>
-            <p:nvCxnSpPr>
-              <p:cNvPr id="30" name="Straight Connector 29"/>
-              <p:cNvCxnSpPr>
-                <a:stCxn id="4" idx="2"/>
-                <a:endCxn id="6" idx="0"/>
-              </p:cNvCxnSpPr>
-              <p:nvPr/>
-            </p:nvCxnSpPr>
-            <p:spPr bwMode="auto">
-              <a:xfrm>
-                <a:off x="6866467" y="5794177"/>
-                <a:ext cx="29135" cy="225623"/>
-              </a:xfrm>
-              <a:prstGeom prst="line">
-                <a:avLst/>
-              </a:prstGeom>
-              <a:solidFill>
-                <a:schemeClr val="accent1"/>
-              </a:solidFill>
-              <a:ln w="9525" cap="flat" cmpd="sng" algn="ctr">
-                <a:solidFill>
-                  <a:schemeClr val="tx1"/>
-                </a:solidFill>
-                <a:prstDash val="solid"/>
-                <a:round/>
-                <a:headEnd type="none" w="med" len="med"/>
-                <a:tailEnd type="none" w="med" len="med"/>
-              </a:ln>
-              <a:effectLst/>
-              <a:extLst>
-                <a:ext uri="{AF507438-7753-43e0-B8FC-AC1667EBCBE1}">
-                  <a14:hiddenEffects xmlns="" xmlns:a14="http://schemas.microsoft.com/office/drawing/2010/main">
-                    <a:effectLst>
-                      <a:outerShdw blurRad="63500" dist="38099" dir="2700000" algn="ctr" rotWithShape="0">
-                        <a:schemeClr val="bg2">
-                          <a:alpha val="74998"/>
-                        </a:schemeClr>
-                      </a:outerShdw>
-                    </a:effectLst>
-                  </a14:hiddenEffects>
-                </a:ext>
-              </a:extLst>
-            </p:spPr>
-          </p:cxnSp>
-          <p:cxnSp>
-            <p:nvCxnSpPr>
-              <p:cNvPr id="26624" name="Straight Connector 26623"/>
-              <p:cNvCxnSpPr>
-                <a:stCxn id="5" idx="2"/>
-                <a:endCxn id="7" idx="0"/>
-              </p:cNvCxnSpPr>
-              <p:nvPr/>
-            </p:nvCxnSpPr>
-            <p:spPr bwMode="auto">
-              <a:xfrm>
-                <a:off x="7614036" y="5775697"/>
-                <a:ext cx="44324" cy="241126"/>
-              </a:xfrm>
-              <a:prstGeom prst="line">
-                <a:avLst/>
-              </a:prstGeom>
-              <a:solidFill>
-                <a:schemeClr val="accent1"/>
-              </a:solidFill>
-              <a:ln w="9525" cap="flat" cmpd="sng" algn="ctr">
-                <a:solidFill>
-                  <a:schemeClr val="tx1"/>
-                </a:solidFill>
-                <a:prstDash val="solid"/>
-                <a:round/>
-                <a:headEnd type="none" w="med" len="med"/>
-                <a:tailEnd type="none" w="med" len="med"/>
-              </a:ln>
-              <a:effectLst/>
-              <a:extLst>
-                <a:ext uri="{AF507438-7753-43e0-B8FC-AC1667EBCBE1}">
-                  <a14:hiddenEffects xmlns="" xmlns:a14="http://schemas.microsoft.com/office/drawing/2010/main">
-                    <a:effectLst>
-                      <a:outerShdw blurRad="63500" dist="38099" dir="2700000" algn="ctr" rotWithShape="0">
-                        <a:schemeClr val="bg2">
-                          <a:alpha val="74998"/>
-                        </a:schemeClr>
-                      </a:outerShdw>
-                    </a:effectLst>
-                  </a14:hiddenEffects>
-                </a:ext>
-              </a:extLst>
-            </p:spPr>
-          </p:cxnSp>
-          <p:cxnSp>
-            <p:nvCxnSpPr>
-              <p:cNvPr id="26626" name="Straight Connector 26625"/>
-              <p:cNvCxnSpPr>
-                <a:stCxn id="6" idx="2"/>
-                <a:endCxn id="18" idx="0"/>
-              </p:cNvCxnSpPr>
-              <p:nvPr/>
-            </p:nvCxnSpPr>
-            <p:spPr bwMode="auto">
-              <a:xfrm>
-                <a:off x="6895602" y="6327577"/>
-                <a:ext cx="23415" cy="146446"/>
-              </a:xfrm>
-              <a:prstGeom prst="line">
-                <a:avLst/>
-              </a:prstGeom>
-              <a:solidFill>
-                <a:schemeClr val="accent1"/>
-              </a:solidFill>
-              <a:ln w="9525" cap="flat" cmpd="sng" algn="ctr">
-                <a:solidFill>
-                  <a:schemeClr val="tx1"/>
-                </a:solidFill>
-                <a:prstDash val="solid"/>
-                <a:round/>
-                <a:headEnd type="none" w="med" len="med"/>
-                <a:tailEnd type="none" w="med" len="med"/>
-              </a:ln>
-              <a:effectLst/>
-              <a:extLst>
-                <a:ext uri="{AF507438-7753-43e0-B8FC-AC1667EBCBE1}">
-                  <a14:hiddenEffects xmlns="" xmlns:a14="http://schemas.microsoft.com/office/drawing/2010/main">
-                    <a:effectLst>
-                      <a:outerShdw blurRad="63500" dist="38099" dir="2700000" algn="ctr" rotWithShape="0">
-                        <a:schemeClr val="bg2">
-                          <a:alpha val="74998"/>
-                        </a:schemeClr>
-                      </a:outerShdw>
-                    </a:effectLst>
-                  </a14:hiddenEffects>
-                </a:ext>
-              </a:extLst>
-            </p:spPr>
-          </p:cxnSp>
-          <p:cxnSp>
-            <p:nvCxnSpPr>
-              <p:cNvPr id="26632" name="Straight Connector 26631"/>
-              <p:cNvCxnSpPr>
-                <a:stCxn id="7" idx="2"/>
-                <a:endCxn id="19" idx="0"/>
-              </p:cNvCxnSpPr>
-              <p:nvPr/>
-            </p:nvCxnSpPr>
-            <p:spPr bwMode="auto">
-              <a:xfrm>
-                <a:off x="7658360" y="6324600"/>
-                <a:ext cx="27698" cy="149423"/>
-              </a:xfrm>
-              <a:prstGeom prst="line">
-                <a:avLst/>
-              </a:prstGeom>
-              <a:solidFill>
-                <a:schemeClr val="accent1"/>
-              </a:solidFill>
-              <a:ln w="9525" cap="flat" cmpd="sng" algn="ctr">
-                <a:solidFill>
-                  <a:schemeClr val="tx1"/>
-                </a:solidFill>
-                <a:prstDash val="solid"/>
-                <a:round/>
-                <a:headEnd type="none" w="med" len="med"/>
-                <a:tailEnd type="none" w="med" len="med"/>
-              </a:ln>
-              <a:effectLst/>
-              <a:extLst>
-                <a:ext uri="{AF507438-7753-43e0-B8FC-AC1667EBCBE1}">
-                  <a14:hiddenEffects xmlns="" xmlns:a14="http://schemas.microsoft.com/office/drawing/2010/main">
-                    <a:effectLst>
-                      <a:outerShdw blurRad="63500" dist="38099" dir="2700000" algn="ctr" rotWithShape="0">
-                        <a:schemeClr val="bg2">
-                          <a:alpha val="74998"/>
-                        </a:schemeClr>
-                      </a:outerShdw>
-                    </a:effectLst>
-                  </a14:hiddenEffects>
-                </a:ext>
-              </a:extLst>
-            </p:spPr>
-          </p:cxnSp>
-          <p:sp>
-            <p:nvSpPr>
-              <p:cNvPr id="26636" name="TextBox 26635"/>
-              <p:cNvSpPr txBox="1"/>
-              <p:nvPr/>
-            </p:nvSpPr>
-            <p:spPr>
-              <a:xfrm>
-                <a:off x="6248400" y="5541238"/>
-                <a:ext cx="289512" cy="307777"/>
-              </a:xfrm>
-              <a:prstGeom prst="rect">
-                <a:avLst/>
-              </a:prstGeom>
-              <a:noFill/>
-            </p:spPr>
-            <p:txBody>
-              <a:bodyPr wrap="none" rtlCol="0">
-                <a:spAutoFit/>
-              </a:bodyPr>
-              <a:lstStyle/>
-              <a:p>
-                <a:r>
-                  <a:rPr lang="en-US" dirty="0" smtClean="0"/>
-                  <a:t>+</a:t>
-                </a:r>
-                <a:endParaRPr lang="en-US" dirty="0"/>
-              </a:p>
-            </p:txBody>
-          </p:sp>
-          <p:cxnSp>
-            <p:nvCxnSpPr>
-              <p:cNvPr id="26638" name="Straight Connector 26637"/>
-              <p:cNvCxnSpPr>
-                <a:stCxn id="16" idx="2"/>
-                <a:endCxn id="26636" idx="0"/>
-              </p:cNvCxnSpPr>
-              <p:nvPr/>
-            </p:nvCxnSpPr>
-            <p:spPr bwMode="auto">
-              <a:xfrm flipH="1">
-                <a:off x="6393156" y="5336977"/>
-                <a:ext cx="794085" cy="204261"/>
-              </a:xfrm>
-              <a:prstGeom prst="line">
-                <a:avLst/>
-              </a:prstGeom>
-              <a:solidFill>
-                <a:schemeClr val="accent1"/>
-              </a:solidFill>
-              <a:ln w="9525" cap="flat" cmpd="sng" algn="ctr">
-                <a:solidFill>
-                  <a:schemeClr val="tx1"/>
-                </a:solidFill>
-                <a:prstDash val="solid"/>
-                <a:round/>
-                <a:headEnd type="none" w="med" len="med"/>
-                <a:tailEnd type="none" w="med" len="med"/>
-              </a:ln>
-              <a:effectLst/>
-              <a:extLst>
-                <a:ext uri="{AF507438-7753-43e0-B8FC-AC1667EBCBE1}">
-                  <a14:hiddenEffects xmlns="" xmlns:a14="http://schemas.microsoft.com/office/drawing/2010/main">
-                    <a:effectLst>
-                      <a:outerShdw blurRad="63500" dist="38099" dir="2700000" algn="ctr" rotWithShape="0">
-                        <a:schemeClr val="bg2">
-                          <a:alpha val="74998"/>
-                        </a:schemeClr>
-                      </a:outerShdw>
-                    </a:effectLst>
-                  </a14:hiddenEffects>
-                </a:ext>
-              </a:extLst>
-            </p:spPr>
-          </p:cxnSp>
-        </p:grpSp>
-      </p:grpSp>
+          <a:prstGeom prst="rect">
+            <a:avLst/>
+          </a:prstGeom>
+          <a:noFill/>
+        </p:spPr>
+        <p:txBody>
+          <a:bodyPr wrap="none" rtlCol="0">
+            <a:spAutoFit/>
+          </a:bodyPr>
+          <a:lstStyle/>
+          <a:p>
+            <a:r>
+              <a:rPr lang="en-US" dirty="0" err="1" smtClean="0"/>
+              <a:t>prog</a:t>
+            </a:r>
+            <a:endParaRPr lang="en-US" dirty="0"/>
+          </a:p>
+        </p:txBody>
+      </p:sp>
+      <p:sp>
+        <p:nvSpPr>
+          <p:cNvPr id="13" name="TextBox 12"/>
+          <p:cNvSpPr txBox="1"/>
+          <p:nvPr/>
+        </p:nvSpPr>
+        <p:spPr>
+          <a:xfrm>
+            <a:off x="5454738" y="4572000"/>
+            <a:ext cx="530915" cy="307777"/>
+          </a:xfrm>
+          <a:prstGeom prst="rect">
+            <a:avLst/>
+          </a:prstGeom>
+          <a:noFill/>
+        </p:spPr>
+        <p:txBody>
+          <a:bodyPr wrap="none" rtlCol="0">
+            <a:spAutoFit/>
+          </a:bodyPr>
+          <a:lstStyle/>
+          <a:p>
+            <a:r>
+              <a:rPr lang="en-US" dirty="0" err="1"/>
+              <a:t>s</a:t>
+            </a:r>
+            <a:r>
+              <a:rPr lang="en-US" dirty="0" err="1" smtClean="0"/>
+              <a:t>tmt</a:t>
+            </a:r>
+            <a:endParaRPr lang="en-US" dirty="0"/>
+          </a:p>
+        </p:txBody>
+      </p:sp>
+      <p:sp>
+        <p:nvSpPr>
+          <p:cNvPr id="14" name="TextBox 13"/>
+          <p:cNvSpPr txBox="1"/>
+          <p:nvPr/>
+        </p:nvSpPr>
+        <p:spPr>
+          <a:xfrm>
+            <a:off x="4865532" y="5105400"/>
+            <a:ext cx="284515" cy="307777"/>
+          </a:xfrm>
+          <a:prstGeom prst="rect">
+            <a:avLst/>
+          </a:prstGeom>
+          <a:noFill/>
+        </p:spPr>
+        <p:txBody>
+          <a:bodyPr wrap="none" rtlCol="0">
+            <a:spAutoFit/>
+          </a:bodyPr>
+          <a:lstStyle/>
+          <a:p>
+            <a:r>
+              <a:rPr lang="en-US" dirty="0"/>
+              <a:t>p</a:t>
+            </a:r>
+          </a:p>
+        </p:txBody>
+      </p:sp>
+      <p:sp>
+        <p:nvSpPr>
+          <p:cNvPr id="16" name="TextBox 15"/>
+          <p:cNvSpPr txBox="1"/>
+          <p:nvPr/>
+        </p:nvSpPr>
+        <p:spPr>
+          <a:xfrm>
+            <a:off x="5502374" y="5105400"/>
+            <a:ext cx="474133" cy="307777"/>
+          </a:xfrm>
+          <a:prstGeom prst="rect">
+            <a:avLst/>
+          </a:prstGeom>
+          <a:noFill/>
+        </p:spPr>
+        <p:txBody>
+          <a:bodyPr wrap="none" rtlCol="0">
+            <a:spAutoFit/>
+          </a:bodyPr>
+          <a:lstStyle/>
+          <a:p>
+            <a:r>
+              <a:rPr lang="en-US" dirty="0" err="1" smtClean="0"/>
+              <a:t>exp</a:t>
+            </a:r>
+            <a:endParaRPr lang="en-US" dirty="0"/>
+          </a:p>
+        </p:txBody>
+      </p:sp>
+      <p:sp>
+        <p:nvSpPr>
+          <p:cNvPr id="17" name="TextBox 16"/>
+          <p:cNvSpPr txBox="1"/>
+          <p:nvPr/>
+        </p:nvSpPr>
+        <p:spPr>
+          <a:xfrm>
+            <a:off x="6328645" y="5105400"/>
+            <a:ext cx="234547" cy="307777"/>
+          </a:xfrm>
+          <a:prstGeom prst="rect">
+            <a:avLst/>
+          </a:prstGeom>
+          <a:noFill/>
+        </p:spPr>
+        <p:txBody>
+          <a:bodyPr wrap="none" rtlCol="0">
+            <a:spAutoFit/>
+          </a:bodyPr>
+          <a:lstStyle/>
+          <a:p>
+            <a:r>
+              <a:rPr lang="en-US" dirty="0" smtClean="0"/>
+              <a:t>;</a:t>
+            </a:r>
+            <a:endParaRPr lang="en-US" dirty="0"/>
+          </a:p>
+        </p:txBody>
+      </p:sp>
+      <p:sp>
+        <p:nvSpPr>
+          <p:cNvPr id="18" name="TextBox 17"/>
+          <p:cNvSpPr txBox="1"/>
+          <p:nvPr/>
+        </p:nvSpPr>
+        <p:spPr>
+          <a:xfrm>
+            <a:off x="5334000" y="6550223"/>
+            <a:ext cx="274434" cy="307777"/>
+          </a:xfrm>
+          <a:prstGeom prst="rect">
+            <a:avLst/>
+          </a:prstGeom>
+          <a:noFill/>
+        </p:spPr>
+        <p:txBody>
+          <a:bodyPr wrap="none" rtlCol="0">
+            <a:spAutoFit/>
+          </a:bodyPr>
+          <a:lstStyle/>
+          <a:p>
+            <a:r>
+              <a:rPr lang="en-US" dirty="0" smtClean="0"/>
+              <a:t>x</a:t>
+            </a:r>
+            <a:endParaRPr lang="en-US" dirty="0"/>
+          </a:p>
+        </p:txBody>
+      </p:sp>
+      <p:sp>
+        <p:nvSpPr>
+          <p:cNvPr id="19" name="TextBox 18"/>
+          <p:cNvSpPr txBox="1"/>
+          <p:nvPr/>
+        </p:nvSpPr>
+        <p:spPr>
+          <a:xfrm>
+            <a:off x="6096000" y="6550223"/>
+            <a:ext cx="284515" cy="307777"/>
+          </a:xfrm>
+          <a:prstGeom prst="rect">
+            <a:avLst/>
+          </a:prstGeom>
+          <a:noFill/>
+        </p:spPr>
+        <p:txBody>
+          <a:bodyPr wrap="none" rtlCol="0">
+            <a:spAutoFit/>
+          </a:bodyPr>
+          <a:lstStyle/>
+          <a:p>
+            <a:r>
+              <a:rPr lang="en-US" dirty="0"/>
+              <a:t>1</a:t>
+            </a:r>
+          </a:p>
+        </p:txBody>
+      </p:sp>
+      <p:cxnSp>
+        <p:nvCxnSpPr>
+          <p:cNvPr id="21" name="Straight Connector 20"/>
+          <p:cNvCxnSpPr>
+            <a:stCxn id="13" idx="2"/>
+            <a:endCxn id="14" idx="0"/>
+          </p:cNvCxnSpPr>
+          <p:nvPr/>
+        </p:nvCxnSpPr>
+        <p:spPr bwMode="auto">
+          <a:xfrm flipH="1">
+            <a:off x="5007790" y="4879777"/>
+            <a:ext cx="712406" cy="225623"/>
+          </a:xfrm>
+          <a:prstGeom prst="line">
+            <a:avLst/>
+          </a:prstGeom>
+          <a:solidFill>
+            <a:schemeClr val="accent1"/>
+          </a:solidFill>
+          <a:ln w="9525" cap="flat" cmpd="sng" algn="ctr">
+            <a:solidFill>
+              <a:schemeClr val="tx1"/>
+            </a:solidFill>
+            <a:prstDash val="solid"/>
+            <a:round/>
+            <a:headEnd type="none" w="med" len="med"/>
+            <a:tailEnd type="none" w="med" len="med"/>
+          </a:ln>
+          <a:effectLst/>
+          <a:extLst>
+            <a:ext uri="{AF507438-7753-43e0-B8FC-AC1667EBCBE1}">
+              <a14:hiddenEffects xmlns:a14="http://schemas.microsoft.com/office/drawing/2010/main" xmlns="">
+                <a:effectLst>
+                  <a:outerShdw blurRad="63500" dist="38099" dir="2700000" algn="ctr" rotWithShape="0">
+                    <a:schemeClr val="bg2">
+                      <a:alpha val="74998"/>
+                    </a:schemeClr>
+                  </a:outerShdw>
+                </a:effectLst>
+              </a14:hiddenEffects>
+            </a:ext>
+          </a:extLst>
+        </p:spPr>
+      </p:cxnSp>
+      <p:cxnSp>
+        <p:nvCxnSpPr>
+          <p:cNvPr id="23" name="Straight Connector 22"/>
+          <p:cNvCxnSpPr>
+            <a:stCxn id="13" idx="2"/>
+            <a:endCxn id="16" idx="0"/>
+          </p:cNvCxnSpPr>
+          <p:nvPr/>
+        </p:nvCxnSpPr>
+        <p:spPr bwMode="auto">
+          <a:xfrm>
+            <a:off x="5720196" y="4879777"/>
+            <a:ext cx="19245" cy="225623"/>
+          </a:xfrm>
+          <a:prstGeom prst="line">
+            <a:avLst/>
+          </a:prstGeom>
+          <a:solidFill>
+            <a:schemeClr val="accent1"/>
+          </a:solidFill>
+          <a:ln w="9525" cap="flat" cmpd="sng" algn="ctr">
+            <a:solidFill>
+              <a:schemeClr val="tx1"/>
+            </a:solidFill>
+            <a:prstDash val="solid"/>
+            <a:round/>
+            <a:headEnd type="none" w="med" len="med"/>
+            <a:tailEnd type="none" w="med" len="med"/>
+          </a:ln>
+          <a:effectLst/>
+          <a:extLst>
+            <a:ext uri="{AF507438-7753-43e0-B8FC-AC1667EBCBE1}">
+              <a14:hiddenEffects xmlns:a14="http://schemas.microsoft.com/office/drawing/2010/main" xmlns="">
+                <a:effectLst>
+                  <a:outerShdw blurRad="63500" dist="38099" dir="2700000" algn="ctr" rotWithShape="0">
+                    <a:schemeClr val="bg2">
+                      <a:alpha val="74998"/>
+                    </a:schemeClr>
+                  </a:outerShdw>
+                </a:effectLst>
+              </a14:hiddenEffects>
+            </a:ext>
+          </a:extLst>
+        </p:spPr>
+      </p:cxnSp>
+      <p:cxnSp>
+        <p:nvCxnSpPr>
+          <p:cNvPr id="24" name="Straight Connector 23"/>
+          <p:cNvCxnSpPr>
+            <a:stCxn id="13" idx="2"/>
+            <a:endCxn id="17" idx="0"/>
+          </p:cNvCxnSpPr>
+          <p:nvPr/>
+        </p:nvCxnSpPr>
+        <p:spPr bwMode="auto">
+          <a:xfrm>
+            <a:off x="5720196" y="4879777"/>
+            <a:ext cx="725723" cy="225623"/>
+          </a:xfrm>
+          <a:prstGeom prst="line">
+            <a:avLst/>
+          </a:prstGeom>
+          <a:solidFill>
+            <a:schemeClr val="accent1"/>
+          </a:solidFill>
+          <a:ln w="9525" cap="flat" cmpd="sng" algn="ctr">
+            <a:solidFill>
+              <a:schemeClr val="tx1"/>
+            </a:solidFill>
+            <a:prstDash val="solid"/>
+            <a:round/>
+            <a:headEnd type="none" w="med" len="med"/>
+            <a:tailEnd type="none" w="med" len="med"/>
+          </a:ln>
+          <a:effectLst/>
+          <a:extLst>
+            <a:ext uri="{AF507438-7753-43e0-B8FC-AC1667EBCBE1}">
+              <a14:hiddenEffects xmlns:a14="http://schemas.microsoft.com/office/drawing/2010/main" xmlns="">
+                <a:effectLst>
+                  <a:outerShdw blurRad="63500" dist="38099" dir="2700000" algn="ctr" rotWithShape="0">
+                    <a:schemeClr val="bg2">
+                      <a:alpha val="74998"/>
+                    </a:schemeClr>
+                  </a:outerShdw>
+                </a:effectLst>
+              </a14:hiddenEffects>
+            </a:ext>
+          </a:extLst>
+        </p:spPr>
+      </p:cxnSp>
+      <p:sp>
+        <p:nvSpPr>
+          <p:cNvPr id="4" name="TextBox 3"/>
+          <p:cNvSpPr txBox="1"/>
+          <p:nvPr/>
+        </p:nvSpPr>
+        <p:spPr>
+          <a:xfrm>
+            <a:off x="5181600" y="5562600"/>
+            <a:ext cx="474133" cy="307777"/>
+          </a:xfrm>
+          <a:prstGeom prst="rect">
+            <a:avLst/>
+          </a:prstGeom>
+          <a:noFill/>
+        </p:spPr>
+        <p:txBody>
+          <a:bodyPr wrap="none" rtlCol="0">
+            <a:spAutoFit/>
+          </a:bodyPr>
+          <a:lstStyle/>
+          <a:p>
+            <a:r>
+              <a:rPr lang="en-US" dirty="0" err="1" smtClean="0"/>
+              <a:t>exp</a:t>
+            </a:r>
+            <a:endParaRPr lang="en-US" dirty="0"/>
+          </a:p>
+        </p:txBody>
+      </p:sp>
+      <p:sp>
+        <p:nvSpPr>
+          <p:cNvPr id="5" name="TextBox 4"/>
+          <p:cNvSpPr txBox="1"/>
+          <p:nvPr/>
+        </p:nvSpPr>
+        <p:spPr>
+          <a:xfrm>
+            <a:off x="5929169" y="5544120"/>
+            <a:ext cx="474133" cy="307777"/>
+          </a:xfrm>
+          <a:prstGeom prst="rect">
+            <a:avLst/>
+          </a:prstGeom>
+          <a:noFill/>
+        </p:spPr>
+        <p:txBody>
+          <a:bodyPr wrap="none" rtlCol="0">
+            <a:spAutoFit/>
+          </a:bodyPr>
+          <a:lstStyle/>
+          <a:p>
+            <a:r>
+              <a:rPr lang="en-US" dirty="0" err="1" smtClean="0"/>
+              <a:t>exp</a:t>
+            </a:r>
+            <a:endParaRPr lang="en-US" dirty="0"/>
+          </a:p>
+        </p:txBody>
+      </p:sp>
+      <p:sp>
+        <p:nvSpPr>
+          <p:cNvPr id="6" name="TextBox 5"/>
+          <p:cNvSpPr txBox="1"/>
+          <p:nvPr/>
+        </p:nvSpPr>
+        <p:spPr>
+          <a:xfrm>
+            <a:off x="5105400" y="6096000"/>
+            <a:ext cx="684803" cy="307777"/>
+          </a:xfrm>
+          <a:prstGeom prst="rect">
+            <a:avLst/>
+          </a:prstGeom>
+          <a:noFill/>
+        </p:spPr>
+        <p:txBody>
+          <a:bodyPr wrap="none" rtlCol="0">
+            <a:spAutoFit/>
+          </a:bodyPr>
+          <a:lstStyle/>
+          <a:p>
+            <a:r>
+              <a:rPr lang="en-US" dirty="0" err="1" smtClean="0"/>
+              <a:t>rhsvar</a:t>
+            </a:r>
+            <a:endParaRPr lang="en-US" dirty="0"/>
+          </a:p>
+        </p:txBody>
+      </p:sp>
+      <p:sp>
+        <p:nvSpPr>
+          <p:cNvPr id="7" name="TextBox 6"/>
+          <p:cNvSpPr txBox="1"/>
+          <p:nvPr/>
+        </p:nvSpPr>
+        <p:spPr>
+          <a:xfrm>
+            <a:off x="5943600" y="6093023"/>
+            <a:ext cx="533920" cy="307777"/>
+          </a:xfrm>
+          <a:prstGeom prst="rect">
+            <a:avLst/>
+          </a:prstGeom>
+          <a:noFill/>
+        </p:spPr>
+        <p:txBody>
+          <a:bodyPr wrap="none" rtlCol="0">
+            <a:spAutoFit/>
+          </a:bodyPr>
+          <a:lstStyle/>
+          <a:p>
+            <a:r>
+              <a:rPr lang="en-US" dirty="0" err="1" smtClean="0"/>
+              <a:t>num</a:t>
+            </a:r>
+            <a:endParaRPr lang="en-US" dirty="0"/>
+          </a:p>
+        </p:txBody>
+      </p:sp>
+      <p:cxnSp>
+        <p:nvCxnSpPr>
+          <p:cNvPr id="11" name="Straight Connector 10"/>
+          <p:cNvCxnSpPr>
+            <a:stCxn id="16" idx="2"/>
+            <a:endCxn id="4" idx="0"/>
+          </p:cNvCxnSpPr>
+          <p:nvPr/>
+        </p:nvCxnSpPr>
+        <p:spPr bwMode="auto">
+          <a:xfrm flipH="1">
+            <a:off x="5418667" y="5413177"/>
+            <a:ext cx="320774" cy="149423"/>
+          </a:xfrm>
+          <a:prstGeom prst="line">
+            <a:avLst/>
+          </a:prstGeom>
+          <a:solidFill>
+            <a:schemeClr val="accent1"/>
+          </a:solidFill>
+          <a:ln w="9525" cap="flat" cmpd="sng" algn="ctr">
+            <a:solidFill>
+              <a:schemeClr val="tx1"/>
+            </a:solidFill>
+            <a:prstDash val="solid"/>
+            <a:round/>
+            <a:headEnd type="none" w="med" len="med"/>
+            <a:tailEnd type="none" w="med" len="med"/>
+          </a:ln>
+          <a:effectLst/>
+          <a:extLst>
+            <a:ext uri="{AF507438-7753-43e0-B8FC-AC1667EBCBE1}">
+              <a14:hiddenEffects xmlns:a14="http://schemas.microsoft.com/office/drawing/2010/main" xmlns="">
+                <a:effectLst>
+                  <a:outerShdw blurRad="63500" dist="38099" dir="2700000" algn="ctr" rotWithShape="0">
+                    <a:schemeClr val="bg2">
+                      <a:alpha val="74998"/>
+                    </a:schemeClr>
+                  </a:outerShdw>
+                </a:effectLst>
+              </a14:hiddenEffects>
+            </a:ext>
+          </a:extLst>
+        </p:spPr>
+      </p:cxnSp>
+      <p:cxnSp>
+        <p:nvCxnSpPr>
+          <p:cNvPr id="28" name="Straight Connector 27"/>
+          <p:cNvCxnSpPr>
+            <a:stCxn id="16" idx="2"/>
+            <a:endCxn id="5" idx="0"/>
+          </p:cNvCxnSpPr>
+          <p:nvPr/>
+        </p:nvCxnSpPr>
+        <p:spPr bwMode="auto">
+          <a:xfrm>
+            <a:off x="5739441" y="5413177"/>
+            <a:ext cx="426795" cy="130943"/>
+          </a:xfrm>
+          <a:prstGeom prst="line">
+            <a:avLst/>
+          </a:prstGeom>
+          <a:solidFill>
+            <a:schemeClr val="accent1"/>
+          </a:solidFill>
+          <a:ln w="9525" cap="flat" cmpd="sng" algn="ctr">
+            <a:solidFill>
+              <a:schemeClr val="tx1"/>
+            </a:solidFill>
+            <a:prstDash val="solid"/>
+            <a:round/>
+            <a:headEnd type="none" w="med" len="med"/>
+            <a:tailEnd type="none" w="med" len="med"/>
+          </a:ln>
+          <a:effectLst/>
+          <a:extLst>
+            <a:ext uri="{AF507438-7753-43e0-B8FC-AC1667EBCBE1}">
+              <a14:hiddenEffects xmlns:a14="http://schemas.microsoft.com/office/drawing/2010/main" xmlns="">
+                <a:effectLst>
+                  <a:outerShdw blurRad="63500" dist="38099" dir="2700000" algn="ctr" rotWithShape="0">
+                    <a:schemeClr val="bg2">
+                      <a:alpha val="74998"/>
+                    </a:schemeClr>
+                  </a:outerShdw>
+                </a:effectLst>
+              </a14:hiddenEffects>
+            </a:ext>
+          </a:extLst>
+        </p:spPr>
+      </p:cxnSp>
+      <p:cxnSp>
+        <p:nvCxnSpPr>
+          <p:cNvPr id="30" name="Straight Connector 29"/>
+          <p:cNvCxnSpPr>
+            <a:stCxn id="4" idx="2"/>
+            <a:endCxn id="6" idx="0"/>
+          </p:cNvCxnSpPr>
+          <p:nvPr/>
+        </p:nvCxnSpPr>
+        <p:spPr bwMode="auto">
+          <a:xfrm>
+            <a:off x="5418667" y="5870377"/>
+            <a:ext cx="29135" cy="225623"/>
+          </a:xfrm>
+          <a:prstGeom prst="line">
+            <a:avLst/>
+          </a:prstGeom>
+          <a:solidFill>
+            <a:schemeClr val="accent1"/>
+          </a:solidFill>
+          <a:ln w="9525" cap="flat" cmpd="sng" algn="ctr">
+            <a:solidFill>
+              <a:schemeClr val="tx1"/>
+            </a:solidFill>
+            <a:prstDash val="solid"/>
+            <a:round/>
+            <a:headEnd type="none" w="med" len="med"/>
+            <a:tailEnd type="none" w="med" len="med"/>
+          </a:ln>
+          <a:effectLst/>
+          <a:extLst>
+            <a:ext uri="{AF507438-7753-43e0-B8FC-AC1667EBCBE1}">
+              <a14:hiddenEffects xmlns:a14="http://schemas.microsoft.com/office/drawing/2010/main" xmlns="">
+                <a:effectLst>
+                  <a:outerShdw blurRad="63500" dist="38099" dir="2700000" algn="ctr" rotWithShape="0">
+                    <a:schemeClr val="bg2">
+                      <a:alpha val="74998"/>
+                    </a:schemeClr>
+                  </a:outerShdw>
+                </a:effectLst>
+              </a14:hiddenEffects>
+            </a:ext>
+          </a:extLst>
+        </p:spPr>
+      </p:cxnSp>
+      <p:cxnSp>
+        <p:nvCxnSpPr>
+          <p:cNvPr id="26624" name="Straight Connector 26623"/>
+          <p:cNvCxnSpPr>
+            <a:stCxn id="5" idx="2"/>
+            <a:endCxn id="7" idx="0"/>
+          </p:cNvCxnSpPr>
+          <p:nvPr/>
+        </p:nvCxnSpPr>
+        <p:spPr bwMode="auto">
+          <a:xfrm>
+            <a:off x="6166236" y="5851897"/>
+            <a:ext cx="44324" cy="241126"/>
+          </a:xfrm>
+          <a:prstGeom prst="line">
+            <a:avLst/>
+          </a:prstGeom>
+          <a:solidFill>
+            <a:schemeClr val="accent1"/>
+          </a:solidFill>
+          <a:ln w="9525" cap="flat" cmpd="sng" algn="ctr">
+            <a:solidFill>
+              <a:schemeClr val="tx1"/>
+            </a:solidFill>
+            <a:prstDash val="solid"/>
+            <a:round/>
+            <a:headEnd type="none" w="med" len="med"/>
+            <a:tailEnd type="none" w="med" len="med"/>
+          </a:ln>
+          <a:effectLst/>
+          <a:extLst>
+            <a:ext uri="{AF507438-7753-43e0-B8FC-AC1667EBCBE1}">
+              <a14:hiddenEffects xmlns:a14="http://schemas.microsoft.com/office/drawing/2010/main" xmlns="">
+                <a:effectLst>
+                  <a:outerShdw blurRad="63500" dist="38099" dir="2700000" algn="ctr" rotWithShape="0">
+                    <a:schemeClr val="bg2">
+                      <a:alpha val="74998"/>
+                    </a:schemeClr>
+                  </a:outerShdw>
+                </a:effectLst>
+              </a14:hiddenEffects>
+            </a:ext>
+          </a:extLst>
+        </p:spPr>
+      </p:cxnSp>
+      <p:cxnSp>
+        <p:nvCxnSpPr>
+          <p:cNvPr id="26626" name="Straight Connector 26625"/>
+          <p:cNvCxnSpPr>
+            <a:stCxn id="6" idx="2"/>
+            <a:endCxn id="18" idx="0"/>
+          </p:cNvCxnSpPr>
+          <p:nvPr/>
+        </p:nvCxnSpPr>
+        <p:spPr bwMode="auto">
+          <a:xfrm>
+            <a:off x="5447802" y="6403777"/>
+            <a:ext cx="23415" cy="146446"/>
+          </a:xfrm>
+          <a:prstGeom prst="line">
+            <a:avLst/>
+          </a:prstGeom>
+          <a:solidFill>
+            <a:schemeClr val="accent1"/>
+          </a:solidFill>
+          <a:ln w="9525" cap="flat" cmpd="sng" algn="ctr">
+            <a:solidFill>
+              <a:schemeClr val="tx1"/>
+            </a:solidFill>
+            <a:prstDash val="solid"/>
+            <a:round/>
+            <a:headEnd type="none" w="med" len="med"/>
+            <a:tailEnd type="none" w="med" len="med"/>
+          </a:ln>
+          <a:effectLst/>
+          <a:extLst>
+            <a:ext uri="{AF507438-7753-43e0-B8FC-AC1667EBCBE1}">
+              <a14:hiddenEffects xmlns:a14="http://schemas.microsoft.com/office/drawing/2010/main" xmlns="">
+                <a:effectLst>
+                  <a:outerShdw blurRad="63500" dist="38099" dir="2700000" algn="ctr" rotWithShape="0">
+                    <a:schemeClr val="bg2">
+                      <a:alpha val="74998"/>
+                    </a:schemeClr>
+                  </a:outerShdw>
+                </a:effectLst>
+              </a14:hiddenEffects>
+            </a:ext>
+          </a:extLst>
+        </p:spPr>
+      </p:cxnSp>
+      <p:cxnSp>
+        <p:nvCxnSpPr>
+          <p:cNvPr id="26632" name="Straight Connector 26631"/>
+          <p:cNvCxnSpPr>
+            <a:stCxn id="7" idx="2"/>
+            <a:endCxn id="19" idx="0"/>
+          </p:cNvCxnSpPr>
+          <p:nvPr/>
+        </p:nvCxnSpPr>
+        <p:spPr bwMode="auto">
+          <a:xfrm>
+            <a:off x="6210560" y="6400800"/>
+            <a:ext cx="27698" cy="149423"/>
+          </a:xfrm>
+          <a:prstGeom prst="line">
+            <a:avLst/>
+          </a:prstGeom>
+          <a:solidFill>
+            <a:schemeClr val="accent1"/>
+          </a:solidFill>
+          <a:ln w="9525" cap="flat" cmpd="sng" algn="ctr">
+            <a:solidFill>
+              <a:schemeClr val="tx1"/>
+            </a:solidFill>
+            <a:prstDash val="solid"/>
+            <a:round/>
+            <a:headEnd type="none" w="med" len="med"/>
+            <a:tailEnd type="none" w="med" len="med"/>
+          </a:ln>
+          <a:effectLst/>
+          <a:extLst>
+            <a:ext uri="{AF507438-7753-43e0-B8FC-AC1667EBCBE1}">
+              <a14:hiddenEffects xmlns:a14="http://schemas.microsoft.com/office/drawing/2010/main" xmlns="">
+                <a:effectLst>
+                  <a:outerShdw blurRad="63500" dist="38099" dir="2700000" algn="ctr" rotWithShape="0">
+                    <a:schemeClr val="bg2">
+                      <a:alpha val="74998"/>
+                    </a:schemeClr>
+                  </a:outerShdw>
+                </a:effectLst>
+              </a14:hiddenEffects>
+            </a:ext>
+          </a:extLst>
+        </p:spPr>
+      </p:cxnSp>
+      <p:sp>
+        <p:nvSpPr>
+          <p:cNvPr id="26636" name="TextBox 26635"/>
+          <p:cNvSpPr txBox="1"/>
+          <p:nvPr/>
+        </p:nvSpPr>
+        <p:spPr>
+          <a:xfrm>
+            <a:off x="4800600" y="5617438"/>
+            <a:ext cx="289512" cy="307777"/>
+          </a:xfrm>
+          <a:prstGeom prst="rect">
+            <a:avLst/>
+          </a:prstGeom>
+          <a:noFill/>
+        </p:spPr>
+        <p:txBody>
+          <a:bodyPr wrap="none" rtlCol="0">
+            <a:spAutoFit/>
+          </a:bodyPr>
+          <a:lstStyle/>
+          <a:p>
+            <a:r>
+              <a:rPr lang="en-US" dirty="0" smtClean="0"/>
+              <a:t>+</a:t>
+            </a:r>
+            <a:endParaRPr lang="en-US" dirty="0"/>
+          </a:p>
+        </p:txBody>
+      </p:sp>
+      <p:cxnSp>
+        <p:nvCxnSpPr>
+          <p:cNvPr id="26638" name="Straight Connector 26637"/>
+          <p:cNvCxnSpPr>
+            <a:stCxn id="16" idx="2"/>
+            <a:endCxn id="26636" idx="0"/>
+          </p:cNvCxnSpPr>
+          <p:nvPr/>
+        </p:nvCxnSpPr>
+        <p:spPr bwMode="auto">
+          <a:xfrm flipH="1">
+            <a:off x="4945356" y="5413177"/>
+            <a:ext cx="794085" cy="204261"/>
+          </a:xfrm>
+          <a:prstGeom prst="line">
+            <a:avLst/>
+          </a:prstGeom>
+          <a:solidFill>
+            <a:schemeClr val="accent1"/>
+          </a:solidFill>
+          <a:ln w="9525" cap="flat" cmpd="sng" algn="ctr">
+            <a:solidFill>
+              <a:schemeClr val="tx1"/>
+            </a:solidFill>
+            <a:prstDash val="solid"/>
+            <a:round/>
+            <a:headEnd type="none" w="med" len="med"/>
+            <a:tailEnd type="none" w="med" len="med"/>
+          </a:ln>
+          <a:effectLst/>
+          <a:extLst>
+            <a:ext uri="{AF507438-7753-43e0-B8FC-AC1667EBCBE1}">
+              <a14:hiddenEffects xmlns:a14="http://schemas.microsoft.com/office/drawing/2010/main" xmlns="">
+                <a:effectLst>
+                  <a:outerShdw blurRad="63500" dist="38099" dir="2700000" algn="ctr" rotWithShape="0">
+                    <a:schemeClr val="bg2">
+                      <a:alpha val="74998"/>
+                    </a:schemeClr>
+                  </a:outerShdw>
+                </a:effectLst>
+              </a14:hiddenEffects>
+            </a:ext>
+          </a:extLst>
+        </p:spPr>
+      </p:cxnSp>
       <p:sp>
         <p:nvSpPr>
           <p:cNvPr id="33" name="Text Box 4"/>
@@ -17868,8 +19015,8 @@
         </p:nvSpPr>
         <p:spPr bwMode="auto">
           <a:xfrm>
-            <a:off x="381000" y="2928878"/>
-            <a:ext cx="2133600" cy="2246769"/>
+            <a:off x="416731" y="3680192"/>
+            <a:ext cx="2547348" cy="2092881"/>
           </a:xfrm>
           <a:prstGeom prst="rect">
             <a:avLst/>
@@ -17885,7 +19032,7 @@
           </a:ln>
           <a:extLst>
             <a:ext uri="{909E8E84-426E-40dd-AFC4-6F175D3DCCD1}">
-              <a14:hiddenFill xmlns="" xmlns:a14="http://schemas.microsoft.com/office/drawing/2010/main">
+              <a14:hiddenFill xmlns:a14="http://schemas.microsoft.com/office/drawing/2010/main" xmlns="">
                 <a:solidFill>
                   <a:schemeClr val="accent1"/>
                 </a:solidFill>
@@ -17900,354 +19047,347 @@
           <a:lstStyle/>
           <a:p>
             <a:r>
-              <a:rPr lang="en-US" sz="1000" dirty="0" err="1">
-                <a:latin typeface="Courier New"/>
-                <a:cs typeface="Courier New"/>
+              <a:rPr lang="is-IS" sz="1000" dirty="0">
+                <a:solidFill>
+                  <a:srgbClr val="BA2DA2"/>
+                </a:solidFill>
+                <a:latin typeface="Menlo" charset="0"/>
               </a:rPr>
               <a:t>def</a:t>
             </a:r>
             <a:r>
-              <a:rPr lang="en-US" sz="1000" dirty="0">
-                <a:latin typeface="Courier New"/>
-                <a:cs typeface="Courier New"/>
-              </a:rPr>
-              <a:t> </a:t>
-            </a:r>
-            <a:r>
-              <a:rPr lang="en-US" sz="1000" dirty="0" err="1">
-                <a:latin typeface="Courier New"/>
-                <a:cs typeface="Courier New"/>
-              </a:rPr>
-              <a:t>stmt</a:t>
-            </a:r>
-            <a:r>
-              <a:rPr lang="en-US" sz="1000" dirty="0">
-                <a:latin typeface="Courier New"/>
-                <a:cs typeface="Courier New"/>
-              </a:rPr>
-              <a:t>():</a:t>
-            </a:r>
-          </a:p>
-          <a:p>
-            <a:r>
-              <a:rPr lang="en-US" sz="1000" dirty="0">
-                <a:latin typeface="Courier New"/>
-                <a:cs typeface="Courier New"/>
-              </a:rPr>
-              <a:t>    </a:t>
-            </a:r>
-            <a:r>
-              <a:rPr lang="en-US" sz="1000" dirty="0" err="1">
-                <a:latin typeface="Courier New"/>
-                <a:cs typeface="Courier New"/>
-              </a:rPr>
-              <a:t>sym</a:t>
-            </a:r>
-            <a:r>
-              <a:rPr lang="en-US" sz="1000" dirty="0">
-                <a:latin typeface="Courier New"/>
-                <a:cs typeface="Courier New"/>
-              </a:rPr>
-              <a:t> = </a:t>
-            </a:r>
-            <a:r>
-              <a:rPr lang="en-US" sz="1000" dirty="0" err="1">
-                <a:latin typeface="Courier New"/>
-                <a:cs typeface="Courier New"/>
-              </a:rPr>
-              <a:t>I.pointer</a:t>
-            </a:r>
-            <a:r>
-              <a:rPr lang="en-US" sz="1000" dirty="0">
-                <a:latin typeface="Courier New"/>
-                <a:cs typeface="Courier New"/>
-              </a:rPr>
-              <a:t>()</a:t>
-            </a:r>
-          </a:p>
-          <a:p>
-            <a:r>
-              <a:rPr lang="en-US" sz="1000" dirty="0">
-                <a:latin typeface="Courier New"/>
-                <a:cs typeface="Courier New"/>
-              </a:rPr>
-              <a:t>    if </a:t>
-            </a:r>
-            <a:r>
-              <a:rPr lang="en-US" sz="1000" dirty="0" err="1">
-                <a:latin typeface="Courier New"/>
-                <a:cs typeface="Courier New"/>
-              </a:rPr>
-              <a:t>sym</a:t>
-            </a:r>
-            <a:r>
-              <a:rPr lang="en-US" sz="1000" dirty="0">
-                <a:latin typeface="Courier New"/>
-                <a:cs typeface="Courier New"/>
-              </a:rPr>
-              <a:t> == 'p':</a:t>
-            </a:r>
-          </a:p>
-          <a:p>
-            <a:r>
-              <a:rPr lang="en-US" sz="1000" dirty="0">
-                <a:latin typeface="Courier New"/>
-                <a:cs typeface="Courier New"/>
-              </a:rPr>
-              <a:t>        </a:t>
-            </a:r>
-            <a:r>
-              <a:rPr lang="en-US" sz="1000" dirty="0" err="1">
-                <a:latin typeface="Courier New"/>
-                <a:cs typeface="Courier New"/>
-              </a:rPr>
-              <a:t>I.next</a:t>
-            </a:r>
-            <a:r>
-              <a:rPr lang="en-US" sz="1000" dirty="0">
-                <a:latin typeface="Courier New"/>
-                <a:cs typeface="Courier New"/>
-              </a:rPr>
-              <a:t>()</a:t>
-            </a:r>
-          </a:p>
-          <a:p>
-            <a:r>
-              <a:rPr lang="en-US" sz="1000" dirty="0">
-                <a:latin typeface="Courier New"/>
-                <a:cs typeface="Courier New"/>
-              </a:rPr>
-              <a:t>        </a:t>
-            </a:r>
-            <a:r>
-              <a:rPr lang="en-US" sz="1000" dirty="0" err="1">
-                <a:latin typeface="Courier New"/>
-                <a:cs typeface="Courier New"/>
-              </a:rPr>
-              <a:t>exp</a:t>
-            </a:r>
-            <a:r>
-              <a:rPr lang="en-US" sz="1000" dirty="0">
-                <a:latin typeface="Courier New"/>
-                <a:cs typeface="Courier New"/>
-              </a:rPr>
-              <a:t>()</a:t>
-            </a:r>
-          </a:p>
-          <a:p>
-            <a:r>
-              <a:rPr lang="en-US" sz="1000" dirty="0">
-                <a:latin typeface="Courier New"/>
-                <a:cs typeface="Courier New"/>
-              </a:rPr>
-              <a:t>        </a:t>
-            </a:r>
-            <a:r>
-              <a:rPr lang="en-US" sz="1000" dirty="0" err="1">
-                <a:latin typeface="Courier New"/>
-                <a:cs typeface="Courier New"/>
-              </a:rPr>
-              <a:t>I.next</a:t>
-            </a:r>
-            <a:r>
-              <a:rPr lang="en-US" sz="1000" dirty="0">
-                <a:latin typeface="Courier New"/>
-                <a:cs typeface="Courier New"/>
-              </a:rPr>
-              <a:t>() </a:t>
-            </a:r>
-            <a:r>
-              <a:rPr lang="en-US" sz="1000" dirty="0" smtClean="0">
-                <a:latin typeface="Courier New"/>
-                <a:cs typeface="Courier New"/>
-              </a:rPr>
-              <a:t># '</a:t>
-            </a:r>
-            <a:r>
-              <a:rPr lang="en-US" sz="1000" dirty="0">
-                <a:latin typeface="Courier New"/>
-                <a:cs typeface="Courier New"/>
-              </a:rPr>
-              <a:t>;'                                                                                </a:t>
-            </a:r>
-          </a:p>
-          <a:p>
-            <a:r>
-              <a:rPr lang="pl-PL" sz="1000" dirty="0">
-                <a:latin typeface="Courier New"/>
-                <a:cs typeface="Courier New"/>
-              </a:rPr>
-              <a:t>    </a:t>
-            </a:r>
-            <a:r>
-              <a:rPr lang="pl-PL" sz="1000" dirty="0" err="1">
-                <a:latin typeface="Courier New"/>
-                <a:cs typeface="Courier New"/>
+              <a:rPr lang="is-IS" sz="1000" dirty="0">
+                <a:solidFill>
+                  <a:srgbClr val="000000"/>
+                </a:solidFill>
+                <a:latin typeface="Menlo" charset="0"/>
+              </a:rPr>
+              <a:t> stmt():</a:t>
+            </a:r>
+          </a:p>
+          <a:p>
+            <a:r>
+              <a:rPr lang="is-IS" sz="1000" dirty="0">
+                <a:solidFill>
+                  <a:srgbClr val="000000"/>
+                </a:solidFill>
+                <a:latin typeface="Menlo" charset="0"/>
+              </a:rPr>
+              <a:t>    sym = I.pointer()</a:t>
+            </a:r>
+          </a:p>
+          <a:p>
+            <a:r>
+              <a:rPr lang="is-IS" sz="1000" dirty="0">
+                <a:solidFill>
+                  <a:srgbClr val="000000"/>
+                </a:solidFill>
+                <a:latin typeface="Menlo" charset="0"/>
+              </a:rPr>
+              <a:t>    </a:t>
+            </a:r>
+            <a:r>
+              <a:rPr lang="is-IS" sz="1000" dirty="0">
+                <a:solidFill>
+                  <a:srgbClr val="BA2DA2"/>
+                </a:solidFill>
+                <a:latin typeface="Menlo" charset="0"/>
+              </a:rPr>
+              <a:t>if</a:t>
+            </a:r>
+            <a:r>
+              <a:rPr lang="is-IS" sz="1000" dirty="0">
+                <a:solidFill>
+                  <a:srgbClr val="000000"/>
+                </a:solidFill>
+                <a:latin typeface="Menlo" charset="0"/>
+              </a:rPr>
+              <a:t> sym == </a:t>
+            </a:r>
+            <a:r>
+              <a:rPr lang="is-IS" sz="1000" dirty="0">
+                <a:solidFill>
+                  <a:srgbClr val="272AD8"/>
+                </a:solidFill>
+                <a:latin typeface="Menlo" charset="0"/>
+              </a:rPr>
+              <a:t>'p'</a:t>
+            </a:r>
+            <a:r>
+              <a:rPr lang="is-IS" sz="1000" dirty="0">
+                <a:solidFill>
+                  <a:srgbClr val="000000"/>
+                </a:solidFill>
+                <a:latin typeface="Menlo" charset="0"/>
+              </a:rPr>
+              <a:t>:</a:t>
+            </a:r>
+          </a:p>
+          <a:p>
+            <a:r>
+              <a:rPr lang="is-IS" sz="1000" dirty="0">
+                <a:solidFill>
+                  <a:srgbClr val="000000"/>
+                </a:solidFill>
+                <a:latin typeface="Menlo" charset="0"/>
+              </a:rPr>
+              <a:t>        I.next()</a:t>
+            </a:r>
+          </a:p>
+          <a:p>
+            <a:r>
+              <a:rPr lang="is-IS" sz="1000" dirty="0">
+                <a:solidFill>
+                  <a:srgbClr val="000000"/>
+                </a:solidFill>
+                <a:latin typeface="Menlo" charset="0"/>
+              </a:rPr>
+              <a:t>        exp()</a:t>
+            </a:r>
+          </a:p>
+          <a:p>
+            <a:r>
+              <a:rPr lang="is-IS" sz="1000" dirty="0">
+                <a:solidFill>
+                  <a:srgbClr val="000000"/>
+                </a:solidFill>
+                <a:latin typeface="Menlo" charset="0"/>
+              </a:rPr>
+              <a:t>        I.match(</a:t>
+            </a:r>
+            <a:r>
+              <a:rPr lang="is-IS" sz="1000" dirty="0">
+                <a:solidFill>
+                  <a:srgbClr val="272AD8"/>
+                </a:solidFill>
+                <a:latin typeface="Menlo" charset="0"/>
+              </a:rPr>
+              <a:t>';'</a:t>
+            </a:r>
+            <a:r>
+              <a:rPr lang="is-IS" sz="1000" dirty="0">
+                <a:solidFill>
+                  <a:srgbClr val="000000"/>
+                </a:solidFill>
+                <a:latin typeface="Menlo" charset="0"/>
+              </a:rPr>
+              <a:t>)</a:t>
+            </a:r>
+          </a:p>
+          <a:p>
+            <a:r>
+              <a:rPr lang="is-IS" sz="1000" dirty="0">
+                <a:solidFill>
+                  <a:srgbClr val="000000"/>
+                </a:solidFill>
+                <a:latin typeface="Menlo" charset="0"/>
+              </a:rPr>
+              <a:t>    </a:t>
+            </a:r>
+            <a:r>
+              <a:rPr lang="is-IS" sz="1000" dirty="0">
+                <a:solidFill>
+                  <a:srgbClr val="BA2DA2"/>
+                </a:solidFill>
+                <a:latin typeface="Menlo" charset="0"/>
               </a:rPr>
               <a:t>elif</a:t>
             </a:r>
             <a:r>
-              <a:rPr lang="pl-PL" sz="1000" dirty="0">
-                <a:latin typeface="Courier New"/>
-                <a:cs typeface="Courier New"/>
-              </a:rPr>
-              <a:t> </a:t>
-            </a:r>
-            <a:r>
-              <a:rPr lang="pl-PL" sz="1000" dirty="0" err="1">
-                <a:latin typeface="Courier New"/>
-                <a:cs typeface="Courier New"/>
-              </a:rPr>
-              <a:t>sym</a:t>
-            </a:r>
-            <a:r>
-              <a:rPr lang="pl-PL" sz="1000" dirty="0">
-                <a:latin typeface="Courier New"/>
-                <a:cs typeface="Courier New"/>
-              </a:rPr>
-              <a:t> == 's':</a:t>
-            </a:r>
-          </a:p>
-          <a:p>
-            <a:r>
-              <a:rPr lang="pl-PL" sz="1000" dirty="0">
-                <a:latin typeface="Courier New"/>
-                <a:cs typeface="Courier New"/>
-              </a:rPr>
-              <a:t>        </a:t>
-            </a:r>
-            <a:r>
-              <a:rPr lang="pl-PL" sz="1000" dirty="0" err="1">
-                <a:latin typeface="Courier New"/>
-                <a:cs typeface="Courier New"/>
-              </a:rPr>
-              <a:t>I.next</a:t>
-            </a:r>
-            <a:r>
-              <a:rPr lang="pl-PL" sz="1000" dirty="0">
-                <a:latin typeface="Courier New"/>
-                <a:cs typeface="Courier New"/>
-              </a:rPr>
-              <a:t>()</a:t>
-            </a:r>
-          </a:p>
-          <a:p>
-            <a:r>
-              <a:rPr lang="pl-PL" sz="1000" dirty="0">
-                <a:latin typeface="Courier New"/>
-                <a:cs typeface="Courier New"/>
-              </a:rPr>
-              <a:t>        </a:t>
-            </a:r>
-            <a:r>
-              <a:rPr lang="pl-PL" sz="1000" dirty="0" err="1">
-                <a:latin typeface="Courier New"/>
-                <a:cs typeface="Courier New"/>
-              </a:rPr>
-              <a:t>var</a:t>
-            </a:r>
-            <a:r>
-              <a:rPr lang="pl-PL" sz="1000" dirty="0">
-                <a:latin typeface="Courier New"/>
-                <a:cs typeface="Courier New"/>
-              </a:rPr>
-              <a:t>()</a:t>
-            </a:r>
-          </a:p>
-          <a:p>
-            <a:r>
-              <a:rPr lang="pl-PL" sz="1000" dirty="0">
-                <a:latin typeface="Courier New"/>
-                <a:cs typeface="Courier New"/>
-              </a:rPr>
-              <a:t>        </a:t>
-            </a:r>
-            <a:r>
-              <a:rPr lang="pl-PL" sz="1000" dirty="0" err="1">
-                <a:latin typeface="Courier New"/>
-                <a:cs typeface="Courier New"/>
-              </a:rPr>
-              <a:t>exp</a:t>
-            </a:r>
-            <a:r>
-              <a:rPr lang="pl-PL" sz="1000" dirty="0">
-                <a:latin typeface="Courier New"/>
-                <a:cs typeface="Courier New"/>
-              </a:rPr>
-              <a:t>()</a:t>
-            </a:r>
-          </a:p>
-          <a:p>
-            <a:r>
-              <a:rPr lang="en-US" sz="1000" dirty="0">
-                <a:latin typeface="Courier New"/>
-                <a:cs typeface="Courier New"/>
-              </a:rPr>
-              <a:t>        </a:t>
-            </a:r>
-            <a:r>
-              <a:rPr lang="en-US" sz="1000" dirty="0" err="1">
-                <a:latin typeface="Courier New"/>
-                <a:cs typeface="Courier New"/>
-              </a:rPr>
-              <a:t>I.next</a:t>
-            </a:r>
-            <a:r>
-              <a:rPr lang="en-US" sz="1000" dirty="0">
-                <a:latin typeface="Courier New"/>
-                <a:cs typeface="Courier New"/>
-              </a:rPr>
-              <a:t>() </a:t>
-            </a:r>
-            <a:r>
-              <a:rPr lang="en-US" sz="1000" dirty="0" smtClean="0">
-                <a:latin typeface="Courier New"/>
-                <a:cs typeface="Courier New"/>
-              </a:rPr>
-              <a:t># '</a:t>
-            </a:r>
-            <a:r>
-              <a:rPr lang="en-US" sz="1000" dirty="0">
-                <a:latin typeface="Courier New"/>
-                <a:cs typeface="Courier New"/>
-              </a:rPr>
-              <a:t>;'                                                                                </a:t>
-            </a:r>
-          </a:p>
-          <a:p>
-            <a:r>
-              <a:rPr lang="hu-HU" sz="1000" dirty="0">
-                <a:latin typeface="Courier New"/>
-                <a:cs typeface="Courier New"/>
-              </a:rPr>
-              <a:t>    else:</a:t>
-            </a:r>
-          </a:p>
-          <a:p>
-            <a:r>
-              <a:rPr lang="en-US" sz="1000" dirty="0">
-                <a:latin typeface="Courier New"/>
-                <a:cs typeface="Courier New"/>
-              </a:rPr>
-              <a:t>        raise </a:t>
-            </a:r>
-            <a:r>
-              <a:rPr lang="en-US" sz="1000" dirty="0" err="1">
-                <a:latin typeface="Courier New"/>
-                <a:cs typeface="Courier New"/>
-              </a:rPr>
-              <a:t>SyntaxError</a:t>
-            </a:r>
-            <a:r>
-              <a:rPr lang="en-US" sz="1000" dirty="0" smtClean="0">
-                <a:latin typeface="Courier New"/>
-                <a:cs typeface="Courier New"/>
-              </a:rPr>
-              <a:t>(…)</a:t>
-            </a:r>
-            <a:endParaRPr lang="en-US" sz="1000" dirty="0">
-              <a:latin typeface="Courier New"/>
-              <a:cs typeface="Courier New"/>
+              <a:rPr lang="is-IS" sz="1000" dirty="0">
+                <a:solidFill>
+                  <a:srgbClr val="000000"/>
+                </a:solidFill>
+                <a:latin typeface="Menlo" charset="0"/>
+              </a:rPr>
+              <a:t> sym == </a:t>
+            </a:r>
+            <a:r>
+              <a:rPr lang="is-IS" sz="1000" dirty="0">
+                <a:solidFill>
+                  <a:srgbClr val="272AD8"/>
+                </a:solidFill>
+                <a:latin typeface="Menlo" charset="0"/>
+              </a:rPr>
+              <a:t>'s'</a:t>
+            </a:r>
+            <a:r>
+              <a:rPr lang="is-IS" sz="1000" dirty="0">
+                <a:solidFill>
+                  <a:srgbClr val="000000"/>
+                </a:solidFill>
+                <a:latin typeface="Menlo" charset="0"/>
+              </a:rPr>
+              <a:t>:</a:t>
+            </a:r>
+          </a:p>
+          <a:p>
+            <a:r>
+              <a:rPr lang="is-IS" sz="1000" dirty="0">
+                <a:solidFill>
+                  <a:srgbClr val="000000"/>
+                </a:solidFill>
+                <a:latin typeface="Menlo" charset="0"/>
+              </a:rPr>
+              <a:t>        I.next()</a:t>
+            </a:r>
+          </a:p>
+          <a:p>
+            <a:r>
+              <a:rPr lang="is-IS" sz="1000" dirty="0">
+                <a:solidFill>
+                  <a:srgbClr val="000000"/>
+                </a:solidFill>
+                <a:latin typeface="Menlo" charset="0"/>
+              </a:rPr>
+              <a:t>        var()</a:t>
+            </a:r>
+          </a:p>
+          <a:p>
+            <a:r>
+              <a:rPr lang="is-IS" sz="1000" dirty="0">
+                <a:solidFill>
+                  <a:srgbClr val="000000"/>
+                </a:solidFill>
+                <a:latin typeface="Menlo" charset="0"/>
+              </a:rPr>
+              <a:t>        exp()</a:t>
+            </a:r>
+          </a:p>
+          <a:p>
+            <a:r>
+              <a:rPr lang="is-IS" sz="1000" dirty="0">
+                <a:solidFill>
+                  <a:srgbClr val="000000"/>
+                </a:solidFill>
+                <a:latin typeface="Menlo" charset="0"/>
+              </a:rPr>
+              <a:t>        I.match</a:t>
+            </a:r>
+            <a:r>
+              <a:rPr lang="is-IS" sz="1000" dirty="0" smtClean="0">
+                <a:solidFill>
+                  <a:srgbClr val="000000"/>
+                </a:solidFill>
+                <a:latin typeface="Menlo" charset="0"/>
+              </a:rPr>
+              <a:t>(</a:t>
+            </a:r>
+            <a:r>
+              <a:rPr lang="is-IS" sz="1000" dirty="0" smtClean="0">
+                <a:solidFill>
+                  <a:srgbClr val="272AD8"/>
+                </a:solidFill>
+                <a:latin typeface="Menlo" charset="0"/>
+              </a:rPr>
+              <a:t>';'</a:t>
+            </a:r>
+            <a:r>
+              <a:rPr lang="is-IS" sz="1000" dirty="0" smtClean="0">
+                <a:solidFill>
+                  <a:srgbClr val="000000"/>
+                </a:solidFill>
+                <a:latin typeface="Menlo" charset="0"/>
+              </a:rPr>
+              <a:t>)</a:t>
+            </a:r>
+            <a:endParaRPr lang="is-IS" sz="1000" dirty="0">
+              <a:solidFill>
+                <a:srgbClr val="000000"/>
+              </a:solidFill>
+              <a:latin typeface="Menlo" charset="0"/>
+            </a:endParaRPr>
+          </a:p>
+          <a:p>
+            <a:r>
+              <a:rPr lang="is-IS" sz="1000" dirty="0">
+                <a:solidFill>
+                  <a:srgbClr val="000000"/>
+                </a:solidFill>
+                <a:latin typeface="Menlo" charset="0"/>
+              </a:rPr>
+              <a:t>    </a:t>
+            </a:r>
+            <a:r>
+              <a:rPr lang="is-IS" sz="1000" dirty="0">
+                <a:solidFill>
+                  <a:srgbClr val="BA2DA2"/>
+                </a:solidFill>
+                <a:latin typeface="Menlo" charset="0"/>
+              </a:rPr>
+              <a:t>else</a:t>
+            </a:r>
+            <a:r>
+              <a:rPr lang="is-IS" sz="1000" dirty="0">
+                <a:solidFill>
+                  <a:srgbClr val="000000"/>
+                </a:solidFill>
+                <a:latin typeface="Menlo" charset="0"/>
+              </a:rPr>
+              <a:t>:</a:t>
+            </a:r>
+          </a:p>
+          <a:p>
+            <a:r>
+              <a:rPr lang="is-IS" sz="1000" dirty="0">
+                <a:solidFill>
+                  <a:srgbClr val="000000"/>
+                </a:solidFill>
+                <a:latin typeface="Menlo" charset="0"/>
+              </a:rPr>
+              <a:t>        </a:t>
+            </a:r>
+            <a:r>
+              <a:rPr lang="is-IS" sz="1000" dirty="0">
+                <a:solidFill>
+                  <a:srgbClr val="BA2DA2"/>
+                </a:solidFill>
+                <a:latin typeface="Menlo" charset="0"/>
+              </a:rPr>
+              <a:t>raise</a:t>
+            </a:r>
+            <a:r>
+              <a:rPr lang="is-IS" sz="1000" dirty="0">
+                <a:solidFill>
+                  <a:srgbClr val="000000"/>
+                </a:solidFill>
+                <a:latin typeface="Menlo" charset="0"/>
+              </a:rPr>
+              <a:t> SyntaxError</a:t>
+            </a:r>
+            <a:r>
+              <a:rPr lang="is-IS" sz="1000" dirty="0" smtClean="0">
+                <a:solidFill>
+                  <a:srgbClr val="000000"/>
+                </a:solidFill>
+                <a:latin typeface="Menlo" charset="0"/>
+              </a:rPr>
+              <a:t>(</a:t>
+            </a:r>
+            <a:r>
+              <a:rPr lang="is-IS" sz="1000" dirty="0" smtClean="0">
+                <a:solidFill>
+                  <a:srgbClr val="272AD8"/>
+                </a:solidFill>
+                <a:latin typeface="Menlo" charset="0"/>
+              </a:rPr>
+              <a:t>...</a:t>
+            </a:r>
+            <a:r>
+              <a:rPr lang="is-IS" sz="1000" dirty="0" smtClean="0">
+                <a:solidFill>
+                  <a:srgbClr val="000000"/>
+                </a:solidFill>
+                <a:latin typeface="Menlo" charset="0"/>
+              </a:rPr>
+              <a:t>)</a:t>
+            </a:r>
+            <a:endParaRPr lang="is-IS" sz="1000" dirty="0">
+              <a:solidFill>
+                <a:srgbClr val="272AD8"/>
+              </a:solidFill>
+              <a:effectLst/>
+              <a:latin typeface="Menlo" charset="0"/>
             </a:endParaRPr>
           </a:p>
         </p:txBody>
@@ -18262,8 +19402,8 @@
         </p:nvSpPr>
         <p:spPr bwMode="auto">
           <a:xfrm>
-            <a:off x="3048000" y="2168366"/>
-            <a:ext cx="2647279" cy="2708434"/>
+            <a:off x="3216630" y="838200"/>
+            <a:ext cx="2723823" cy="3323987"/>
           </a:xfrm>
           <a:prstGeom prst="rect">
             <a:avLst/>
@@ -18279,7 +19419,7 @@
           </a:ln>
           <a:extLst>
             <a:ext uri="{909E8E84-426E-40dd-AFC4-6F175D3DCCD1}">
-              <a14:hiddenFill xmlns="" xmlns:a14="http://schemas.microsoft.com/office/drawing/2010/main">
+              <a14:hiddenFill xmlns:a14="http://schemas.microsoft.com/office/drawing/2010/main" xmlns="">
                 <a:solidFill>
                   <a:schemeClr val="accent1"/>
                 </a:solidFill>
@@ -18294,405 +19434,846 @@
           <a:lstStyle/>
           <a:p>
             <a:r>
-              <a:rPr lang="en-US" sz="1000" dirty="0" err="1">
-                <a:latin typeface="Courier New"/>
-                <a:cs typeface="Courier New"/>
+              <a:rPr lang="is-IS" sz="1000" dirty="0">
+                <a:solidFill>
+                  <a:srgbClr val="BA2DA2"/>
+                </a:solidFill>
+                <a:latin typeface="Menlo" charset="0"/>
               </a:rPr>
               <a:t>def</a:t>
             </a:r>
             <a:r>
-              <a:rPr lang="en-US" sz="1000" dirty="0">
-                <a:latin typeface="Courier New"/>
-                <a:cs typeface="Courier New"/>
-              </a:rPr>
-              <a:t> </a:t>
-            </a:r>
-            <a:r>
-              <a:rPr lang="en-US" sz="1000" dirty="0" err="1">
-                <a:latin typeface="Courier New"/>
-                <a:cs typeface="Courier New"/>
-              </a:rPr>
-              <a:t>exp</a:t>
-            </a:r>
-            <a:r>
-              <a:rPr lang="en-US" sz="1000" dirty="0">
-                <a:latin typeface="Courier New"/>
-                <a:cs typeface="Courier New"/>
-              </a:rPr>
-              <a:t>():</a:t>
-            </a:r>
-          </a:p>
-          <a:p>
-            <a:r>
-              <a:rPr lang="en-US" sz="1000" dirty="0">
-                <a:latin typeface="Courier New"/>
-                <a:cs typeface="Courier New"/>
-              </a:rPr>
-              <a:t>    </a:t>
-            </a:r>
-            <a:r>
-              <a:rPr lang="en-US" sz="1000" dirty="0" err="1">
-                <a:latin typeface="Courier New"/>
-                <a:cs typeface="Courier New"/>
-              </a:rPr>
-              <a:t>sym</a:t>
-            </a:r>
-            <a:r>
-              <a:rPr lang="en-US" sz="1000" dirty="0">
-                <a:latin typeface="Courier New"/>
-                <a:cs typeface="Courier New"/>
-              </a:rPr>
-              <a:t> = </a:t>
-            </a:r>
-            <a:r>
-              <a:rPr lang="en-US" sz="1000" dirty="0" err="1">
-                <a:latin typeface="Courier New"/>
-                <a:cs typeface="Courier New"/>
-              </a:rPr>
-              <a:t>I.pointer</a:t>
-            </a:r>
-            <a:r>
-              <a:rPr lang="en-US" sz="1000" dirty="0">
-                <a:latin typeface="Courier New"/>
-                <a:cs typeface="Courier New"/>
-              </a:rPr>
-              <a:t>()</a:t>
-            </a:r>
-          </a:p>
-          <a:p>
-            <a:r>
-              <a:rPr lang="en-US" sz="1000" dirty="0">
-                <a:latin typeface="Courier New"/>
-                <a:cs typeface="Courier New"/>
-              </a:rPr>
-              <a:t>    if </a:t>
-            </a:r>
-            <a:r>
-              <a:rPr lang="en-US" sz="1000" dirty="0" err="1">
-                <a:latin typeface="Courier New"/>
-                <a:cs typeface="Courier New"/>
-              </a:rPr>
-              <a:t>sym</a:t>
-            </a:r>
-            <a:r>
-              <a:rPr lang="en-US" sz="1000" dirty="0">
-                <a:latin typeface="Courier New"/>
-                <a:cs typeface="Courier New"/>
-              </a:rPr>
-              <a:t> == '+':</a:t>
-            </a:r>
-          </a:p>
-          <a:p>
-            <a:r>
-              <a:rPr lang="en-US" sz="1000" dirty="0">
-                <a:latin typeface="Courier New"/>
-                <a:cs typeface="Courier New"/>
-              </a:rPr>
-              <a:t>        </a:t>
-            </a:r>
-            <a:r>
-              <a:rPr lang="en-US" sz="1000" dirty="0" err="1">
-                <a:latin typeface="Courier New"/>
-                <a:cs typeface="Courier New"/>
-              </a:rPr>
-              <a:t>I.next</a:t>
-            </a:r>
-            <a:r>
-              <a:rPr lang="en-US" sz="1000" dirty="0">
-                <a:latin typeface="Courier New"/>
-                <a:cs typeface="Courier New"/>
-              </a:rPr>
-              <a:t>()</a:t>
-            </a:r>
-          </a:p>
-          <a:p>
-            <a:r>
-              <a:rPr lang="en-US" sz="1000" dirty="0">
-                <a:latin typeface="Courier New"/>
-                <a:cs typeface="Courier New"/>
-              </a:rPr>
-              <a:t>        </a:t>
-            </a:r>
-            <a:r>
-              <a:rPr lang="en-US" sz="1000" dirty="0" err="1">
-                <a:latin typeface="Courier New"/>
-                <a:cs typeface="Courier New"/>
-              </a:rPr>
-              <a:t>exp</a:t>
-            </a:r>
-            <a:r>
-              <a:rPr lang="en-US" sz="1000" dirty="0">
-                <a:latin typeface="Courier New"/>
-                <a:cs typeface="Courier New"/>
-              </a:rPr>
-              <a:t>()</a:t>
-            </a:r>
-          </a:p>
-          <a:p>
-            <a:r>
-              <a:rPr lang="en-US" sz="1000" dirty="0">
-                <a:latin typeface="Courier New"/>
-                <a:cs typeface="Courier New"/>
-              </a:rPr>
-              <a:t>        </a:t>
-            </a:r>
-            <a:r>
-              <a:rPr lang="en-US" sz="1000" dirty="0" err="1">
-                <a:latin typeface="Courier New"/>
-                <a:cs typeface="Courier New"/>
-              </a:rPr>
-              <a:t>exp</a:t>
-            </a:r>
-            <a:r>
-              <a:rPr lang="en-US" sz="1000" dirty="0">
-                <a:latin typeface="Courier New"/>
-                <a:cs typeface="Courier New"/>
-              </a:rPr>
-              <a:t>()</a:t>
-            </a:r>
-          </a:p>
-          <a:p>
-            <a:r>
-              <a:rPr lang="pl-PL" sz="1000" dirty="0">
-                <a:latin typeface="Courier New"/>
-                <a:cs typeface="Courier New"/>
-              </a:rPr>
-              <a:t>    </a:t>
-            </a:r>
-            <a:r>
-              <a:rPr lang="pl-PL" sz="1000" dirty="0" err="1">
-                <a:latin typeface="Courier New"/>
-                <a:cs typeface="Courier New"/>
+              <a:rPr lang="is-IS" sz="1000" dirty="0">
+                <a:solidFill>
+                  <a:srgbClr val="000000"/>
+                </a:solidFill>
+                <a:latin typeface="Menlo" charset="0"/>
+              </a:rPr>
+              <a:t> exp():</a:t>
+            </a:r>
+          </a:p>
+          <a:p>
+            <a:r>
+              <a:rPr lang="is-IS" sz="1000" dirty="0">
+                <a:solidFill>
+                  <a:srgbClr val="000000"/>
+                </a:solidFill>
+                <a:latin typeface="Menlo" charset="0"/>
+              </a:rPr>
+              <a:t>    sym = I.pointer()</a:t>
+            </a:r>
+          </a:p>
+          <a:p>
+            <a:r>
+              <a:rPr lang="is-IS" sz="1000" dirty="0">
+                <a:solidFill>
+                  <a:srgbClr val="000000"/>
+                </a:solidFill>
+                <a:latin typeface="Menlo" charset="0"/>
+              </a:rPr>
+              <a:t>    </a:t>
+            </a:r>
+            <a:r>
+              <a:rPr lang="is-IS" sz="1000" dirty="0">
+                <a:solidFill>
+                  <a:srgbClr val="BA2DA2"/>
+                </a:solidFill>
+                <a:latin typeface="Menlo" charset="0"/>
+              </a:rPr>
+              <a:t>if</a:t>
+            </a:r>
+            <a:r>
+              <a:rPr lang="is-IS" sz="1000" dirty="0">
+                <a:solidFill>
+                  <a:srgbClr val="000000"/>
+                </a:solidFill>
+                <a:latin typeface="Menlo" charset="0"/>
+              </a:rPr>
+              <a:t> sym == </a:t>
+            </a:r>
+            <a:r>
+              <a:rPr lang="is-IS" sz="1000" dirty="0">
+                <a:solidFill>
+                  <a:srgbClr val="272AD8"/>
+                </a:solidFill>
+                <a:latin typeface="Menlo" charset="0"/>
+              </a:rPr>
+              <a:t>'+'</a:t>
+            </a:r>
+            <a:r>
+              <a:rPr lang="is-IS" sz="1000" dirty="0">
+                <a:solidFill>
+                  <a:srgbClr val="000000"/>
+                </a:solidFill>
+                <a:latin typeface="Menlo" charset="0"/>
+              </a:rPr>
+              <a:t>:</a:t>
+            </a:r>
+          </a:p>
+          <a:p>
+            <a:r>
+              <a:rPr lang="is-IS" sz="1000" dirty="0">
+                <a:solidFill>
+                  <a:srgbClr val="000000"/>
+                </a:solidFill>
+                <a:latin typeface="Menlo" charset="0"/>
+              </a:rPr>
+              <a:t>        I.next()</a:t>
+            </a:r>
+          </a:p>
+          <a:p>
+            <a:r>
+              <a:rPr lang="is-IS" sz="1000" dirty="0">
+                <a:solidFill>
+                  <a:srgbClr val="000000"/>
+                </a:solidFill>
+                <a:latin typeface="Menlo" charset="0"/>
+              </a:rPr>
+              <a:t>        exp()</a:t>
+            </a:r>
+          </a:p>
+          <a:p>
+            <a:r>
+              <a:rPr lang="is-IS" sz="1000" dirty="0">
+                <a:solidFill>
+                  <a:srgbClr val="000000"/>
+                </a:solidFill>
+                <a:latin typeface="Menlo" charset="0"/>
+              </a:rPr>
+              <a:t>        exp()</a:t>
+            </a:r>
+          </a:p>
+          <a:p>
+            <a:r>
+              <a:rPr lang="is-IS" sz="1000" dirty="0">
+                <a:solidFill>
+                  <a:srgbClr val="000000"/>
+                </a:solidFill>
+                <a:latin typeface="Menlo" charset="0"/>
+              </a:rPr>
+              <a:t>    </a:t>
+            </a:r>
+            <a:r>
+              <a:rPr lang="is-IS" sz="1000" dirty="0">
+                <a:solidFill>
+                  <a:srgbClr val="BA2DA2"/>
+                </a:solidFill>
+                <a:latin typeface="Menlo" charset="0"/>
               </a:rPr>
               <a:t>elif</a:t>
             </a:r>
             <a:r>
-              <a:rPr lang="pl-PL" sz="1000" dirty="0">
-                <a:latin typeface="Courier New"/>
-                <a:cs typeface="Courier New"/>
-              </a:rPr>
-              <a:t> </a:t>
-            </a:r>
-            <a:r>
-              <a:rPr lang="pl-PL" sz="1000" dirty="0" err="1">
-                <a:latin typeface="Courier New"/>
-                <a:cs typeface="Courier New"/>
-              </a:rPr>
-              <a:t>sym</a:t>
-            </a:r>
-            <a:r>
-              <a:rPr lang="pl-PL" sz="1000" dirty="0">
-                <a:latin typeface="Courier New"/>
-                <a:cs typeface="Courier New"/>
-              </a:rPr>
-              <a:t> == '-':</a:t>
-            </a:r>
-          </a:p>
-          <a:p>
-            <a:r>
-              <a:rPr lang="pl-PL" sz="1000" dirty="0">
-                <a:latin typeface="Courier New"/>
-                <a:cs typeface="Courier New"/>
-              </a:rPr>
-              <a:t>        </a:t>
-            </a:r>
-            <a:r>
-              <a:rPr lang="pl-PL" sz="1000" dirty="0" err="1">
-                <a:latin typeface="Courier New"/>
-                <a:cs typeface="Courier New"/>
-              </a:rPr>
-              <a:t>I.next</a:t>
-            </a:r>
-            <a:r>
-              <a:rPr lang="pl-PL" sz="1000" dirty="0">
-                <a:latin typeface="Courier New"/>
-                <a:cs typeface="Courier New"/>
-              </a:rPr>
-              <a:t>()</a:t>
-            </a:r>
-          </a:p>
-          <a:p>
-            <a:r>
-              <a:rPr lang="pl-PL" sz="1000" dirty="0">
-                <a:latin typeface="Courier New"/>
-                <a:cs typeface="Courier New"/>
-              </a:rPr>
-              <a:t>        </a:t>
-            </a:r>
-            <a:r>
-              <a:rPr lang="pl-PL" sz="1000" dirty="0" err="1">
-                <a:latin typeface="Courier New"/>
-                <a:cs typeface="Courier New"/>
-              </a:rPr>
-              <a:t>exp</a:t>
-            </a:r>
-            <a:r>
-              <a:rPr lang="pl-PL" sz="1000" dirty="0">
-                <a:latin typeface="Courier New"/>
-                <a:cs typeface="Courier New"/>
-              </a:rPr>
-              <a:t>()</a:t>
-            </a:r>
-          </a:p>
-          <a:p>
-            <a:r>
-              <a:rPr lang="pl-PL" sz="1000" dirty="0">
-                <a:latin typeface="Courier New"/>
-                <a:cs typeface="Courier New"/>
-              </a:rPr>
-              <a:t>        </a:t>
-            </a:r>
-            <a:r>
-              <a:rPr lang="pl-PL" sz="1000" dirty="0" err="1">
-                <a:latin typeface="Courier New"/>
-                <a:cs typeface="Courier New"/>
-              </a:rPr>
-              <a:t>exp</a:t>
-            </a:r>
-            <a:r>
-              <a:rPr lang="pl-PL" sz="1000" dirty="0">
-                <a:latin typeface="Courier New"/>
-                <a:cs typeface="Courier New"/>
-              </a:rPr>
-              <a:t>()</a:t>
-            </a:r>
-          </a:p>
-          <a:p>
-            <a:r>
-              <a:rPr lang="tr-TR" sz="1000" dirty="0">
-                <a:latin typeface="Courier New"/>
-                <a:cs typeface="Courier New"/>
-              </a:rPr>
-              <a:t>    elif </a:t>
-            </a:r>
-            <a:r>
-              <a:rPr lang="tr-TR" sz="1000" dirty="0" err="1">
-                <a:latin typeface="Courier New"/>
-                <a:cs typeface="Courier New"/>
-              </a:rPr>
-              <a:t>sym</a:t>
-            </a:r>
-            <a:r>
-              <a:rPr lang="tr-TR" sz="1000" dirty="0">
-                <a:latin typeface="Courier New"/>
-                <a:cs typeface="Courier New"/>
-              </a:rPr>
-              <a:t> in ['x', 'y', 'z']:</a:t>
-            </a:r>
-          </a:p>
-          <a:p>
-            <a:r>
-              <a:rPr lang="tr-TR" sz="1000" dirty="0">
-                <a:latin typeface="Courier New"/>
-                <a:cs typeface="Courier New"/>
-              </a:rPr>
-              <a:t>        var()</a:t>
-            </a:r>
-          </a:p>
-          <a:p>
-            <a:r>
-              <a:rPr lang="en-US" sz="1000" dirty="0">
-                <a:latin typeface="Courier New"/>
-                <a:cs typeface="Courier New"/>
-              </a:rPr>
-              <a:t>    </a:t>
-            </a:r>
-            <a:r>
-              <a:rPr lang="en-US" sz="1000" dirty="0" err="1">
-                <a:latin typeface="Courier New"/>
-                <a:cs typeface="Courier New"/>
+              <a:rPr lang="is-IS" sz="1000" dirty="0">
+                <a:solidFill>
+                  <a:srgbClr val="000000"/>
+                </a:solidFill>
+                <a:latin typeface="Menlo" charset="0"/>
+              </a:rPr>
+              <a:t> sym == </a:t>
+            </a:r>
+            <a:r>
+              <a:rPr lang="is-IS" sz="1000" dirty="0">
+                <a:solidFill>
+                  <a:srgbClr val="272AD8"/>
+                </a:solidFill>
+                <a:latin typeface="Menlo" charset="0"/>
+              </a:rPr>
+              <a:t>'-'</a:t>
+            </a:r>
+            <a:r>
+              <a:rPr lang="is-IS" sz="1000" dirty="0">
+                <a:solidFill>
+                  <a:srgbClr val="000000"/>
+                </a:solidFill>
+                <a:latin typeface="Menlo" charset="0"/>
+              </a:rPr>
+              <a:t>:</a:t>
+            </a:r>
+          </a:p>
+          <a:p>
+            <a:r>
+              <a:rPr lang="is-IS" sz="1000" dirty="0">
+                <a:solidFill>
+                  <a:srgbClr val="000000"/>
+                </a:solidFill>
+                <a:latin typeface="Menlo" charset="0"/>
+              </a:rPr>
+              <a:t>        I.next()</a:t>
+            </a:r>
+          </a:p>
+          <a:p>
+            <a:r>
+              <a:rPr lang="is-IS" sz="1000" dirty="0">
+                <a:solidFill>
+                  <a:srgbClr val="000000"/>
+                </a:solidFill>
+                <a:latin typeface="Menlo" charset="0"/>
+              </a:rPr>
+              <a:t>        exp()</a:t>
+            </a:r>
+          </a:p>
+          <a:p>
+            <a:r>
+              <a:rPr lang="is-IS" sz="1000" dirty="0">
+                <a:solidFill>
+                  <a:srgbClr val="000000"/>
+                </a:solidFill>
+                <a:latin typeface="Menlo" charset="0"/>
+              </a:rPr>
+              <a:t>        exp()</a:t>
+            </a:r>
+          </a:p>
+          <a:p>
+            <a:r>
+              <a:rPr lang="is-IS" sz="1000" dirty="0">
+                <a:solidFill>
+                  <a:srgbClr val="000000"/>
+                </a:solidFill>
+                <a:latin typeface="Menlo" charset="0"/>
+              </a:rPr>
+              <a:t>    </a:t>
+            </a:r>
+            <a:r>
+              <a:rPr lang="is-IS" sz="1000" dirty="0">
+                <a:solidFill>
+                  <a:srgbClr val="BA2DA2"/>
+                </a:solidFill>
+                <a:latin typeface="Menlo" charset="0"/>
               </a:rPr>
               <a:t>elif</a:t>
             </a:r>
             <a:r>
-              <a:rPr lang="en-US" sz="1000" dirty="0">
-                <a:latin typeface="Courier New"/>
-                <a:cs typeface="Courier New"/>
-              </a:rPr>
-              <a:t> </a:t>
-            </a:r>
-            <a:r>
-              <a:rPr lang="en-US" sz="1000" dirty="0" err="1">
-                <a:latin typeface="Courier New"/>
-                <a:cs typeface="Courier New"/>
-              </a:rPr>
-              <a:t>sym</a:t>
-            </a:r>
-            <a:r>
-              <a:rPr lang="en-US" sz="1000" dirty="0">
-                <a:latin typeface="Courier New"/>
-                <a:cs typeface="Courier New"/>
-              </a:rPr>
-              <a:t> in ['0', </a:t>
-            </a:r>
-            <a:r>
-              <a:rPr lang="en-US" sz="1000" dirty="0" smtClean="0">
-                <a:latin typeface="Courier New"/>
-                <a:cs typeface="Courier New"/>
-              </a:rPr>
-              <a:t>…, </a:t>
-            </a:r>
-            <a:r>
-              <a:rPr lang="en-US" sz="1000" dirty="0">
-                <a:latin typeface="Courier New"/>
-                <a:cs typeface="Courier New"/>
-              </a:rPr>
-              <a:t>'9']:</a:t>
-            </a:r>
-          </a:p>
-          <a:p>
-            <a:r>
-              <a:rPr lang="ro-RO" sz="1000" dirty="0">
-                <a:latin typeface="Courier New"/>
-                <a:cs typeface="Courier New"/>
-              </a:rPr>
-              <a:t>        num()</a:t>
-            </a:r>
-          </a:p>
-          <a:p>
-            <a:r>
-              <a:rPr lang="hu-HU" sz="1000" dirty="0">
-                <a:latin typeface="Courier New"/>
-                <a:cs typeface="Courier New"/>
-              </a:rPr>
-              <a:t>    else:</a:t>
-            </a:r>
-          </a:p>
-          <a:p>
-            <a:r>
-              <a:rPr lang="en-US" sz="1000" dirty="0">
-                <a:latin typeface="Courier New"/>
-                <a:cs typeface="Courier New"/>
-              </a:rPr>
-              <a:t>        raise </a:t>
-            </a:r>
-            <a:r>
-              <a:rPr lang="en-US" sz="1000" dirty="0" err="1">
-                <a:latin typeface="Courier New"/>
-                <a:cs typeface="Courier New"/>
-              </a:rPr>
-              <a:t>SyntaxError</a:t>
-            </a:r>
-            <a:r>
-              <a:rPr lang="en-US" sz="1000" dirty="0" smtClean="0">
-                <a:latin typeface="Courier New"/>
-                <a:cs typeface="Courier New"/>
-              </a:rPr>
-              <a:t>(…)</a:t>
-            </a:r>
+              <a:rPr lang="is-IS" sz="1000" dirty="0">
+                <a:solidFill>
+                  <a:srgbClr val="000000"/>
+                </a:solidFill>
+                <a:latin typeface="Menlo" charset="0"/>
+              </a:rPr>
+              <a:t> sym == </a:t>
+            </a:r>
+            <a:r>
+              <a:rPr lang="is-IS" sz="1000" dirty="0">
+                <a:solidFill>
+                  <a:srgbClr val="272AD8"/>
+                </a:solidFill>
+                <a:latin typeface="Menlo" charset="0"/>
+              </a:rPr>
+              <a:t>'('</a:t>
+            </a:r>
+            <a:r>
+              <a:rPr lang="is-IS" sz="1000" dirty="0">
+                <a:solidFill>
+                  <a:srgbClr val="000000"/>
+                </a:solidFill>
+                <a:latin typeface="Menlo" charset="0"/>
+              </a:rPr>
+              <a:t>:</a:t>
+            </a:r>
+          </a:p>
+          <a:p>
+            <a:r>
+              <a:rPr lang="is-IS" sz="1000" dirty="0">
+                <a:solidFill>
+                  <a:srgbClr val="000000"/>
+                </a:solidFill>
+                <a:latin typeface="Menlo" charset="0"/>
+              </a:rPr>
+              <a:t>        I.next()</a:t>
+            </a:r>
+          </a:p>
+          <a:p>
+            <a:r>
+              <a:rPr lang="is-IS" sz="1000" dirty="0">
+                <a:solidFill>
+                  <a:srgbClr val="000000"/>
+                </a:solidFill>
+                <a:latin typeface="Menlo" charset="0"/>
+              </a:rPr>
+              <a:t>        exp()</a:t>
+            </a:r>
+          </a:p>
+          <a:p>
+            <a:r>
+              <a:rPr lang="is-IS" sz="1000" dirty="0">
+                <a:solidFill>
+                  <a:srgbClr val="000000"/>
+                </a:solidFill>
+                <a:latin typeface="Menlo" charset="0"/>
+              </a:rPr>
+              <a:t>        I.match(</a:t>
+            </a:r>
+            <a:r>
+              <a:rPr lang="is-IS" sz="1000" dirty="0">
+                <a:solidFill>
+                  <a:srgbClr val="272AD8"/>
+                </a:solidFill>
+                <a:latin typeface="Menlo" charset="0"/>
+              </a:rPr>
+              <a:t>')'</a:t>
+            </a:r>
+            <a:r>
+              <a:rPr lang="is-IS" sz="1000" dirty="0">
+                <a:solidFill>
+                  <a:srgbClr val="000000"/>
+                </a:solidFill>
+                <a:latin typeface="Menlo" charset="0"/>
+              </a:rPr>
+              <a:t>)</a:t>
+            </a:r>
+          </a:p>
+          <a:p>
+            <a:r>
+              <a:rPr lang="is-IS" sz="1000" dirty="0">
+                <a:solidFill>
+                  <a:srgbClr val="000000"/>
+                </a:solidFill>
+                <a:latin typeface="Menlo" charset="0"/>
+              </a:rPr>
+              <a:t>    </a:t>
+            </a:r>
+            <a:r>
+              <a:rPr lang="is-IS" sz="1000" dirty="0">
+                <a:solidFill>
+                  <a:srgbClr val="BA2DA2"/>
+                </a:solidFill>
+                <a:latin typeface="Menlo" charset="0"/>
+              </a:rPr>
+              <a:t>elif</a:t>
+            </a:r>
+            <a:r>
+              <a:rPr lang="is-IS" sz="1000" dirty="0">
+                <a:solidFill>
+                  <a:srgbClr val="000000"/>
+                </a:solidFill>
+                <a:latin typeface="Menlo" charset="0"/>
+              </a:rPr>
+              <a:t> sym </a:t>
+            </a:r>
+            <a:r>
+              <a:rPr lang="is-IS" sz="1000" dirty="0">
+                <a:solidFill>
+                  <a:srgbClr val="BA2DA2"/>
+                </a:solidFill>
+                <a:latin typeface="Menlo" charset="0"/>
+              </a:rPr>
+              <a:t>in</a:t>
+            </a:r>
+            <a:r>
+              <a:rPr lang="is-IS" sz="1000" dirty="0">
+                <a:solidFill>
+                  <a:srgbClr val="000000"/>
+                </a:solidFill>
+                <a:latin typeface="Menlo" charset="0"/>
+              </a:rPr>
+              <a:t> [</a:t>
+            </a:r>
+            <a:r>
+              <a:rPr lang="is-IS" sz="1000" dirty="0">
+                <a:solidFill>
+                  <a:srgbClr val="272AD8"/>
+                </a:solidFill>
+                <a:latin typeface="Menlo" charset="0"/>
+              </a:rPr>
+              <a:t>'x'</a:t>
+            </a:r>
+            <a:r>
+              <a:rPr lang="is-IS" sz="1000" dirty="0">
+                <a:solidFill>
+                  <a:srgbClr val="000000"/>
+                </a:solidFill>
+                <a:latin typeface="Menlo" charset="0"/>
+              </a:rPr>
+              <a:t>, </a:t>
+            </a:r>
+            <a:r>
+              <a:rPr lang="is-IS" sz="1000" dirty="0">
+                <a:solidFill>
+                  <a:srgbClr val="272AD8"/>
+                </a:solidFill>
+                <a:latin typeface="Menlo" charset="0"/>
+              </a:rPr>
+              <a:t>'y'</a:t>
+            </a:r>
+            <a:r>
+              <a:rPr lang="is-IS" sz="1000" dirty="0">
+                <a:solidFill>
+                  <a:srgbClr val="000000"/>
+                </a:solidFill>
+                <a:latin typeface="Menlo" charset="0"/>
+              </a:rPr>
+              <a:t>, </a:t>
+            </a:r>
+            <a:r>
+              <a:rPr lang="is-IS" sz="1000" dirty="0">
+                <a:solidFill>
+                  <a:srgbClr val="272AD8"/>
+                </a:solidFill>
+                <a:latin typeface="Menlo" charset="0"/>
+              </a:rPr>
+              <a:t>'z'</a:t>
+            </a:r>
+            <a:r>
+              <a:rPr lang="is-IS" sz="1000" dirty="0">
+                <a:solidFill>
+                  <a:srgbClr val="000000"/>
+                </a:solidFill>
+                <a:latin typeface="Menlo" charset="0"/>
+              </a:rPr>
+              <a:t>]:</a:t>
+            </a:r>
+          </a:p>
+          <a:p>
+            <a:r>
+              <a:rPr lang="is-IS" sz="1000" dirty="0">
+                <a:solidFill>
+                  <a:srgbClr val="000000"/>
+                </a:solidFill>
+                <a:latin typeface="Menlo" charset="0"/>
+              </a:rPr>
+              <a:t>        var()</a:t>
+            </a:r>
+          </a:p>
+          <a:p>
+            <a:r>
+              <a:rPr lang="is-IS" sz="1000" dirty="0">
+                <a:solidFill>
+                  <a:srgbClr val="000000"/>
+                </a:solidFill>
+                <a:latin typeface="Menlo" charset="0"/>
+              </a:rPr>
+              <a:t>    </a:t>
+            </a:r>
+            <a:r>
+              <a:rPr lang="is-IS" sz="1000" dirty="0">
+                <a:solidFill>
+                  <a:srgbClr val="BA2DA2"/>
+                </a:solidFill>
+                <a:latin typeface="Menlo" charset="0"/>
+              </a:rPr>
+              <a:t>elif</a:t>
+            </a:r>
+            <a:r>
+              <a:rPr lang="is-IS" sz="1000" dirty="0">
+                <a:solidFill>
+                  <a:srgbClr val="000000"/>
+                </a:solidFill>
+                <a:latin typeface="Menlo" charset="0"/>
+              </a:rPr>
+              <a:t> sym </a:t>
+            </a:r>
+            <a:r>
+              <a:rPr lang="is-IS" sz="1000" dirty="0">
+                <a:solidFill>
+                  <a:srgbClr val="BA2DA2"/>
+                </a:solidFill>
+                <a:latin typeface="Menlo" charset="0"/>
+              </a:rPr>
+              <a:t>in</a:t>
+            </a:r>
+            <a:r>
+              <a:rPr lang="is-IS" sz="1000" dirty="0">
+                <a:solidFill>
+                  <a:srgbClr val="000000"/>
+                </a:solidFill>
+                <a:latin typeface="Menlo" charset="0"/>
+              </a:rPr>
+              <a:t> [</a:t>
+            </a:r>
+            <a:r>
+              <a:rPr lang="is-IS" sz="1000" dirty="0">
+                <a:solidFill>
+                  <a:srgbClr val="272AD8"/>
+                </a:solidFill>
+                <a:latin typeface="Menlo" charset="0"/>
+              </a:rPr>
+              <a:t>'0'</a:t>
+            </a:r>
+            <a:r>
+              <a:rPr lang="is-IS" sz="1000" dirty="0">
+                <a:solidFill>
+                  <a:srgbClr val="000000"/>
+                </a:solidFill>
+                <a:latin typeface="Menlo" charset="0"/>
+              </a:rPr>
+              <a:t>, </a:t>
+            </a:r>
+            <a:r>
+              <a:rPr lang="is-IS" sz="1000" dirty="0" smtClean="0">
+                <a:solidFill>
+                  <a:srgbClr val="272AD8"/>
+                </a:solidFill>
+                <a:latin typeface="Menlo" charset="0"/>
+              </a:rPr>
+              <a:t>... </a:t>
+            </a:r>
+            <a:r>
+              <a:rPr lang="is-IS" sz="1000" dirty="0" smtClean="0">
+                <a:solidFill>
+                  <a:srgbClr val="000000"/>
+                </a:solidFill>
+                <a:latin typeface="Menlo" charset="0"/>
+              </a:rPr>
+              <a:t>, </a:t>
+            </a:r>
+            <a:r>
+              <a:rPr lang="is-IS" sz="1000" dirty="0">
+                <a:solidFill>
+                  <a:srgbClr val="272AD8"/>
+                </a:solidFill>
+                <a:latin typeface="Menlo" charset="0"/>
+              </a:rPr>
+              <a:t>'9'</a:t>
+            </a:r>
+            <a:r>
+              <a:rPr lang="is-IS" sz="1000" dirty="0">
+                <a:solidFill>
+                  <a:srgbClr val="000000"/>
+                </a:solidFill>
+                <a:latin typeface="Menlo" charset="0"/>
+              </a:rPr>
+              <a:t>]:</a:t>
+            </a:r>
+            <a:endParaRPr lang="is-IS" sz="1000" dirty="0">
+              <a:solidFill>
+                <a:srgbClr val="272AD8"/>
+              </a:solidFill>
+              <a:latin typeface="Menlo" charset="0"/>
+            </a:endParaRPr>
+          </a:p>
+          <a:p>
+            <a:r>
+              <a:rPr lang="is-IS" sz="1000" dirty="0">
+                <a:solidFill>
+                  <a:srgbClr val="000000"/>
+                </a:solidFill>
+                <a:latin typeface="Menlo" charset="0"/>
+              </a:rPr>
+              <a:t>        num()</a:t>
+            </a:r>
+          </a:p>
+          <a:p>
+            <a:r>
+              <a:rPr lang="is-IS" sz="1000" dirty="0">
+                <a:solidFill>
+                  <a:srgbClr val="000000"/>
+                </a:solidFill>
+                <a:latin typeface="Menlo" charset="0"/>
+              </a:rPr>
+              <a:t>    </a:t>
+            </a:r>
+            <a:r>
+              <a:rPr lang="is-IS" sz="1000" dirty="0">
+                <a:solidFill>
+                  <a:srgbClr val="BA2DA2"/>
+                </a:solidFill>
+                <a:latin typeface="Menlo" charset="0"/>
+              </a:rPr>
+              <a:t>else</a:t>
+            </a:r>
+            <a:r>
+              <a:rPr lang="is-IS" sz="1000" dirty="0">
+                <a:solidFill>
+                  <a:srgbClr val="000000"/>
+                </a:solidFill>
+                <a:latin typeface="Menlo" charset="0"/>
+              </a:rPr>
+              <a:t>:</a:t>
+            </a:r>
+          </a:p>
+          <a:p>
+            <a:r>
+              <a:rPr lang="is-IS" sz="1000" dirty="0">
+                <a:solidFill>
+                  <a:srgbClr val="000000"/>
+                </a:solidFill>
+                <a:latin typeface="Menlo" charset="0"/>
+              </a:rPr>
+              <a:t>        </a:t>
+            </a:r>
+            <a:r>
+              <a:rPr lang="is-IS" sz="1000" dirty="0">
+                <a:solidFill>
+                  <a:srgbClr val="BA2DA2"/>
+                </a:solidFill>
+                <a:latin typeface="Menlo" charset="0"/>
+              </a:rPr>
+              <a:t>raise</a:t>
+            </a:r>
+            <a:r>
+              <a:rPr lang="is-IS" sz="1000" dirty="0">
+                <a:solidFill>
+                  <a:srgbClr val="000000"/>
+                </a:solidFill>
+                <a:latin typeface="Menlo" charset="0"/>
+              </a:rPr>
+              <a:t> SyntaxError</a:t>
+            </a:r>
+            <a:r>
+              <a:rPr lang="is-IS" sz="1000" dirty="0" smtClean="0">
+                <a:solidFill>
+                  <a:srgbClr val="000000"/>
+                </a:solidFill>
+                <a:latin typeface="Menlo" charset="0"/>
+              </a:rPr>
+              <a:t>(</a:t>
+            </a:r>
+            <a:r>
+              <a:rPr lang="is-IS" sz="1000" dirty="0" smtClean="0">
+                <a:solidFill>
+                  <a:srgbClr val="272AD8"/>
+                </a:solidFill>
+                <a:latin typeface="Menlo" charset="0"/>
+              </a:rPr>
+              <a:t>...</a:t>
+            </a:r>
+            <a:r>
+              <a:rPr lang="is-IS" sz="1000" dirty="0" smtClean="0">
+                <a:solidFill>
+                  <a:srgbClr val="000000"/>
+                </a:solidFill>
+                <a:latin typeface="Menlo" charset="0"/>
+              </a:rPr>
+              <a:t>)</a:t>
+            </a:r>
+            <a:endParaRPr lang="is-IS" sz="1000" dirty="0">
+              <a:solidFill>
+                <a:srgbClr val="272AD8"/>
+              </a:solidFill>
+              <a:latin typeface="Menlo" charset="0"/>
+            </a:endParaRPr>
+          </a:p>
+          <a:p>
             <a:endParaRPr lang="en-US" sz="1000" dirty="0">
               <a:latin typeface="Courier New"/>
               <a:cs typeface="Courier New"/>
             </a:endParaRPr>
           </a:p>
-          <a:p>
-            <a:endParaRPr lang="en-US" sz="1000" dirty="0">
-              <a:latin typeface="Courier New"/>
-              <a:cs typeface="Courier New"/>
-            </a:endParaRPr>
-          </a:p>
         </p:txBody>
       </p:sp>
+      <p:sp>
+        <p:nvSpPr>
+          <p:cNvPr id="9" name="Rectangle 8"/>
+          <p:cNvSpPr/>
+          <p:nvPr/>
+        </p:nvSpPr>
+        <p:spPr>
+          <a:xfrm>
+            <a:off x="4300932" y="3275112"/>
+            <a:ext cx="542136" cy="307777"/>
+          </a:xfrm>
+          <a:prstGeom prst="rect">
+            <a:avLst/>
+          </a:prstGeom>
+        </p:spPr>
+        <p:txBody>
+          <a:bodyPr wrap="none">
+            <a:spAutoFit/>
+          </a:bodyPr>
+          <a:lstStyle/>
+          <a:p>
+            <a:r>
+              <a:rPr lang="en-US" dirty="0" err="1"/>
+              <a:t>prog</a:t>
+            </a:r>
+            <a:endParaRPr lang="en-US" dirty="0"/>
+          </a:p>
+        </p:txBody>
+      </p:sp>
+      <p:sp>
+        <p:nvSpPr>
+          <p:cNvPr id="36" name="TextBox 35"/>
+          <p:cNvSpPr txBox="1"/>
+          <p:nvPr/>
+        </p:nvSpPr>
+        <p:spPr>
+          <a:xfrm>
+            <a:off x="5856798" y="4114800"/>
+            <a:ext cx="544002" cy="307777"/>
+          </a:xfrm>
+          <a:prstGeom prst="rect">
+            <a:avLst/>
+          </a:prstGeom>
+          <a:noFill/>
+        </p:spPr>
+        <p:txBody>
+          <a:bodyPr wrap="none" rtlCol="0">
+            <a:spAutoFit/>
+          </a:bodyPr>
+          <a:lstStyle/>
+          <a:p>
+            <a:r>
+              <a:rPr lang="en-US" dirty="0" err="1" smtClean="0"/>
+              <a:t>prog</a:t>
+            </a:r>
+            <a:endParaRPr lang="en-US" dirty="0"/>
+          </a:p>
+        </p:txBody>
+      </p:sp>
+      <p:cxnSp>
+        <p:nvCxnSpPr>
+          <p:cNvPr id="22" name="Straight Connector 21"/>
+          <p:cNvCxnSpPr>
+            <a:stCxn id="36" idx="2"/>
+            <a:endCxn id="13" idx="0"/>
+          </p:cNvCxnSpPr>
+          <p:nvPr/>
+        </p:nvCxnSpPr>
+        <p:spPr bwMode="auto">
+          <a:xfrm flipH="1">
+            <a:off x="5720196" y="4422577"/>
+            <a:ext cx="408603" cy="149423"/>
+          </a:xfrm>
+          <a:prstGeom prst="line">
+            <a:avLst/>
+          </a:prstGeom>
+          <a:solidFill>
+            <a:schemeClr val="accent1"/>
+          </a:solidFill>
+          <a:ln w="9525" cap="flat" cmpd="sng" algn="ctr">
+            <a:solidFill>
+              <a:schemeClr val="tx1"/>
+            </a:solidFill>
+            <a:prstDash val="solid"/>
+            <a:round/>
+            <a:headEnd type="none" w="med" len="med"/>
+            <a:tailEnd type="none" w="med" len="med"/>
+          </a:ln>
+          <a:effectLst/>
+          <a:extLst>
+            <a:ext uri="{AF507438-7753-43e0-B8FC-AC1667EBCBE1}">
+              <a14:hiddenEffects xmlns:a14="http://schemas.microsoft.com/office/drawing/2010/main" xmlns="">
+                <a:effectLst>
+                  <a:outerShdw blurRad="63500" dist="38099" dir="2700000" algn="ctr" rotWithShape="0">
+                    <a:schemeClr val="bg2">
+                      <a:alpha val="74998"/>
+                    </a:schemeClr>
+                  </a:outerShdw>
+                </a:effectLst>
+              </a14:hiddenEffects>
+            </a:ext>
+          </a:extLst>
+        </p:spPr>
+      </p:cxnSp>
+      <p:cxnSp>
+        <p:nvCxnSpPr>
+          <p:cNvPr id="26" name="Straight Connector 25"/>
+          <p:cNvCxnSpPr>
+            <a:stCxn id="36" idx="2"/>
+            <a:endCxn id="12" idx="0"/>
+          </p:cNvCxnSpPr>
+          <p:nvPr/>
+        </p:nvCxnSpPr>
+        <p:spPr bwMode="auto">
+          <a:xfrm>
+            <a:off x="6128799" y="4422577"/>
+            <a:ext cx="609600" cy="146446"/>
+          </a:xfrm>
+          <a:prstGeom prst="line">
+            <a:avLst/>
+          </a:prstGeom>
+          <a:solidFill>
+            <a:schemeClr val="accent1"/>
+          </a:solidFill>
+          <a:ln w="9525" cap="flat" cmpd="sng" algn="ctr">
+            <a:solidFill>
+              <a:schemeClr val="tx1"/>
+            </a:solidFill>
+            <a:prstDash val="solid"/>
+            <a:round/>
+            <a:headEnd type="none" w="med" len="med"/>
+            <a:tailEnd type="none" w="med" len="med"/>
+          </a:ln>
+          <a:effectLst/>
+          <a:extLst>
+            <a:ext uri="{AF507438-7753-43e0-B8FC-AC1667EBCBE1}">
+              <a14:hiddenEffects xmlns:a14="http://schemas.microsoft.com/office/drawing/2010/main" xmlns="">
+                <a:effectLst>
+                  <a:outerShdw blurRad="63500" dist="38099" dir="2700000" algn="ctr" rotWithShape="0">
+                    <a:schemeClr val="bg2">
+                      <a:alpha val="74998"/>
+                    </a:schemeClr>
+                  </a:outerShdw>
+                </a:effectLst>
+              </a14:hiddenEffects>
+            </a:ext>
+          </a:extLst>
+        </p:spPr>
+      </p:cxnSp>
+      <p:sp>
+        <p:nvSpPr>
+          <p:cNvPr id="41" name="TextBox 40"/>
+          <p:cNvSpPr txBox="1"/>
+          <p:nvPr/>
+        </p:nvSpPr>
+        <p:spPr>
+          <a:xfrm>
+            <a:off x="6626102" y="5102423"/>
+            <a:ext cx="308098" cy="307777"/>
+          </a:xfrm>
+          <a:prstGeom prst="rect">
+            <a:avLst/>
+          </a:prstGeom>
+          <a:noFill/>
+        </p:spPr>
+        <p:txBody>
+          <a:bodyPr wrap="none" rtlCol="0">
+            <a:spAutoFit/>
+          </a:bodyPr>
+          <a:lstStyle/>
+          <a:p>
+            <a:r>
+              <a:rPr lang="en-US" dirty="0" smtClean="0"/>
+              <a:t>“”</a:t>
+            </a:r>
+            <a:endParaRPr lang="en-US" dirty="0"/>
+          </a:p>
+        </p:txBody>
+      </p:sp>
+      <p:cxnSp>
+        <p:nvCxnSpPr>
+          <p:cNvPr id="29" name="Straight Connector 28"/>
+          <p:cNvCxnSpPr>
+            <a:stCxn id="12" idx="2"/>
+            <a:endCxn id="41" idx="0"/>
+          </p:cNvCxnSpPr>
+          <p:nvPr/>
+        </p:nvCxnSpPr>
+        <p:spPr bwMode="auto">
+          <a:xfrm>
+            <a:off x="6738399" y="4876800"/>
+            <a:ext cx="41752" cy="225623"/>
+          </a:xfrm>
+          <a:prstGeom prst="line">
+            <a:avLst/>
+          </a:prstGeom>
+          <a:solidFill>
+            <a:schemeClr val="accent1"/>
+          </a:solidFill>
+          <a:ln w="9525" cap="flat" cmpd="sng" algn="ctr">
+            <a:solidFill>
+              <a:schemeClr val="tx1"/>
+            </a:solidFill>
+            <a:prstDash val="solid"/>
+            <a:round/>
+            <a:headEnd type="none" w="med" len="med"/>
+            <a:tailEnd type="none" w="med" len="med"/>
+          </a:ln>
+          <a:effectLst/>
+          <a:extLst>
+            <a:ext uri="{AF507438-7753-43e0-B8FC-AC1667EBCBE1}">
+              <a14:hiddenEffects xmlns:a14="http://schemas.microsoft.com/office/drawing/2010/main" xmlns="">
+                <a:effectLst>
+                  <a:outerShdw blurRad="63500" dist="38099" dir="2700000" algn="ctr" rotWithShape="0">
+                    <a:schemeClr val="bg2">
+                      <a:alpha val="74998"/>
+                    </a:schemeClr>
+                  </a:outerShdw>
+                </a:effectLst>
+              </a14:hiddenEffects>
+            </a:ext>
+          </a:extLst>
+        </p:spPr>
+      </p:cxnSp>
     </p:spTree>
   </p:cSld>
   <p:clrMapOvr>
@@ -19072,11 +20653,7 @@
           <a:p>
             <a:r>
               <a:rPr lang="en-US" dirty="0" smtClean="0"/>
-              <a:t>Assignment </a:t>
-            </a:r>
-            <a:r>
-              <a:rPr lang="en-US" dirty="0" smtClean="0"/>
-              <a:t>#1 -- see the website</a:t>
+              <a:t>Assignment #1 -- see the website</a:t>
             </a:r>
             <a:endParaRPr lang="en-US" dirty="0"/>
           </a:p>
@@ -19702,7 +21279,7 @@
           </a:ln>
           <a:extLst>
             <a:ext uri="{909E8E84-426E-40dd-AFC4-6F175D3DCCD1}">
-              <a14:hiddenFill xmlns="" xmlns:a14="http://schemas.microsoft.com/office/drawing/2010/main">
+              <a14:hiddenFill xmlns:a14="http://schemas.microsoft.com/office/drawing/2010/main" xmlns="">
                 <a:solidFill>
                   <a:schemeClr val="accent1"/>
                 </a:solidFill>
@@ -19957,14 +21534,14 @@
           </a:ln>
           <a:extLst>
             <a:ext uri="{909E8E84-426E-40dd-AFC4-6F175D3DCCD1}">
-              <a14:hiddenFill xmlns="" xmlns:a14="http://schemas.microsoft.com/office/drawing/2010/main">
+              <a14:hiddenFill xmlns:a14="http://schemas.microsoft.com/office/drawing/2010/main" xmlns="">
                 <a:solidFill>
                   <a:schemeClr val="accent1"/>
                 </a:solidFill>
               </a14:hiddenFill>
             </a:ext>
             <a:ext uri="{91240B29-F687-4f45-9708-019B960494DF}">
-              <a14:hiddenLine xmlns="" xmlns:a14="http://schemas.microsoft.com/office/drawing/2010/main" w="9525">
+              <a14:hiddenLine xmlns:a14="http://schemas.microsoft.com/office/drawing/2010/main" xmlns="" w="9525">
                 <a:solidFill>
                   <a:schemeClr val="tx1"/>
                 </a:solidFill>
@@ -20529,7 +22106,7 @@
           <a:effectLst/>
           <a:extLst>
             <a:ext uri="{AF507438-7753-43e0-B8FC-AC1667EBCBE1}">
-              <a14:hiddenEffects xmlns="" xmlns:a14="http://schemas.microsoft.com/office/drawing/2010/main">
+              <a14:hiddenEffects xmlns:a14="http://schemas.microsoft.com/office/drawing/2010/main" xmlns="">
                 <a:effectLst>
                   <a:outerShdw blurRad="63500" dist="38099" dir="2700000" algn="ctr" rotWithShape="0">
                     <a:schemeClr val="bg2">
@@ -20573,7 +22150,7 @@
           <a:effectLst/>
           <a:extLst>
             <a:ext uri="{AF507438-7753-43e0-B8FC-AC1667EBCBE1}">
-              <a14:hiddenEffects xmlns="" xmlns:a14="http://schemas.microsoft.com/office/drawing/2010/main">
+              <a14:hiddenEffects xmlns:a14="http://schemas.microsoft.com/office/drawing/2010/main" xmlns="">
                 <a:effectLst>
                   <a:outerShdw blurRad="63500" dist="38099" dir="2700000" algn="ctr" rotWithShape="0">
                     <a:schemeClr val="bg2">
@@ -20618,7 +22195,7 @@
           <a:effectLst/>
           <a:extLst>
             <a:ext uri="{AF507438-7753-43e0-B8FC-AC1667EBCBE1}">
-              <a14:hiddenEffects xmlns="" xmlns:a14="http://schemas.microsoft.com/office/drawing/2010/main">
+              <a14:hiddenEffects xmlns:a14="http://schemas.microsoft.com/office/drawing/2010/main" xmlns="">
                 <a:effectLst>
                   <a:outerShdw blurRad="63500" dist="38099" dir="2700000" algn="ctr" rotWithShape="0">
                     <a:schemeClr val="bg2">
@@ -20663,7 +22240,7 @@
           <a:effectLst/>
           <a:extLst>
             <a:ext uri="{AF507438-7753-43e0-B8FC-AC1667EBCBE1}">
-              <a14:hiddenEffects xmlns="" xmlns:a14="http://schemas.microsoft.com/office/drawing/2010/main">
+              <a14:hiddenEffects xmlns:a14="http://schemas.microsoft.com/office/drawing/2010/main" xmlns="">
                 <a:effectLst>
                   <a:outerShdw blurRad="63500" dist="38099" dir="2700000" algn="ctr" rotWithShape="0">
                     <a:schemeClr val="bg2">
@@ -20708,7 +22285,7 @@
           <a:effectLst/>
           <a:extLst>
             <a:ext uri="{AF507438-7753-43e0-B8FC-AC1667EBCBE1}">
-              <a14:hiddenEffects xmlns="" xmlns:a14="http://schemas.microsoft.com/office/drawing/2010/main">
+              <a14:hiddenEffects xmlns:a14="http://schemas.microsoft.com/office/drawing/2010/main" xmlns="">
                 <a:effectLst>
                   <a:outerShdw blurRad="63500" dist="38099" dir="2700000" algn="ctr" rotWithShape="0">
                     <a:schemeClr val="bg2">
@@ -20753,7 +22330,7 @@
           <a:effectLst/>
           <a:extLst>
             <a:ext uri="{AF507438-7753-43e0-B8FC-AC1667EBCBE1}">
-              <a14:hiddenEffects xmlns="" xmlns:a14="http://schemas.microsoft.com/office/drawing/2010/main">
+              <a14:hiddenEffects xmlns:a14="http://schemas.microsoft.com/office/drawing/2010/main" xmlns="">
                 <a:effectLst>
                   <a:outerShdw blurRad="63500" dist="38099" dir="2700000" algn="ctr" rotWithShape="0">
                     <a:schemeClr val="bg2">
@@ -20797,7 +22374,7 @@
           <a:effectLst/>
           <a:extLst>
             <a:ext uri="{AF507438-7753-43e0-B8FC-AC1667EBCBE1}">
-              <a14:hiddenEffects xmlns="" xmlns:a14="http://schemas.microsoft.com/office/drawing/2010/main">
+              <a14:hiddenEffects xmlns:a14="http://schemas.microsoft.com/office/drawing/2010/main" xmlns="">
                 <a:effectLst>
                   <a:outerShdw blurRad="63500" dist="38099" dir="2700000" algn="ctr" rotWithShape="0">
                     <a:schemeClr val="bg2">
@@ -21177,7 +22754,7 @@
           </a:ln>
           <a:extLst>
             <a:ext uri="{909E8E84-426E-40dd-AFC4-6F175D3DCCD1}">
-              <a14:hiddenFill xmlns="" xmlns:a14="http://schemas.microsoft.com/office/drawing/2010/main">
+              <a14:hiddenFill xmlns:a14="http://schemas.microsoft.com/office/drawing/2010/main" xmlns="">
                 <a:solidFill>
                   <a:schemeClr val="accent1"/>
                 </a:solidFill>
@@ -21502,7 +23079,7 @@
           <a:effectLst/>
           <a:extLst>
             <a:ext uri="{AF507438-7753-43e0-B8FC-AC1667EBCBE1}">
-              <a14:hiddenEffects xmlns="" xmlns:a14="http://schemas.microsoft.com/office/drawing/2010/main">
+              <a14:hiddenEffects xmlns:a14="http://schemas.microsoft.com/office/drawing/2010/main" xmlns="">
                 <a:effectLst>
                   <a:outerShdw blurRad="63500" dist="38099" dir="2700000" algn="ctr" rotWithShape="0">
                     <a:schemeClr val="bg2">
@@ -21547,7 +23124,7 @@
           <a:effectLst/>
           <a:extLst>
             <a:ext uri="{AF507438-7753-43e0-B8FC-AC1667EBCBE1}">
-              <a14:hiddenEffects xmlns="" xmlns:a14="http://schemas.microsoft.com/office/drawing/2010/main">
+              <a14:hiddenEffects xmlns:a14="http://schemas.microsoft.com/office/drawing/2010/main" xmlns="">
                 <a:effectLst>
                   <a:outerShdw blurRad="63500" dist="38099" dir="2700000" algn="ctr" rotWithShape="0">
                     <a:schemeClr val="bg2">
@@ -22076,7 +23653,7 @@
         <a:effectLst/>
         <a:extLst>
           <a:ext uri="{AF507438-7753-43e0-B8FC-AC1667EBCBE1}">
-            <a14:hiddenEffects xmlns="" xmlns:a14="http://schemas.microsoft.com/office/drawing/2010/main">
+            <a14:hiddenEffects xmlns:a14="http://schemas.microsoft.com/office/drawing/2010/main" xmlns="">
               <a:effectLst>
                 <a:outerShdw blurRad="63500" dist="38099" dir="2700000" algn="ctr" rotWithShape="0">
                   <a:schemeClr val="bg2">
@@ -22153,7 +23730,7 @@
         <a:effectLst/>
         <a:extLst>
           <a:ext uri="{AF507438-7753-43e0-B8FC-AC1667EBCBE1}">
-            <a14:hiddenEffects xmlns="" xmlns:a14="http://schemas.microsoft.com/office/drawing/2010/main">
+            <a14:hiddenEffects xmlns:a14="http://schemas.microsoft.com/office/drawing/2010/main" xmlns="">
               <a:effectLst>
                 <a:outerShdw blurRad="63500" dist="38099" dir="2700000" algn="ctr" rotWithShape="0">
                   <a:schemeClr val="bg2">
